--- a/Travel Insurance - Leandro Hornos.pptx
+++ b/Travel Insurance - Leandro Hornos.pptx
@@ -16649,8 +16649,8 @@
         </p:blipFill>
         <p:spPr>
           <a:xfrm>
-            <a:off x="4356200" y="1892825"/>
-            <a:ext cx="3978093" cy="2843100"/>
+            <a:off x="4094850" y="1832450"/>
+            <a:ext cx="4050130" cy="2843100"/>
           </a:xfrm>
           <a:prstGeom prst="rect">
             <a:avLst/>
@@ -16824,9 +16824,48 @@
           </a:p>
         </p:txBody>
       </p:sp>
+      <p:sp>
+        <p:nvSpPr>
+          <p:cNvPr id="351" name="Google Shape;351;p23"/>
+          <p:cNvSpPr txBox="1"/>
+          <p:nvPr>
+            <p:ph idx="1" type="body"/>
+          </p:nvPr>
+        </p:nvSpPr>
+        <p:spPr>
+          <a:xfrm>
+            <a:off x="4253350" y="2679450"/>
+            <a:ext cx="3745800" cy="1974900"/>
+          </a:xfrm>
+          <a:prstGeom prst="rect">
+            <a:avLst/>
+          </a:prstGeom>
+        </p:spPr>
+        <p:txBody>
+          <a:bodyPr anchorCtr="0" anchor="t" bIns="91425" lIns="91425" spcFirstLastPara="1" rIns="91425" wrap="square" tIns="91425">
+            <a:normAutofit/>
+          </a:bodyPr>
+          <a:lstStyle/>
+          <a:p>
+            <a:pPr indent="0" lvl="0" marL="0" rtl="0" algn="l">
+              <a:spcBef>
+                <a:spcPts val="0"/>
+              </a:spcBef>
+              <a:spcAft>
+                <a:spcPts val="1200"/>
+              </a:spcAft>
+              <a:buNone/>
+            </a:pPr>
+            <a:r>
+              <a:t/>
+            </a:r>
+            <a:endParaRPr/>
+          </a:p>
+        </p:txBody>
+      </p:sp>
       <p:pic>
         <p:nvPicPr>
-          <p:cNvPr id="351" name="Google Shape;351;p23"/>
+          <p:cNvPr id="352" name="Google Shape;352;p23"/>
           <p:cNvPicPr preferRelativeResize="0"/>
           <p:nvPr/>
         </p:nvPicPr>
@@ -16840,8 +16879,8 @@
         </p:blipFill>
         <p:spPr>
           <a:xfrm>
-            <a:off x="1302625" y="2571750"/>
-            <a:ext cx="2705455" cy="2294500"/>
+            <a:off x="909725" y="2348950"/>
+            <a:ext cx="2946671" cy="2489750"/>
           </a:xfrm>
           <a:prstGeom prst="rect">
             <a:avLst/>
@@ -16854,12 +16893,12 @@
       </p:pic>
       <p:graphicFrame>
         <p:nvGraphicFramePr>
-          <p:cNvPr id="352" name="Google Shape;352;p23"/>
+          <p:cNvPr id="353" name="Google Shape;353;p23"/>
           <p:cNvGraphicFramePr/>
           <p:nvPr/>
         </p:nvGraphicFramePr>
         <p:xfrm>
-          <a:off x="2747700" y="1266775"/>
+          <a:off x="2639988" y="1321400"/>
           <a:ext cx="3000000" cy="3000000"/>
         </p:xfrm>
         <a:graphic>
@@ -16867,14 +16906,14 @@
             <a:tbl>
               <a:tblPr>
                 <a:noFill/>
-                <a:tableStyleId>{FC53CDBA-9641-4111-BCFE-086303AC1159}</a:tableStyleId>
+                <a:tableStyleId>{926FB249-70D4-4473-B52E-7140CC5C91D0}</a:tableStyleId>
               </a:tblPr>
               <a:tblGrid>
-                <a:gridCol w="1209550"/>
-                <a:gridCol w="1198675"/>
-                <a:gridCol w="1209550"/>
-                <a:gridCol w="1209550"/>
-                <a:gridCol w="1198675"/>
+                <a:gridCol w="1068300"/>
+                <a:gridCol w="1134575"/>
+                <a:gridCol w="1257125"/>
+                <a:gridCol w="1096725"/>
+                <a:gridCol w="1137575"/>
               </a:tblGrid>
               <a:tr h="190500">
                 <a:tc>
@@ -16882,7 +16921,7 @@
                     <a:bodyPr/>
                     <a:lstStyle/>
                     <a:p>
-                      <a:pPr indent="0" lvl="0" marL="0" rtl="0" algn="l">
+                      <a:pPr indent="0" lvl="0" marL="0" rtl="0" algn="ctr">
                         <a:spcBef>
                           <a:spcPts val="0"/>
                         </a:spcBef>
@@ -16905,7 +16944,7 @@
                     <a:bodyPr/>
                     <a:lstStyle/>
                     <a:p>
-                      <a:pPr indent="0" lvl="0" marL="0" rtl="0" algn="l">
+                      <a:pPr indent="0" lvl="0" marL="0" rtl="0" algn="ctr">
                         <a:spcBef>
                           <a:spcPts val="0"/>
                         </a:spcBef>
@@ -16928,7 +16967,7 @@
                     <a:bodyPr/>
                     <a:lstStyle/>
                     <a:p>
-                      <a:pPr indent="0" lvl="0" marL="0" rtl="0" algn="l">
+                      <a:pPr indent="0" lvl="0" marL="0" rtl="0" algn="ctr">
                         <a:spcBef>
                           <a:spcPts val="0"/>
                         </a:spcBef>
@@ -16951,7 +16990,7 @@
                     <a:bodyPr/>
                     <a:lstStyle/>
                     <a:p>
-                      <a:pPr indent="0" lvl="0" marL="0" rtl="0" algn="l">
+                      <a:pPr indent="0" lvl="0" marL="0" rtl="0" algn="ctr">
                         <a:spcBef>
                           <a:spcPts val="0"/>
                         </a:spcBef>
@@ -16974,7 +17013,7 @@
                     <a:bodyPr/>
                     <a:lstStyle/>
                     <a:p>
-                      <a:pPr indent="0" lvl="0" marL="0" rtl="0" algn="l">
+                      <a:pPr indent="0" lvl="0" marL="0" rtl="0" algn="ctr">
                         <a:spcBef>
                           <a:spcPts val="0"/>
                         </a:spcBef>
@@ -16993,13 +17032,13 @@
                   <a:tcPr marT="91425" marB="91425" marR="91425" marL="91425"/>
                 </a:tc>
               </a:tr>
-              <a:tr h="190500">
+              <a:tr h="342900">
                 <a:tc>
                   <a:txBody>
                     <a:bodyPr/>
                     <a:lstStyle/>
                     <a:p>
-                      <a:pPr indent="0" lvl="0" marL="0" rtl="0" algn="l">
+                      <a:pPr indent="0" lvl="0" marL="0" rtl="0" algn="ctr">
                         <a:spcBef>
                           <a:spcPts val="0"/>
                         </a:spcBef>
@@ -17009,10 +17048,10 @@
                         <a:buNone/>
                       </a:pPr>
                       <a:r>
-                        <a:rPr lang="es" sz="1200"/>
-                        <a:t>0,808</a:t>
+                        <a:rPr lang="es" sz="1300"/>
+                        <a:t>0,807</a:t>
                       </a:r>
-                      <a:endParaRPr sz="1200"/>
+                      <a:endParaRPr sz="1300"/>
                     </a:p>
                   </a:txBody>
                   <a:tcPr marT="91425" marB="91425" marR="91425" marL="91425"/>
@@ -17022,7 +17061,7 @@
                     <a:bodyPr/>
                     <a:lstStyle/>
                     <a:p>
-                      <a:pPr indent="0" lvl="0" marL="0" rtl="0" algn="l">
+                      <a:pPr indent="0" lvl="0" marL="0" rtl="0" algn="ctr">
                         <a:spcBef>
                           <a:spcPts val="0"/>
                         </a:spcBef>
@@ -17032,10 +17071,10 @@
                         <a:buNone/>
                       </a:pPr>
                       <a:r>
-                        <a:rPr lang="es" sz="1200"/>
-                        <a:t>0,784</a:t>
+                        <a:rPr lang="es" sz="1300"/>
+                        <a:t>0,792</a:t>
                       </a:r>
-                      <a:endParaRPr sz="1200"/>
+                      <a:endParaRPr sz="1300"/>
                     </a:p>
                   </a:txBody>
                   <a:tcPr marT="91425" marB="91425" marR="91425" marL="91425"/>
@@ -17045,7 +17084,7 @@
                     <a:bodyPr/>
                     <a:lstStyle/>
                     <a:p>
-                      <a:pPr indent="0" lvl="0" marL="0" rtl="0" algn="l">
+                      <a:pPr indent="0" lvl="0" marL="0" rtl="0" algn="ctr">
                         <a:spcBef>
                           <a:spcPts val="0"/>
                         </a:spcBef>
@@ -17055,10 +17094,10 @@
                         <a:buNone/>
                       </a:pPr>
                       <a:r>
-                        <a:rPr lang="es" sz="1200"/>
-                        <a:t>0,835</a:t>
+                        <a:rPr lang="es" sz="1300"/>
+                        <a:t>0,845</a:t>
                       </a:r>
-                      <a:endParaRPr sz="1200"/>
+                      <a:endParaRPr sz="1300"/>
                     </a:p>
                   </a:txBody>
                   <a:tcPr marT="91425" marB="91425" marR="91425" marL="91425"/>
@@ -17068,7 +17107,7 @@
                     <a:bodyPr/>
                     <a:lstStyle/>
                     <a:p>
-                      <a:pPr indent="0" lvl="0" marL="0" rtl="0" algn="l">
+                      <a:pPr indent="0" lvl="0" marL="0" rtl="0" algn="ctr">
                         <a:spcBef>
                           <a:spcPts val="0"/>
                         </a:spcBef>
@@ -17078,10 +17117,10 @@
                         <a:buNone/>
                       </a:pPr>
                       <a:r>
-                        <a:rPr lang="es" sz="1200"/>
-                        <a:t>0,523</a:t>
+                        <a:rPr lang="es" sz="1300"/>
+                        <a:t>0,541</a:t>
                       </a:r>
-                      <a:endParaRPr sz="1200"/>
+                      <a:endParaRPr sz="1300"/>
                     </a:p>
                   </a:txBody>
                   <a:tcPr marT="91425" marB="91425" marR="91425" marL="91425"/>
@@ -17091,7 +17130,7 @@
                     <a:bodyPr/>
                     <a:lstStyle/>
                     <a:p>
-                      <a:pPr indent="0" lvl="0" marL="0" rtl="0" algn="l">
+                      <a:pPr indent="0" lvl="0" marL="0" rtl="0" algn="ctr">
                         <a:spcBef>
                           <a:spcPts val="0"/>
                         </a:spcBef>
@@ -17101,10 +17140,10 @@
                         <a:buNone/>
                       </a:pPr>
                       <a:r>
-                        <a:rPr lang="es" sz="1200"/>
-                        <a:t>0,643</a:t>
+                        <a:rPr lang="es" sz="1300"/>
+                        <a:t>0,659</a:t>
                       </a:r>
-                      <a:endParaRPr sz="1200"/>
+                      <a:endParaRPr sz="1300"/>
                     </a:p>
                   </a:txBody>
                   <a:tcPr marT="91425" marB="91425" marR="91425" marL="91425"/>
@@ -17114,45 +17153,6 @@
           </a:graphicData>
         </a:graphic>
       </p:graphicFrame>
-      <p:sp>
-        <p:nvSpPr>
-          <p:cNvPr id="353" name="Google Shape;353;p23"/>
-          <p:cNvSpPr txBox="1"/>
-          <p:nvPr>
-            <p:ph idx="1" type="body"/>
-          </p:nvPr>
-        </p:nvSpPr>
-        <p:spPr>
-          <a:xfrm>
-            <a:off x="4253350" y="2679450"/>
-            <a:ext cx="3745800" cy="1974900"/>
-          </a:xfrm>
-          <a:prstGeom prst="rect">
-            <a:avLst/>
-          </a:prstGeom>
-        </p:spPr>
-        <p:txBody>
-          <a:bodyPr anchorCtr="0" anchor="t" bIns="91425" lIns="91425" spcFirstLastPara="1" rIns="91425" wrap="square" tIns="91425">
-            <a:normAutofit/>
-          </a:bodyPr>
-          <a:lstStyle/>
-          <a:p>
-            <a:pPr indent="0" lvl="0" marL="0" rtl="0" algn="l">
-              <a:spcBef>
-                <a:spcPts val="0"/>
-              </a:spcBef>
-              <a:spcAft>
-                <a:spcPts val="1200"/>
-              </a:spcAft>
-              <a:buNone/>
-            </a:pPr>
-            <a:r>
-              <a:t/>
-            </a:r>
-            <a:endParaRPr/>
-          </a:p>
-        </p:txBody>
-      </p:sp>
     </p:spTree>
   </p:cSld>
   <p:clrMapOvr>
@@ -17257,37 +17257,9 @@
           </a:p>
         </p:txBody>
       </p:sp>
-      <p:pic>
-        <p:nvPicPr>
-          <p:cNvPr id="360" name="Google Shape;360;p24"/>
-          <p:cNvPicPr preferRelativeResize="0"/>
-          <p:nvPr/>
-        </p:nvPicPr>
-        <p:blipFill>
-          <a:blip r:embed="rId3">
-            <a:alphaModFix/>
-          </a:blip>
-          <a:stretch>
-            <a:fillRect/>
-          </a:stretch>
-        </p:blipFill>
-        <p:spPr>
-          <a:xfrm>
-            <a:off x="1369500" y="2679459"/>
-            <a:ext cx="2651050" cy="2223190"/>
-          </a:xfrm>
-          <a:prstGeom prst="rect">
-            <a:avLst/>
-          </a:prstGeom>
-          <a:noFill/>
-          <a:ln>
-            <a:noFill/>
-          </a:ln>
-        </p:spPr>
-      </p:pic>
       <p:sp>
         <p:nvSpPr>
-          <p:cNvPr id="361" name="Google Shape;361;p24"/>
+          <p:cNvPr id="360" name="Google Shape;360;p24"/>
           <p:cNvSpPr txBox="1"/>
           <p:nvPr/>
         </p:nvSpPr>
@@ -17337,6 +17309,34 @@
           </a:p>
         </p:txBody>
       </p:sp>
+      <p:pic>
+        <p:nvPicPr>
+          <p:cNvPr id="361" name="Google Shape;361;p24"/>
+          <p:cNvPicPr preferRelativeResize="0"/>
+          <p:nvPr/>
+        </p:nvPicPr>
+        <p:blipFill>
+          <a:blip r:embed="rId3">
+            <a:alphaModFix/>
+          </a:blip>
+          <a:stretch>
+            <a:fillRect/>
+          </a:stretch>
+        </p:blipFill>
+        <p:spPr>
+          <a:xfrm>
+            <a:off x="799275" y="2324725"/>
+            <a:ext cx="3009900" cy="2524125"/>
+          </a:xfrm>
+          <a:prstGeom prst="rect">
+            <a:avLst/>
+          </a:prstGeom>
+          <a:noFill/>
+          <a:ln>
+            <a:noFill/>
+          </a:ln>
+        </p:spPr>
+      </p:pic>
       <p:graphicFrame>
         <p:nvGraphicFramePr>
           <p:cNvPr id="362" name="Google Shape;362;p24"/>
@@ -17344,7 +17344,7 @@
           <p:nvPr/>
         </p:nvGraphicFramePr>
         <p:xfrm>
-          <a:off x="2889875" y="1321450"/>
+          <a:off x="2639988" y="1195200"/>
           <a:ext cx="3000000" cy="3000000"/>
         </p:xfrm>
         <a:graphic>
@@ -17352,14 +17352,14 @@
             <a:tbl>
               <a:tblPr>
                 <a:noFill/>
-                <a:tableStyleId>{FC53CDBA-9641-4111-BCFE-086303AC1159}</a:tableStyleId>
+                <a:tableStyleId>{926FB249-70D4-4473-B52E-7140CC5C91D0}</a:tableStyleId>
               </a:tblPr>
               <a:tblGrid>
-                <a:gridCol w="1209550"/>
-                <a:gridCol w="1198675"/>
-                <a:gridCol w="1209550"/>
-                <a:gridCol w="1209550"/>
-                <a:gridCol w="1198675"/>
+                <a:gridCol w="1068300"/>
+                <a:gridCol w="1134575"/>
+                <a:gridCol w="1257125"/>
+                <a:gridCol w="1096725"/>
+                <a:gridCol w="1137575"/>
               </a:tblGrid>
               <a:tr h="190500">
                 <a:tc>
@@ -17367,7 +17367,7 @@
                     <a:bodyPr/>
                     <a:lstStyle/>
                     <a:p>
-                      <a:pPr indent="0" lvl="0" marL="0" rtl="0" algn="l">
+                      <a:pPr indent="0" lvl="0" marL="0" rtl="0" algn="ctr">
                         <a:spcBef>
                           <a:spcPts val="0"/>
                         </a:spcBef>
@@ -17390,7 +17390,7 @@
                     <a:bodyPr/>
                     <a:lstStyle/>
                     <a:p>
-                      <a:pPr indent="0" lvl="0" marL="0" rtl="0" algn="l">
+                      <a:pPr indent="0" lvl="0" marL="0" rtl="0" algn="ctr">
                         <a:spcBef>
                           <a:spcPts val="0"/>
                         </a:spcBef>
@@ -17413,7 +17413,7 @@
                     <a:bodyPr/>
                     <a:lstStyle/>
                     <a:p>
-                      <a:pPr indent="0" lvl="0" marL="0" rtl="0" algn="l">
+                      <a:pPr indent="0" lvl="0" marL="0" rtl="0" algn="ctr">
                         <a:spcBef>
                           <a:spcPts val="0"/>
                         </a:spcBef>
@@ -17436,7 +17436,7 @@
                     <a:bodyPr/>
                     <a:lstStyle/>
                     <a:p>
-                      <a:pPr indent="0" lvl="0" marL="0" rtl="0" algn="l">
+                      <a:pPr indent="0" lvl="0" marL="0" rtl="0" algn="ctr">
                         <a:spcBef>
                           <a:spcPts val="0"/>
                         </a:spcBef>
@@ -17459,7 +17459,7 @@
                     <a:bodyPr/>
                     <a:lstStyle/>
                     <a:p>
-                      <a:pPr indent="0" lvl="0" marL="0" rtl="0" algn="l">
+                      <a:pPr indent="0" lvl="0" marL="0" rtl="0" algn="ctr">
                         <a:spcBef>
                           <a:spcPts val="0"/>
                         </a:spcBef>
@@ -17478,13 +17478,105 @@
                   <a:tcPr marT="91425" marB="91425" marR="91425" marL="91425"/>
                 </a:tc>
               </a:tr>
-              <a:tr h="190500">
+              <a:tr h="342900">
                 <a:tc>
                   <a:txBody>
                     <a:bodyPr/>
                     <a:lstStyle/>
                     <a:p>
-                      <a:pPr indent="0" lvl="0" marL="0" rtl="0" algn="l">
+                      <a:pPr indent="0" lvl="0" marL="0" rtl="0" algn="ctr">
+                        <a:spcBef>
+                          <a:spcPts val="0"/>
+                        </a:spcBef>
+                        <a:spcAft>
+                          <a:spcPts val="0"/>
+                        </a:spcAft>
+                        <a:buNone/>
+                      </a:pPr>
+                      <a:r>
+                        <a:rPr lang="es" sz="1300"/>
+                        <a:t>0,882</a:t>
+                      </a:r>
+                      <a:endParaRPr sz="1300"/>
+                    </a:p>
+                  </a:txBody>
+                  <a:tcPr marT="91425" marB="91425" marR="91425" marL="91425"/>
+                </a:tc>
+                <a:tc>
+                  <a:txBody>
+                    <a:bodyPr/>
+                    <a:lstStyle/>
+                    <a:p>
+                      <a:pPr indent="0" lvl="0" marL="0" rtl="0" algn="ctr">
+                        <a:spcBef>
+                          <a:spcPts val="0"/>
+                        </a:spcBef>
+                        <a:spcAft>
+                          <a:spcPts val="0"/>
+                        </a:spcAft>
+                        <a:buNone/>
+                      </a:pPr>
+                      <a:r>
+                        <a:rPr lang="es" sz="1300"/>
+                        <a:t>0,769</a:t>
+                      </a:r>
+                      <a:endParaRPr sz="1300"/>
+                    </a:p>
+                  </a:txBody>
+                  <a:tcPr marT="91425" marB="91425" marR="91425" marL="91425"/>
+                </a:tc>
+                <a:tc>
+                  <a:txBody>
+                    <a:bodyPr/>
+                    <a:lstStyle/>
+                    <a:p>
+                      <a:pPr indent="0" lvl="0" marL="0" rtl="0" algn="ctr">
+                        <a:spcBef>
+                          <a:spcPts val="0"/>
+                        </a:spcBef>
+                        <a:spcAft>
+                          <a:spcPts val="0"/>
+                        </a:spcAft>
+                        <a:buNone/>
+                      </a:pPr>
+                      <a:r>
+                        <a:rPr lang="es" sz="1300"/>
+                        <a:t>0,736</a:t>
+                      </a:r>
+                      <a:endParaRPr sz="1300"/>
+                    </a:p>
+                  </a:txBody>
+                  <a:tcPr marT="91425" marB="91425" marR="91425" marL="91425"/>
+                </a:tc>
+                <a:tc>
+                  <a:txBody>
+                    <a:bodyPr/>
+                    <a:lstStyle/>
+                    <a:p>
+                      <a:pPr indent="0" lvl="0" marL="0" rtl="0" algn="ctr">
+                        <a:spcBef>
+                          <a:spcPts val="0"/>
+                        </a:spcBef>
+                        <a:spcAft>
+                          <a:spcPts val="0"/>
+                        </a:spcAft>
+                        <a:buNone/>
+                      </a:pPr>
+                      <a:r>
+                        <a:rPr lang="es" sz="1300"/>
+                        <a:t>0,590</a:t>
+                      </a:r>
+                      <a:endParaRPr sz="1300"/>
+                    </a:p>
+                  </a:txBody>
+                  <a:tcPr marT="91425" marB="91425" marR="91425" marL="91425"/>
+                </a:tc>
+                <a:tc>
+                  <a:txBody>
+                    <a:bodyPr/>
+                    <a:lstStyle/>
+                    <a:p>
+                      <a:pPr indent="0" lvl="0" marL="0" rtl="0" algn="ctr">
                         <a:spcBef>
                           <a:spcPts val="0"/>
                         </a:spcBef>
@@ -17495,99 +17587,7 @@
                       </a:pPr>
                       <a:r>
                         <a:rPr lang="es" sz="1200"/>
-                        <a:t>0,999</a:t>
-                      </a:r>
-                      <a:endParaRPr sz="1200"/>
-                    </a:p>
-                  </a:txBody>
-                  <a:tcPr marT="91425" marB="91425" marR="91425" marL="91425"/>
-                </a:tc>
-                <a:tc>
-                  <a:txBody>
-                    <a:bodyPr/>
-                    <a:lstStyle/>
-                    <a:p>
-                      <a:pPr indent="0" lvl="0" marL="0" rtl="0" algn="l">
-                        <a:spcBef>
-                          <a:spcPts val="0"/>
-                        </a:spcBef>
-                        <a:spcAft>
-                          <a:spcPts val="0"/>
-                        </a:spcAft>
-                        <a:buNone/>
-                      </a:pPr>
-                      <a:r>
-                        <a:rPr lang="es" sz="1200"/>
-                        <a:t>0,782</a:t>
-                      </a:r>
-                      <a:endParaRPr sz="1200"/>
-                    </a:p>
-                  </a:txBody>
-                  <a:tcPr marT="91425" marB="91425" marR="91425" marL="91425"/>
-                </a:tc>
-                <a:tc>
-                  <a:txBody>
-                    <a:bodyPr/>
-                    <a:lstStyle/>
-                    <a:p>
-                      <a:pPr indent="0" lvl="0" marL="0" rtl="0" algn="l">
-                        <a:spcBef>
-                          <a:spcPts val="0"/>
-                        </a:spcBef>
-                        <a:spcAft>
-                          <a:spcPts val="0"/>
-                        </a:spcAft>
-                        <a:buNone/>
-                      </a:pPr>
-                      <a:r>
-                        <a:rPr lang="es" sz="1200"/>
-                        <a:t>0,764</a:t>
-                      </a:r>
-                      <a:endParaRPr sz="1200"/>
-                    </a:p>
-                  </a:txBody>
-                  <a:tcPr marT="91425" marB="91425" marR="91425" marL="91425"/>
-                </a:tc>
-                <a:tc>
-                  <a:txBody>
-                    <a:bodyPr/>
-                    <a:lstStyle/>
-                    <a:p>
-                      <a:pPr indent="0" lvl="0" marL="0" rtl="0" algn="l">
-                        <a:spcBef>
-                          <a:spcPts val="0"/>
-                        </a:spcBef>
-                        <a:spcAft>
-                          <a:spcPts val="0"/>
-                        </a:spcAft>
-                        <a:buNone/>
-                      </a:pPr>
-                      <a:r>
-                        <a:rPr lang="es" sz="1200"/>
-                        <a:t>0,599</a:t>
-                      </a:r>
-                      <a:endParaRPr sz="1200"/>
-                    </a:p>
-                  </a:txBody>
-                  <a:tcPr marT="91425" marB="91425" marR="91425" marL="91425"/>
-                </a:tc>
-                <a:tc>
-                  <a:txBody>
-                    <a:bodyPr/>
-                    <a:lstStyle/>
-                    <a:p>
-                      <a:pPr indent="0" lvl="0" marL="0" rtl="0" algn="l">
-                        <a:spcBef>
-                          <a:spcPts val="0"/>
-                        </a:spcBef>
-                        <a:spcAft>
-                          <a:spcPts val="0"/>
-                        </a:spcAft>
-                        <a:buNone/>
-                      </a:pPr>
-                      <a:r>
-                        <a:rPr lang="es" sz="1200"/>
-                        <a:t>0,672</a:t>
+                        <a:t>0,655</a:t>
                       </a:r>
                       <a:endParaRPr sz="1200"/>
                     </a:p>
@@ -17716,14 +17716,42 @@
           </a:p>
         </p:txBody>
       </p:sp>
+      <p:pic>
+        <p:nvPicPr>
+          <p:cNvPr id="369" name="Google Shape;369;p25"/>
+          <p:cNvPicPr preferRelativeResize="0"/>
+          <p:nvPr/>
+        </p:nvPicPr>
+        <p:blipFill>
+          <a:blip r:embed="rId3">
+            <a:alphaModFix/>
+          </a:blip>
+          <a:stretch>
+            <a:fillRect/>
+          </a:stretch>
+        </p:blipFill>
+        <p:spPr>
+          <a:xfrm>
+            <a:off x="3865525" y="1195199"/>
+            <a:ext cx="4662925" cy="2281725"/>
+          </a:xfrm>
+          <a:prstGeom prst="rect">
+            <a:avLst/>
+          </a:prstGeom>
+          <a:noFill/>
+          <a:ln>
+            <a:noFill/>
+          </a:ln>
+        </p:spPr>
+      </p:pic>
       <p:graphicFrame>
         <p:nvGraphicFramePr>
-          <p:cNvPr id="369" name="Google Shape;369;p25"/>
+          <p:cNvPr id="370" name="Google Shape;370;p25"/>
           <p:cNvGraphicFramePr/>
           <p:nvPr/>
         </p:nvGraphicFramePr>
         <p:xfrm>
-          <a:off x="880800" y="3592400"/>
+          <a:off x="655213" y="3555825"/>
           <a:ext cx="3000000" cy="3000000"/>
         </p:xfrm>
         <a:graphic>
@@ -17731,15 +17759,15 @@
             <a:tbl>
               <a:tblPr>
                 <a:noFill/>
-                <a:tableStyleId>{FC53CDBA-9641-4111-BCFE-086303AC1159}</a:tableStyleId>
+                <a:tableStyleId>{926FB249-70D4-4473-B52E-7140CC5C91D0}</a:tableStyleId>
               </a:tblPr>
               <a:tblGrid>
-                <a:gridCol w="2092250"/>
-                <a:gridCol w="1209550"/>
-                <a:gridCol w="1198675"/>
-                <a:gridCol w="1209550"/>
-                <a:gridCol w="1209550"/>
-                <a:gridCol w="1198675"/>
+                <a:gridCol w="2633375"/>
+                <a:gridCol w="1068300"/>
+                <a:gridCol w="1134575"/>
+                <a:gridCol w="1257125"/>
+                <a:gridCol w="1096725"/>
+                <a:gridCol w="1137575"/>
               </a:tblGrid>
               <a:tr h="190500">
                 <a:tc>
@@ -17757,9 +17785,10 @@
                         <a:buNone/>
                       </a:pPr>
                       <a:r>
-                        <a:t/>
+                        <a:rPr b="1" lang="es" sz="1200"/>
+                        <a:t>Model</a:t>
                       </a:r>
-                      <a:endParaRPr b="1" sz="800"/>
+                      <a:endParaRPr b="1" sz="1200"/>
                     </a:p>
                   </a:txBody>
                   <a:tcPr marT="91425" marB="91425" marR="91425" marL="91425"/>
@@ -17769,7 +17798,7 @@
                     <a:bodyPr/>
                     <a:lstStyle/>
                     <a:p>
-                      <a:pPr indent="0" lvl="0" marL="0" rtl="0" algn="l">
+                      <a:pPr indent="0" lvl="0" marL="0" rtl="0" algn="ctr">
                         <a:spcBef>
                           <a:spcPts val="0"/>
                         </a:spcBef>
@@ -17792,7 +17821,7 @@
                     <a:bodyPr/>
                     <a:lstStyle/>
                     <a:p>
-                      <a:pPr indent="0" lvl="0" marL="0" rtl="0" algn="l">
+                      <a:pPr indent="0" lvl="0" marL="0" rtl="0" algn="ctr">
                         <a:spcBef>
                           <a:spcPts val="0"/>
                         </a:spcBef>
@@ -17815,7 +17844,7 @@
                     <a:bodyPr/>
                     <a:lstStyle/>
                     <a:p>
-                      <a:pPr indent="0" lvl="0" marL="0" rtl="0" algn="l">
+                      <a:pPr indent="0" lvl="0" marL="0" rtl="0" algn="ctr">
                         <a:spcBef>
                           <a:spcPts val="0"/>
                         </a:spcBef>
@@ -17838,7 +17867,7 @@
                     <a:bodyPr/>
                     <a:lstStyle/>
                     <a:p>
-                      <a:pPr indent="0" lvl="0" marL="0" rtl="0" algn="l">
+                      <a:pPr indent="0" lvl="0" marL="0" rtl="0" algn="ctr">
                         <a:spcBef>
                           <a:spcPts val="0"/>
                         </a:spcBef>
@@ -17861,7 +17890,7 @@
                     <a:bodyPr/>
                     <a:lstStyle/>
                     <a:p>
-                      <a:pPr indent="0" lvl="0" marL="0" rtl="0" algn="l">
+                      <a:pPr indent="0" lvl="0" marL="0" rtl="0" algn="ctr">
                         <a:spcBef>
                           <a:spcPts val="0"/>
                         </a:spcBef>
@@ -17880,7 +17909,7 @@
                   <a:tcPr marT="91425" marB="91425" marR="91425" marL="91425"/>
                 </a:tc>
               </a:tr>
-              <a:tr h="190500">
+              <a:tr h="342900">
                 <a:tc>
                   <a:txBody>
                     <a:bodyPr/>
@@ -17896,14 +17925,131 @@
                         <a:buNone/>
                       </a:pPr>
                       <a:r>
-                        <a:rPr b="1" lang="es" sz="1200"/>
+                        <a:rPr lang="es" sz="1300"/>
                         <a:t>Modelo 1: Decision Tree</a:t>
                       </a:r>
-                      <a:endParaRPr b="1" sz="1200"/>
+                      <a:endParaRPr sz="1300"/>
                     </a:p>
                   </a:txBody>
                   <a:tcPr marT="91425" marB="91425" marR="91425" marL="91425"/>
                 </a:tc>
+                <a:tc>
+                  <a:txBody>
+                    <a:bodyPr/>
+                    <a:lstStyle/>
+                    <a:p>
+                      <a:pPr indent="0" lvl="0" marL="0" rtl="0" algn="ctr">
+                        <a:spcBef>
+                          <a:spcPts val="0"/>
+                        </a:spcBef>
+                        <a:spcAft>
+                          <a:spcPts val="0"/>
+                        </a:spcAft>
+                        <a:buNone/>
+                      </a:pPr>
+                      <a:r>
+                        <a:rPr lang="es" sz="1300"/>
+                        <a:t>0,807</a:t>
+                      </a:r>
+                      <a:endParaRPr sz="1300"/>
+                    </a:p>
+                  </a:txBody>
+                  <a:tcPr marT="91425" marB="91425" marR="91425" marL="91425"/>
+                </a:tc>
+                <a:tc>
+                  <a:txBody>
+                    <a:bodyPr/>
+                    <a:lstStyle/>
+                    <a:p>
+                      <a:pPr indent="0" lvl="0" marL="0" rtl="0" algn="ctr">
+                        <a:spcBef>
+                          <a:spcPts val="0"/>
+                        </a:spcBef>
+                        <a:spcAft>
+                          <a:spcPts val="0"/>
+                        </a:spcAft>
+                        <a:buNone/>
+                      </a:pPr>
+                      <a:r>
+                        <a:rPr lang="es" sz="1300"/>
+                        <a:t>0,792</a:t>
+                      </a:r>
+                      <a:endParaRPr sz="1300"/>
+                    </a:p>
+                  </a:txBody>
+                  <a:tcPr marT="91425" marB="91425" marR="91425" marL="91425"/>
+                </a:tc>
+                <a:tc>
+                  <a:txBody>
+                    <a:bodyPr/>
+                    <a:lstStyle/>
+                    <a:p>
+                      <a:pPr indent="0" lvl="0" marL="0" rtl="0" algn="ctr">
+                        <a:spcBef>
+                          <a:spcPts val="0"/>
+                        </a:spcBef>
+                        <a:spcAft>
+                          <a:spcPts val="0"/>
+                        </a:spcAft>
+                        <a:buNone/>
+                      </a:pPr>
+                      <a:r>
+                        <a:rPr lang="es" sz="1300"/>
+                        <a:t>0,845</a:t>
+                      </a:r>
+                      <a:endParaRPr sz="1300"/>
+                    </a:p>
+                  </a:txBody>
+                  <a:tcPr marT="91425" marB="91425" marR="91425" marL="91425"/>
+                </a:tc>
+                <a:tc>
+                  <a:txBody>
+                    <a:bodyPr/>
+                    <a:lstStyle/>
+                    <a:p>
+                      <a:pPr indent="0" lvl="0" marL="0" rtl="0" algn="ctr">
+                        <a:spcBef>
+                          <a:spcPts val="0"/>
+                        </a:spcBef>
+                        <a:spcAft>
+                          <a:spcPts val="0"/>
+                        </a:spcAft>
+                        <a:buNone/>
+                      </a:pPr>
+                      <a:r>
+                        <a:rPr lang="es" sz="1300"/>
+                        <a:t>0,541</a:t>
+                      </a:r>
+                      <a:endParaRPr sz="1300"/>
+                    </a:p>
+                  </a:txBody>
+                  <a:tcPr marT="91425" marB="91425" marR="91425" marL="91425"/>
+                </a:tc>
+                <a:tc>
+                  <a:txBody>
+                    <a:bodyPr/>
+                    <a:lstStyle/>
+                    <a:p>
+                      <a:pPr indent="0" lvl="0" marL="0" rtl="0" algn="ctr">
+                        <a:spcBef>
+                          <a:spcPts val="0"/>
+                        </a:spcBef>
+                        <a:spcAft>
+                          <a:spcPts val="0"/>
+                        </a:spcAft>
+                        <a:buNone/>
+                      </a:pPr>
+                      <a:r>
+                        <a:rPr lang="es" sz="1300"/>
+                        <a:t>0,659</a:t>
+                      </a:r>
+                      <a:endParaRPr sz="1300"/>
+                    </a:p>
+                  </a:txBody>
+                  <a:tcPr marT="91425" marB="91425" marR="91425" marL="91425"/>
+                </a:tc>
+              </a:tr>
+              <a:tr h="342900">
                 <a:tc>
                   <a:txBody>
                     <a:bodyPr/>
@@ -17919,10 +18065,10 @@
                         <a:buNone/>
                       </a:pPr>
                       <a:r>
-                        <a:rPr lang="es" sz="1200"/>
-                        <a:t>0,808</a:t>
+                        <a:rPr lang="es" sz="1300"/>
+                        <a:t>Modelo 2: Random Forest</a:t>
                       </a:r>
-                      <a:endParaRPr sz="1200"/>
+                      <a:endParaRPr sz="1300"/>
                     </a:p>
                   </a:txBody>
                   <a:tcPr marT="91425" marB="91425" marR="91425" marL="91425"/>
@@ -17932,7 +18078,99 @@
                     <a:bodyPr/>
                     <a:lstStyle/>
                     <a:p>
-                      <a:pPr indent="0" lvl="0" marL="0" rtl="0" algn="l">
+                      <a:pPr indent="0" lvl="0" marL="0" rtl="0" algn="ctr">
+                        <a:spcBef>
+                          <a:spcPts val="0"/>
+                        </a:spcBef>
+                        <a:spcAft>
+                          <a:spcPts val="0"/>
+                        </a:spcAft>
+                        <a:buNone/>
+                      </a:pPr>
+                      <a:r>
+                        <a:rPr lang="es" sz="1300"/>
+                        <a:t>0,882</a:t>
+                      </a:r>
+                      <a:endParaRPr sz="1300"/>
+                    </a:p>
+                  </a:txBody>
+                  <a:tcPr marT="91425" marB="91425" marR="91425" marL="91425"/>
+                </a:tc>
+                <a:tc>
+                  <a:txBody>
+                    <a:bodyPr/>
+                    <a:lstStyle/>
+                    <a:p>
+                      <a:pPr indent="0" lvl="0" marL="0" rtl="0" algn="ctr">
+                        <a:spcBef>
+                          <a:spcPts val="0"/>
+                        </a:spcBef>
+                        <a:spcAft>
+                          <a:spcPts val="0"/>
+                        </a:spcAft>
+                        <a:buNone/>
+                      </a:pPr>
+                      <a:r>
+                        <a:rPr lang="es" sz="1300"/>
+                        <a:t>0,769</a:t>
+                      </a:r>
+                      <a:endParaRPr sz="1300"/>
+                    </a:p>
+                  </a:txBody>
+                  <a:tcPr marT="91425" marB="91425" marR="91425" marL="91425"/>
+                </a:tc>
+                <a:tc>
+                  <a:txBody>
+                    <a:bodyPr/>
+                    <a:lstStyle/>
+                    <a:p>
+                      <a:pPr indent="0" lvl="0" marL="0" rtl="0" algn="ctr">
+                        <a:spcBef>
+                          <a:spcPts val="0"/>
+                        </a:spcBef>
+                        <a:spcAft>
+                          <a:spcPts val="0"/>
+                        </a:spcAft>
+                        <a:buNone/>
+                      </a:pPr>
+                      <a:r>
+                        <a:rPr lang="es" sz="1300"/>
+                        <a:t>0,736</a:t>
+                      </a:r>
+                      <a:endParaRPr sz="1300"/>
+                    </a:p>
+                  </a:txBody>
+                  <a:tcPr marT="91425" marB="91425" marR="91425" marL="91425"/>
+                </a:tc>
+                <a:tc>
+                  <a:txBody>
+                    <a:bodyPr/>
+                    <a:lstStyle/>
+                    <a:p>
+                      <a:pPr indent="0" lvl="0" marL="0" rtl="0" algn="ctr">
+                        <a:spcBef>
+                          <a:spcPts val="0"/>
+                        </a:spcBef>
+                        <a:spcAft>
+                          <a:spcPts val="0"/>
+                        </a:spcAft>
+                        <a:buNone/>
+                      </a:pPr>
+                      <a:r>
+                        <a:rPr lang="es" sz="1300"/>
+                        <a:t>0,590</a:t>
+                      </a:r>
+                      <a:endParaRPr sz="1300"/>
+                    </a:p>
+                  </a:txBody>
+                  <a:tcPr marT="91425" marB="91425" marR="91425" marL="91425"/>
+                </a:tc>
+                <a:tc>
+                  <a:txBody>
+                    <a:bodyPr/>
+                    <a:lstStyle/>
+                    <a:p>
+                      <a:pPr indent="0" lvl="0" marL="0" rtl="0" algn="ctr">
                         <a:spcBef>
                           <a:spcPts val="0"/>
                         </a:spcBef>
@@ -17943,216 +18181,7 @@
                       </a:pPr>
                       <a:r>
                         <a:rPr lang="es" sz="1200"/>
-                        <a:t>0,784</a:t>
-                      </a:r>
-                      <a:endParaRPr sz="1200"/>
-                    </a:p>
-                  </a:txBody>
-                  <a:tcPr marT="91425" marB="91425" marR="91425" marL="91425"/>
-                </a:tc>
-                <a:tc>
-                  <a:txBody>
-                    <a:bodyPr/>
-                    <a:lstStyle/>
-                    <a:p>
-                      <a:pPr indent="0" lvl="0" marL="0" rtl="0" algn="l">
-                        <a:spcBef>
-                          <a:spcPts val="0"/>
-                        </a:spcBef>
-                        <a:spcAft>
-                          <a:spcPts val="0"/>
-                        </a:spcAft>
-                        <a:buNone/>
-                      </a:pPr>
-                      <a:r>
-                        <a:rPr lang="es" sz="1200"/>
-                        <a:t>0,835</a:t>
-                      </a:r>
-                      <a:endParaRPr sz="1200"/>
-                    </a:p>
-                  </a:txBody>
-                  <a:tcPr marT="91425" marB="91425" marR="91425" marL="91425"/>
-                </a:tc>
-                <a:tc>
-                  <a:txBody>
-                    <a:bodyPr/>
-                    <a:lstStyle/>
-                    <a:p>
-                      <a:pPr indent="0" lvl="0" marL="0" rtl="0" algn="l">
-                        <a:spcBef>
-                          <a:spcPts val="0"/>
-                        </a:spcBef>
-                        <a:spcAft>
-                          <a:spcPts val="0"/>
-                        </a:spcAft>
-                        <a:buNone/>
-                      </a:pPr>
-                      <a:r>
-                        <a:rPr lang="es" sz="1200"/>
-                        <a:t>0,523</a:t>
-                      </a:r>
-                      <a:endParaRPr sz="1200"/>
-                    </a:p>
-                  </a:txBody>
-                  <a:tcPr marT="91425" marB="91425" marR="91425" marL="91425"/>
-                </a:tc>
-                <a:tc>
-                  <a:txBody>
-                    <a:bodyPr/>
-                    <a:lstStyle/>
-                    <a:p>
-                      <a:pPr indent="0" lvl="0" marL="0" rtl="0" algn="l">
-                        <a:spcBef>
-                          <a:spcPts val="0"/>
-                        </a:spcBef>
-                        <a:spcAft>
-                          <a:spcPts val="0"/>
-                        </a:spcAft>
-                        <a:buNone/>
-                      </a:pPr>
-                      <a:r>
-                        <a:rPr lang="es" sz="1200"/>
-                        <a:t>0,643</a:t>
-                      </a:r>
-                      <a:endParaRPr sz="1200"/>
-                    </a:p>
-                  </a:txBody>
-                  <a:tcPr marT="91425" marB="91425" marR="91425" marL="91425"/>
-                </a:tc>
-              </a:tr>
-              <a:tr h="190500">
-                <a:tc>
-                  <a:txBody>
-                    <a:bodyPr/>
-                    <a:lstStyle/>
-                    <a:p>
-                      <a:pPr indent="0" lvl="0" marL="0" rtl="0" algn="l">
-                        <a:spcBef>
-                          <a:spcPts val="0"/>
-                        </a:spcBef>
-                        <a:spcAft>
-                          <a:spcPts val="0"/>
-                        </a:spcAft>
-                        <a:buNone/>
-                      </a:pPr>
-                      <a:r>
-                        <a:rPr b="1" lang="es" sz="1200"/>
-                        <a:t>Modelo 2: Random Forest</a:t>
-                      </a:r>
-                      <a:endParaRPr b="1" sz="1200"/>
-                    </a:p>
-                  </a:txBody>
-                  <a:tcPr marT="91425" marB="91425" marR="91425" marL="91425"/>
-                </a:tc>
-                <a:tc>
-                  <a:txBody>
-                    <a:bodyPr/>
-                    <a:lstStyle/>
-                    <a:p>
-                      <a:pPr indent="0" lvl="0" marL="0" rtl="0" algn="l">
-                        <a:spcBef>
-                          <a:spcPts val="0"/>
-                        </a:spcBef>
-                        <a:spcAft>
-                          <a:spcPts val="0"/>
-                        </a:spcAft>
-                        <a:buNone/>
-                      </a:pPr>
-                      <a:r>
-                        <a:rPr lang="es" sz="1200"/>
-                        <a:t>0,999</a:t>
-                      </a:r>
-                      <a:endParaRPr sz="1200"/>
-                    </a:p>
-                  </a:txBody>
-                  <a:tcPr marT="91425" marB="91425" marR="91425" marL="91425"/>
-                </a:tc>
-                <a:tc>
-                  <a:txBody>
-                    <a:bodyPr/>
-                    <a:lstStyle/>
-                    <a:p>
-                      <a:pPr indent="0" lvl="0" marL="0" rtl="0" algn="l">
-                        <a:spcBef>
-                          <a:spcPts val="0"/>
-                        </a:spcBef>
-                        <a:spcAft>
-                          <a:spcPts val="0"/>
-                        </a:spcAft>
-                        <a:buNone/>
-                      </a:pPr>
-                      <a:r>
-                        <a:rPr lang="es" sz="1200"/>
-                        <a:t>0,782</a:t>
-                      </a:r>
-                      <a:endParaRPr sz="1200"/>
-                    </a:p>
-                  </a:txBody>
-                  <a:tcPr marT="91425" marB="91425" marR="91425" marL="91425"/>
-                </a:tc>
-                <a:tc>
-                  <a:txBody>
-                    <a:bodyPr/>
-                    <a:lstStyle/>
-                    <a:p>
-                      <a:pPr indent="0" lvl="0" marL="0" rtl="0" algn="l">
-                        <a:spcBef>
-                          <a:spcPts val="0"/>
-                        </a:spcBef>
-                        <a:spcAft>
-                          <a:spcPts val="0"/>
-                        </a:spcAft>
-                        <a:buNone/>
-                      </a:pPr>
-                      <a:r>
-                        <a:rPr lang="es" sz="1200"/>
-                        <a:t>0,764</a:t>
-                      </a:r>
-                      <a:endParaRPr sz="1200"/>
-                    </a:p>
-                  </a:txBody>
-                  <a:tcPr marT="91425" marB="91425" marR="91425" marL="91425"/>
-                </a:tc>
-                <a:tc>
-                  <a:txBody>
-                    <a:bodyPr/>
-                    <a:lstStyle/>
-                    <a:p>
-                      <a:pPr indent="0" lvl="0" marL="0" rtl="0" algn="l">
-                        <a:spcBef>
-                          <a:spcPts val="0"/>
-                        </a:spcBef>
-                        <a:spcAft>
-                          <a:spcPts val="0"/>
-                        </a:spcAft>
-                        <a:buNone/>
-                      </a:pPr>
-                      <a:r>
-                        <a:rPr lang="es" sz="1200"/>
-                        <a:t>0,599</a:t>
-                      </a:r>
-                      <a:endParaRPr sz="1200"/>
-                    </a:p>
-                  </a:txBody>
-                  <a:tcPr marT="91425" marB="91425" marR="91425" marL="91425"/>
-                </a:tc>
-                <a:tc>
-                  <a:txBody>
-                    <a:bodyPr/>
-                    <a:lstStyle/>
-                    <a:p>
-                      <a:pPr indent="0" lvl="0" marL="0" rtl="0" algn="l">
-                        <a:spcBef>
-                          <a:spcPts val="0"/>
-                        </a:spcBef>
-                        <a:spcAft>
-                          <a:spcPts val="0"/>
-                        </a:spcAft>
-                        <a:buNone/>
-                      </a:pPr>
-                      <a:r>
-                        <a:rPr lang="es" sz="1200"/>
-                        <a:t>0,672</a:t>
+                        <a:t>0,655</a:t>
                       </a:r>
                       <a:endParaRPr sz="1200"/>
                     </a:p>
@@ -18164,34 +18193,6 @@
           </a:graphicData>
         </a:graphic>
       </p:graphicFrame>
-      <p:pic>
-        <p:nvPicPr>
-          <p:cNvPr id="370" name="Google Shape;370;p25"/>
-          <p:cNvPicPr preferRelativeResize="0"/>
-          <p:nvPr/>
-        </p:nvPicPr>
-        <p:blipFill>
-          <a:blip r:embed="rId3">
-            <a:alphaModFix/>
-          </a:blip>
-          <a:stretch>
-            <a:fillRect/>
-          </a:stretch>
-        </p:blipFill>
-        <p:spPr>
-          <a:xfrm>
-            <a:off x="4182600" y="1195191"/>
-            <a:ext cx="4408951" cy="2157459"/>
-          </a:xfrm>
-          <a:prstGeom prst="rect">
-            <a:avLst/>
-          </a:prstGeom>
-          <a:noFill/>
-          <a:ln>
-            <a:noFill/>
-          </a:ln>
-        </p:spPr>
-      </p:pic>
     </p:spTree>
   </p:cSld>
   <p:clrMapOvr>
@@ -19905,8 +19906,8 @@
         </p:blipFill>
         <p:spPr>
           <a:xfrm>
-            <a:off x="3818625" y="1253375"/>
-            <a:ext cx="4695676" cy="3669226"/>
+            <a:off x="3970575" y="1340050"/>
+            <a:ext cx="4147434" cy="3240827"/>
           </a:xfrm>
           <a:prstGeom prst="rect">
             <a:avLst/>
@@ -19926,6 +19927,285 @@
 </file>
 
 <file path=ppt/theme/theme1.xml><?xml version="1.0" encoding="utf-8"?>
+<a:theme xmlns:a="http://schemas.openxmlformats.org/drawingml/2006/main" xmlns:r="http://schemas.openxmlformats.org/officeDocument/2006/relationships" name="Momentum">
+  <a:themeElements>
+    <a:clrScheme name="Momentum">
+      <a:dk1>
+        <a:srgbClr val="C0791B"/>
+      </a:dk1>
+      <a:lt1>
+        <a:srgbClr val="FFFFFF"/>
+      </a:lt1>
+      <a:dk2>
+        <a:srgbClr val="424242"/>
+      </a:dk2>
+      <a:lt2>
+        <a:srgbClr val="8DD8D3"/>
+      </a:lt2>
+      <a:accent1>
+        <a:srgbClr val="0B6374"/>
+      </a:accent1>
+      <a:accent2>
+        <a:srgbClr val="FD5B58"/>
+      </a:accent2>
+      <a:accent3>
+        <a:srgbClr val="599191"/>
+      </a:accent3>
+      <a:accent4>
+        <a:srgbClr val="D7E6A3"/>
+      </a:accent4>
+      <a:accent5>
+        <a:srgbClr val="27278B"/>
+      </a:accent5>
+      <a:accent6>
+        <a:srgbClr val="D558AB"/>
+      </a:accent6>
+      <a:hlink>
+        <a:srgbClr val="27278B"/>
+      </a:hlink>
+      <a:folHlink>
+        <a:srgbClr val="27278B"/>
+      </a:folHlink>
+    </a:clrScheme>
+    <a:fontScheme name="Office">
+      <a:majorFont>
+        <a:latin typeface="Arial"/>
+        <a:ea typeface=""/>
+        <a:cs typeface=""/>
+        <a:font script="Jpan" typeface="ＭＳ Ｐゴシック"/>
+        <a:font script="Hang" typeface="맑은 고딕"/>
+        <a:font script="Hans" typeface="宋体"/>
+        <a:font script="Hant" typeface="新細明體"/>
+        <a:font script="Arab" typeface="Times New Roman"/>
+        <a:font script="Hebr" typeface="Times New Roman"/>
+        <a:font script="Thai" typeface="Angsana New"/>
+        <a:font script="Ethi" typeface="Nyala"/>
+        <a:font script="Beng" typeface="Vrinda"/>
+        <a:font script="Gujr" typeface="Shruti"/>
+        <a:font script="Khmr" typeface="MoolBoran"/>
+        <a:font script="Knda" typeface="Tunga"/>
+        <a:font script="Guru" typeface="Raavi"/>
+        <a:font script="Cans" typeface="Euphemia"/>
+        <a:font script="Cher" typeface="Plantagenet Cherokee"/>
+        <a:font script="Yiii" typeface="Microsoft Yi Baiti"/>
+        <a:font script="Tibt" typeface="Microsoft Himalaya"/>
+        <a:font script="Thaa" typeface="MV Boli"/>
+        <a:font script="Deva" typeface="Mangal"/>
+        <a:font script="Telu" typeface="Gautami"/>
+        <a:font script="Taml" typeface="Latha"/>
+        <a:font script="Syrc" typeface="Estrangelo Edessa"/>
+        <a:font script="Orya" typeface="Kalinga"/>
+        <a:font script="Mlym" typeface="Kartika"/>
+        <a:font script="Laoo" typeface="DokChampa"/>
+        <a:font script="Sinh" typeface="Iskoola Pota"/>
+        <a:font script="Mong" typeface="Mongolian Baiti"/>
+        <a:font script="Viet" typeface="Times New Roman"/>
+        <a:font script="Uigh" typeface="Microsoft Uighur"/>
+        <a:font script="Geor" typeface="Sylfaen"/>
+      </a:majorFont>
+      <a:minorFont>
+        <a:latin typeface="Arial"/>
+        <a:ea typeface=""/>
+        <a:cs typeface=""/>
+        <a:font script="Jpan" typeface="ＭＳ Ｐゴシック"/>
+        <a:font script="Hang" typeface="맑은 고딕"/>
+        <a:font script="Hans" typeface="宋体"/>
+        <a:font script="Hant" typeface="新細明體"/>
+        <a:font script="Arab" typeface="Arial"/>
+        <a:font script="Hebr" typeface="Arial"/>
+        <a:font script="Thai" typeface="Cordia New"/>
+        <a:font script="Ethi" typeface="Nyala"/>
+        <a:font script="Beng" typeface="Vrinda"/>
+        <a:font script="Gujr" typeface="Shruti"/>
+        <a:font script="Khmr" typeface="DaunPenh"/>
+        <a:font script="Knda" typeface="Tunga"/>
+        <a:font script="Guru" typeface="Raavi"/>
+        <a:font script="Cans" typeface="Euphemia"/>
+        <a:font script="Cher" typeface="Plantagenet Cherokee"/>
+        <a:font script="Yiii" typeface="Microsoft Yi Baiti"/>
+        <a:font script="Tibt" typeface="Microsoft Himalaya"/>
+        <a:font script="Thaa" typeface="MV Boli"/>
+        <a:font script="Deva" typeface="Mangal"/>
+        <a:font script="Telu" typeface="Gautami"/>
+        <a:font script="Taml" typeface="Latha"/>
+        <a:font script="Syrc" typeface="Estrangelo Edessa"/>
+        <a:font script="Orya" typeface="Kalinga"/>
+        <a:font script="Mlym" typeface="Kartika"/>
+        <a:font script="Laoo" typeface="DokChampa"/>
+        <a:font script="Sinh" typeface="Iskoola Pota"/>
+        <a:font script="Mong" typeface="Mongolian Baiti"/>
+        <a:font script="Viet" typeface="Arial"/>
+        <a:font script="Uigh" typeface="Microsoft Uighur"/>
+        <a:font script="Geor" typeface="Sylfaen"/>
+      </a:minorFont>
+    </a:fontScheme>
+    <a:fmtScheme name="Office">
+      <a:fillStyleLst>
+        <a:solidFill>
+          <a:schemeClr val="phClr"/>
+        </a:solidFill>
+        <a:gradFill rotWithShape="1">
+          <a:gsLst>
+            <a:gs pos="0">
+              <a:schemeClr val="phClr">
+                <a:tint val="50000"/>
+                <a:satMod val="300000"/>
+              </a:schemeClr>
+            </a:gs>
+            <a:gs pos="35000">
+              <a:schemeClr val="phClr">
+                <a:tint val="37000"/>
+                <a:satMod val="300000"/>
+              </a:schemeClr>
+            </a:gs>
+            <a:gs pos="100000">
+              <a:schemeClr val="phClr">
+                <a:tint val="15000"/>
+                <a:satMod val="350000"/>
+              </a:schemeClr>
+            </a:gs>
+          </a:gsLst>
+          <a:lin ang="16200000" scaled="1"/>
+        </a:gradFill>
+        <a:gradFill rotWithShape="1">
+          <a:gsLst>
+            <a:gs pos="0">
+              <a:schemeClr val="phClr">
+                <a:tint val="100000"/>
+                <a:shade val="100000"/>
+                <a:satMod val="130000"/>
+              </a:schemeClr>
+            </a:gs>
+            <a:gs pos="100000">
+              <a:schemeClr val="phClr">
+                <a:tint val="50000"/>
+                <a:shade val="100000"/>
+                <a:satMod val="350000"/>
+              </a:schemeClr>
+            </a:gs>
+          </a:gsLst>
+          <a:lin ang="16200000" scaled="0"/>
+        </a:gradFill>
+      </a:fillStyleLst>
+      <a:lnStyleLst>
+        <a:ln w="9525" cap="flat" cmpd="sng" algn="ctr">
+          <a:solidFill>
+            <a:schemeClr val="phClr">
+              <a:shade val="95000"/>
+              <a:satMod val="105000"/>
+            </a:schemeClr>
+          </a:solidFill>
+          <a:prstDash val="solid"/>
+        </a:ln>
+        <a:ln w="25400" cap="flat" cmpd="sng" algn="ctr">
+          <a:solidFill>
+            <a:schemeClr val="phClr"/>
+          </a:solidFill>
+          <a:prstDash val="solid"/>
+        </a:ln>
+        <a:ln w="38100" cap="flat" cmpd="sng" algn="ctr">
+          <a:solidFill>
+            <a:schemeClr val="phClr"/>
+          </a:solidFill>
+          <a:prstDash val="solid"/>
+        </a:ln>
+      </a:lnStyleLst>
+      <a:effectStyleLst>
+        <a:effectStyle>
+          <a:effectLst>
+            <a:outerShdw blurRad="40000" dist="20000" dir="5400000" rotWithShape="0">
+              <a:srgbClr val="000000">
+                <a:alpha val="38000"/>
+              </a:srgbClr>
+            </a:outerShdw>
+          </a:effectLst>
+        </a:effectStyle>
+        <a:effectStyle>
+          <a:effectLst>
+            <a:outerShdw blurRad="40000" dist="23000" dir="5400000" rotWithShape="0">
+              <a:srgbClr val="000000">
+                <a:alpha val="35000"/>
+              </a:srgbClr>
+            </a:outerShdw>
+          </a:effectLst>
+        </a:effectStyle>
+        <a:effectStyle>
+          <a:effectLst>
+            <a:outerShdw blurRad="40000" dist="23000" dir="5400000" rotWithShape="0">
+              <a:srgbClr val="000000">
+                <a:alpha val="35000"/>
+              </a:srgbClr>
+            </a:outerShdw>
+          </a:effectLst>
+          <a:scene3d>
+            <a:camera prst="orthographicFront">
+              <a:rot lat="0" lon="0" rev="0"/>
+            </a:camera>
+            <a:lightRig rig="threePt" dir="t">
+              <a:rot lat="0" lon="0" rev="1200000"/>
+            </a:lightRig>
+          </a:scene3d>
+          <a:sp3d>
+            <a:bevelT w="63500" h="25400"/>
+          </a:sp3d>
+        </a:effectStyle>
+      </a:effectStyleLst>
+      <a:bgFillStyleLst>
+        <a:solidFill>
+          <a:schemeClr val="phClr"/>
+        </a:solidFill>
+        <a:gradFill rotWithShape="1">
+          <a:gsLst>
+            <a:gs pos="0">
+              <a:schemeClr val="phClr">
+                <a:tint val="40000"/>
+                <a:satMod val="350000"/>
+              </a:schemeClr>
+            </a:gs>
+            <a:gs pos="40000">
+              <a:schemeClr val="phClr">
+                <a:tint val="45000"/>
+                <a:shade val="99000"/>
+                <a:satMod val="350000"/>
+              </a:schemeClr>
+            </a:gs>
+            <a:gs pos="100000">
+              <a:schemeClr val="phClr">
+                <a:shade val="20000"/>
+                <a:satMod val="255000"/>
+              </a:schemeClr>
+            </a:gs>
+          </a:gsLst>
+          <a:path path="circle">
+            <a:fillToRect l="50000" t="-80000" r="50000" b="180000"/>
+          </a:path>
+        </a:gradFill>
+        <a:gradFill rotWithShape="1">
+          <a:gsLst>
+            <a:gs pos="0">
+              <a:schemeClr val="phClr">
+                <a:tint val="80000"/>
+                <a:satMod val="300000"/>
+              </a:schemeClr>
+            </a:gs>
+            <a:gs pos="100000">
+              <a:schemeClr val="phClr">
+                <a:shade val="30000"/>
+                <a:satMod val="200000"/>
+              </a:schemeClr>
+            </a:gs>
+          </a:gsLst>
+          <a:path path="circle">
+            <a:fillToRect l="50000" t="50000" r="50000" b="50000"/>
+          </a:path>
+        </a:gradFill>
+      </a:bgFillStyleLst>
+    </a:fmtScheme>
+  </a:themeElements>
+</a:theme>
+</file>
+
+<file path=ppt/theme/theme2.xml><?xml version="1.0" encoding="utf-8"?>
 <a:theme xmlns:a="http://schemas.openxmlformats.org/drawingml/2006/main" xmlns:r="http://schemas.openxmlformats.org/officeDocument/2006/relationships">
   <a:themeElements>
     <a:clrScheme name="Default">
@@ -20202,283 +20482,4 @@
     </a:fmtScheme>
   </a:themeElements>
 </a:theme>
-</file>
-
-<file path=ppt/theme/theme2.xml><?xml version="1.0" encoding="utf-8"?>
-<a:theme xmlns:a="http://schemas.openxmlformats.org/drawingml/2006/main" xmlns:r="http://schemas.openxmlformats.org/officeDocument/2006/relationships" name="Momentum">
-  <a:themeElements>
-    <a:clrScheme name="Momentum">
-      <a:dk1>
-        <a:srgbClr val="C0791B"/>
-      </a:dk1>
-      <a:lt1>
-        <a:srgbClr val="FFFFFF"/>
-      </a:lt1>
-      <a:dk2>
-        <a:srgbClr val="424242"/>
-      </a:dk2>
-      <a:lt2>
-        <a:srgbClr val="8DD8D3"/>
-      </a:lt2>
-      <a:accent1>
-        <a:srgbClr val="0B6374"/>
-      </a:accent1>
-      <a:accent2>
-        <a:srgbClr val="FD5B58"/>
-      </a:accent2>
-      <a:accent3>
-        <a:srgbClr val="599191"/>
-      </a:accent3>
-      <a:accent4>
-        <a:srgbClr val="D7E6A3"/>
-      </a:accent4>
-      <a:accent5>
-        <a:srgbClr val="27278B"/>
-      </a:accent5>
-      <a:accent6>
-        <a:srgbClr val="D558AB"/>
-      </a:accent6>
-      <a:hlink>
-        <a:srgbClr val="27278B"/>
-      </a:hlink>
-      <a:folHlink>
-        <a:srgbClr val="27278B"/>
-      </a:folHlink>
-    </a:clrScheme>
-    <a:fontScheme name="Office">
-      <a:majorFont>
-        <a:latin typeface="Arial"/>
-        <a:ea typeface=""/>
-        <a:cs typeface=""/>
-        <a:font script="Jpan" typeface="ＭＳ Ｐゴシック"/>
-        <a:font script="Hang" typeface="맑은 고딕"/>
-        <a:font script="Hans" typeface="宋体"/>
-        <a:font script="Hant" typeface="新細明體"/>
-        <a:font script="Arab" typeface="Times New Roman"/>
-        <a:font script="Hebr" typeface="Times New Roman"/>
-        <a:font script="Thai" typeface="Angsana New"/>
-        <a:font script="Ethi" typeface="Nyala"/>
-        <a:font script="Beng" typeface="Vrinda"/>
-        <a:font script="Gujr" typeface="Shruti"/>
-        <a:font script="Khmr" typeface="MoolBoran"/>
-        <a:font script="Knda" typeface="Tunga"/>
-        <a:font script="Guru" typeface="Raavi"/>
-        <a:font script="Cans" typeface="Euphemia"/>
-        <a:font script="Cher" typeface="Plantagenet Cherokee"/>
-        <a:font script="Yiii" typeface="Microsoft Yi Baiti"/>
-        <a:font script="Tibt" typeface="Microsoft Himalaya"/>
-        <a:font script="Thaa" typeface="MV Boli"/>
-        <a:font script="Deva" typeface="Mangal"/>
-        <a:font script="Telu" typeface="Gautami"/>
-        <a:font script="Taml" typeface="Latha"/>
-        <a:font script="Syrc" typeface="Estrangelo Edessa"/>
-        <a:font script="Orya" typeface="Kalinga"/>
-        <a:font script="Mlym" typeface="Kartika"/>
-        <a:font script="Laoo" typeface="DokChampa"/>
-        <a:font script="Sinh" typeface="Iskoola Pota"/>
-        <a:font script="Mong" typeface="Mongolian Baiti"/>
-        <a:font script="Viet" typeface="Times New Roman"/>
-        <a:font script="Uigh" typeface="Microsoft Uighur"/>
-        <a:font script="Geor" typeface="Sylfaen"/>
-      </a:majorFont>
-      <a:minorFont>
-        <a:latin typeface="Arial"/>
-        <a:ea typeface=""/>
-        <a:cs typeface=""/>
-        <a:font script="Jpan" typeface="ＭＳ Ｐゴシック"/>
-        <a:font script="Hang" typeface="맑은 고딕"/>
-        <a:font script="Hans" typeface="宋体"/>
-        <a:font script="Hant" typeface="新細明體"/>
-        <a:font script="Arab" typeface="Arial"/>
-        <a:font script="Hebr" typeface="Arial"/>
-        <a:font script="Thai" typeface="Cordia New"/>
-        <a:font script="Ethi" typeface="Nyala"/>
-        <a:font script="Beng" typeface="Vrinda"/>
-        <a:font script="Gujr" typeface="Shruti"/>
-        <a:font script="Khmr" typeface="DaunPenh"/>
-        <a:font script="Knda" typeface="Tunga"/>
-        <a:font script="Guru" typeface="Raavi"/>
-        <a:font script="Cans" typeface="Euphemia"/>
-        <a:font script="Cher" typeface="Plantagenet Cherokee"/>
-        <a:font script="Yiii" typeface="Microsoft Yi Baiti"/>
-        <a:font script="Tibt" typeface="Microsoft Himalaya"/>
-        <a:font script="Thaa" typeface="MV Boli"/>
-        <a:font script="Deva" typeface="Mangal"/>
-        <a:font script="Telu" typeface="Gautami"/>
-        <a:font script="Taml" typeface="Latha"/>
-        <a:font script="Syrc" typeface="Estrangelo Edessa"/>
-        <a:font script="Orya" typeface="Kalinga"/>
-        <a:font script="Mlym" typeface="Kartika"/>
-        <a:font script="Laoo" typeface="DokChampa"/>
-        <a:font script="Sinh" typeface="Iskoola Pota"/>
-        <a:font script="Mong" typeface="Mongolian Baiti"/>
-        <a:font script="Viet" typeface="Arial"/>
-        <a:font script="Uigh" typeface="Microsoft Uighur"/>
-        <a:font script="Geor" typeface="Sylfaen"/>
-      </a:minorFont>
-    </a:fontScheme>
-    <a:fmtScheme name="Office">
-      <a:fillStyleLst>
-        <a:solidFill>
-          <a:schemeClr val="phClr"/>
-        </a:solidFill>
-        <a:gradFill rotWithShape="1">
-          <a:gsLst>
-            <a:gs pos="0">
-              <a:schemeClr val="phClr">
-                <a:tint val="50000"/>
-                <a:satMod val="300000"/>
-              </a:schemeClr>
-            </a:gs>
-            <a:gs pos="35000">
-              <a:schemeClr val="phClr">
-                <a:tint val="37000"/>
-                <a:satMod val="300000"/>
-              </a:schemeClr>
-            </a:gs>
-            <a:gs pos="100000">
-              <a:schemeClr val="phClr">
-                <a:tint val="15000"/>
-                <a:satMod val="350000"/>
-              </a:schemeClr>
-            </a:gs>
-          </a:gsLst>
-          <a:lin ang="16200000" scaled="1"/>
-        </a:gradFill>
-        <a:gradFill rotWithShape="1">
-          <a:gsLst>
-            <a:gs pos="0">
-              <a:schemeClr val="phClr">
-                <a:tint val="100000"/>
-                <a:shade val="100000"/>
-                <a:satMod val="130000"/>
-              </a:schemeClr>
-            </a:gs>
-            <a:gs pos="100000">
-              <a:schemeClr val="phClr">
-                <a:tint val="50000"/>
-                <a:shade val="100000"/>
-                <a:satMod val="350000"/>
-              </a:schemeClr>
-            </a:gs>
-          </a:gsLst>
-          <a:lin ang="16200000" scaled="0"/>
-        </a:gradFill>
-      </a:fillStyleLst>
-      <a:lnStyleLst>
-        <a:ln w="9525" cap="flat" cmpd="sng" algn="ctr">
-          <a:solidFill>
-            <a:schemeClr val="phClr">
-              <a:shade val="95000"/>
-              <a:satMod val="105000"/>
-            </a:schemeClr>
-          </a:solidFill>
-          <a:prstDash val="solid"/>
-        </a:ln>
-        <a:ln w="25400" cap="flat" cmpd="sng" algn="ctr">
-          <a:solidFill>
-            <a:schemeClr val="phClr"/>
-          </a:solidFill>
-          <a:prstDash val="solid"/>
-        </a:ln>
-        <a:ln w="38100" cap="flat" cmpd="sng" algn="ctr">
-          <a:solidFill>
-            <a:schemeClr val="phClr"/>
-          </a:solidFill>
-          <a:prstDash val="solid"/>
-        </a:ln>
-      </a:lnStyleLst>
-      <a:effectStyleLst>
-        <a:effectStyle>
-          <a:effectLst>
-            <a:outerShdw blurRad="40000" dist="20000" dir="5400000" rotWithShape="0">
-              <a:srgbClr val="000000">
-                <a:alpha val="38000"/>
-              </a:srgbClr>
-            </a:outerShdw>
-          </a:effectLst>
-        </a:effectStyle>
-        <a:effectStyle>
-          <a:effectLst>
-            <a:outerShdw blurRad="40000" dist="23000" dir="5400000" rotWithShape="0">
-              <a:srgbClr val="000000">
-                <a:alpha val="35000"/>
-              </a:srgbClr>
-            </a:outerShdw>
-          </a:effectLst>
-        </a:effectStyle>
-        <a:effectStyle>
-          <a:effectLst>
-            <a:outerShdw blurRad="40000" dist="23000" dir="5400000" rotWithShape="0">
-              <a:srgbClr val="000000">
-                <a:alpha val="35000"/>
-              </a:srgbClr>
-            </a:outerShdw>
-          </a:effectLst>
-          <a:scene3d>
-            <a:camera prst="orthographicFront">
-              <a:rot lat="0" lon="0" rev="0"/>
-            </a:camera>
-            <a:lightRig rig="threePt" dir="t">
-              <a:rot lat="0" lon="0" rev="1200000"/>
-            </a:lightRig>
-          </a:scene3d>
-          <a:sp3d>
-            <a:bevelT w="63500" h="25400"/>
-          </a:sp3d>
-        </a:effectStyle>
-      </a:effectStyleLst>
-      <a:bgFillStyleLst>
-        <a:solidFill>
-          <a:schemeClr val="phClr"/>
-        </a:solidFill>
-        <a:gradFill rotWithShape="1">
-          <a:gsLst>
-            <a:gs pos="0">
-              <a:schemeClr val="phClr">
-                <a:tint val="40000"/>
-                <a:satMod val="350000"/>
-              </a:schemeClr>
-            </a:gs>
-            <a:gs pos="40000">
-              <a:schemeClr val="phClr">
-                <a:tint val="45000"/>
-                <a:shade val="99000"/>
-                <a:satMod val="350000"/>
-              </a:schemeClr>
-            </a:gs>
-            <a:gs pos="100000">
-              <a:schemeClr val="phClr">
-                <a:shade val="20000"/>
-                <a:satMod val="255000"/>
-              </a:schemeClr>
-            </a:gs>
-          </a:gsLst>
-          <a:path path="circle">
-            <a:fillToRect l="50000" t="-80000" r="50000" b="180000"/>
-          </a:path>
-        </a:gradFill>
-        <a:gradFill rotWithShape="1">
-          <a:gsLst>
-            <a:gs pos="0">
-              <a:schemeClr val="phClr">
-                <a:tint val="80000"/>
-                <a:satMod val="300000"/>
-              </a:schemeClr>
-            </a:gs>
-            <a:gs pos="100000">
-              <a:schemeClr val="phClr">
-                <a:shade val="30000"/>
-                <a:satMod val="200000"/>
-              </a:schemeClr>
-            </a:gs>
-          </a:gsLst>
-          <a:path path="circle">
-            <a:fillToRect l="50000" t="50000" r="50000" b="50000"/>
-          </a:path>
-        </a:gradFill>
-      </a:bgFillStyleLst>
-    </a:fmtScheme>
-  </a:themeElements>
-</a:theme>
 </file>
--- a/Travel Insurance - Leandro Hornos.pptx
+++ b/Travel Insurance - Leandro Hornos.pptx
@@ -16649,7 +16649,7 @@
         </p:blipFill>
         <p:spPr>
           <a:xfrm>
-            <a:off x="4094850" y="1832450"/>
+            <a:off x="4102275" y="1895550"/>
             <a:ext cx="4050130" cy="2843100"/>
           </a:xfrm>
           <a:prstGeom prst="rect">
@@ -16906,7 +16906,7 @@
             <a:tbl>
               <a:tblPr>
                 <a:noFill/>
-                <a:tableStyleId>{926FB249-70D4-4473-B52E-7140CC5C91D0}</a:tableStyleId>
+                <a:tableStyleId>{280578B6-75BA-4B1E-A5C5-3E76D8B3BF55}</a:tableStyleId>
               </a:tblPr>
               <a:tblGrid>
                 <a:gridCol w="1068300"/>
@@ -17352,7 +17352,7 @@
             <a:tbl>
               <a:tblPr>
                 <a:noFill/>
-                <a:tableStyleId>{926FB249-70D4-4473-B52E-7140CC5C91D0}</a:tableStyleId>
+                <a:tableStyleId>{280578B6-75BA-4B1E-A5C5-3E76D8B3BF55}</a:tableStyleId>
               </a:tblPr>
               <a:tblGrid>
                 <a:gridCol w="1068300"/>
@@ -17716,42 +17716,14 @@
           </a:p>
         </p:txBody>
       </p:sp>
-      <p:pic>
-        <p:nvPicPr>
-          <p:cNvPr id="369" name="Google Shape;369;p25"/>
-          <p:cNvPicPr preferRelativeResize="0"/>
-          <p:nvPr/>
-        </p:nvPicPr>
-        <p:blipFill>
-          <a:blip r:embed="rId3">
-            <a:alphaModFix/>
-          </a:blip>
-          <a:stretch>
-            <a:fillRect/>
-          </a:stretch>
-        </p:blipFill>
-        <p:spPr>
-          <a:xfrm>
-            <a:off x="3865525" y="1195199"/>
-            <a:ext cx="4662925" cy="2281725"/>
-          </a:xfrm>
-          <a:prstGeom prst="rect">
-            <a:avLst/>
-          </a:prstGeom>
-          <a:noFill/>
-          <a:ln>
-            <a:noFill/>
-          </a:ln>
-        </p:spPr>
-      </p:pic>
       <p:graphicFrame>
         <p:nvGraphicFramePr>
-          <p:cNvPr id="370" name="Google Shape;370;p25"/>
+          <p:cNvPr id="369" name="Google Shape;369;p25"/>
           <p:cNvGraphicFramePr/>
           <p:nvPr/>
         </p:nvGraphicFramePr>
         <p:xfrm>
-          <a:off x="655213" y="3555825"/>
+          <a:off x="655200" y="3832950"/>
           <a:ext cx="3000000" cy="3000000"/>
         </p:xfrm>
         <a:graphic>
@@ -17759,7 +17731,7 @@
             <a:tbl>
               <a:tblPr>
                 <a:noFill/>
-                <a:tableStyleId>{926FB249-70D4-4473-B52E-7140CC5C91D0}</a:tableStyleId>
+                <a:tableStyleId>{280578B6-75BA-4B1E-A5C5-3E76D8B3BF55}</a:tableStyleId>
               </a:tblPr>
               <a:tblGrid>
                 <a:gridCol w="2633375"/>
@@ -18193,6 +18165,34 @@
           </a:graphicData>
         </a:graphic>
       </p:graphicFrame>
+      <p:pic>
+        <p:nvPicPr>
+          <p:cNvPr id="370" name="Google Shape;370;p25"/>
+          <p:cNvPicPr preferRelativeResize="0"/>
+          <p:nvPr/>
+        </p:nvPicPr>
+        <p:blipFill>
+          <a:blip r:embed="rId3">
+            <a:alphaModFix/>
+          </a:blip>
+          <a:stretch>
+            <a:fillRect/>
+          </a:stretch>
+        </p:blipFill>
+        <p:spPr>
+          <a:xfrm>
+            <a:off x="3087575" y="1086150"/>
+            <a:ext cx="5744376" cy="2810925"/>
+          </a:xfrm>
+          <a:prstGeom prst="rect">
+            <a:avLst/>
+          </a:prstGeom>
+          <a:noFill/>
+          <a:ln>
+            <a:noFill/>
+          </a:ln>
+        </p:spPr>
+      </p:pic>
     </p:spTree>
   </p:cSld>
   <p:clrMapOvr>
@@ -19177,8 +19177,8 @@
         </p:blipFill>
         <p:spPr>
           <a:xfrm>
-            <a:off x="4831725" y="1701250"/>
-            <a:ext cx="3597956" cy="2832300"/>
+            <a:off x="4572000" y="1548675"/>
+            <a:ext cx="3827989" cy="3137449"/>
           </a:xfrm>
           <a:prstGeom prst="rect">
             <a:avLst/>
@@ -19322,8 +19322,8 @@
         </p:blipFill>
         <p:spPr>
           <a:xfrm>
-            <a:off x="4793426" y="1365052"/>
-            <a:ext cx="3540875" cy="2925075"/>
+            <a:off x="1098700" y="1687800"/>
+            <a:ext cx="3385541" cy="2602325"/>
           </a:xfrm>
           <a:prstGeom prst="rect">
             <a:avLst/>
@@ -19350,8 +19350,8 @@
         </p:blipFill>
         <p:spPr>
           <a:xfrm>
-            <a:off x="1098700" y="1687800"/>
-            <a:ext cx="3385541" cy="2602325"/>
+            <a:off x="4685974" y="1687800"/>
+            <a:ext cx="3465175" cy="2862525"/>
           </a:xfrm>
           <a:prstGeom prst="rect">
             <a:avLst/>
@@ -19495,8 +19495,8 @@
         </p:blipFill>
         <p:spPr>
           <a:xfrm>
-            <a:off x="3663551" y="1195200"/>
-            <a:ext cx="4434073" cy="3643500"/>
+            <a:off x="4390275" y="1387400"/>
+            <a:ext cx="3944023" cy="3240825"/>
           </a:xfrm>
           <a:prstGeom prst="rect">
             <a:avLst/>
@@ -19640,8 +19640,8 @@
         </p:blipFill>
         <p:spPr>
           <a:xfrm>
-            <a:off x="4517000" y="1490425"/>
-            <a:ext cx="4002698" cy="3150900"/>
+            <a:off x="4572000" y="1687800"/>
+            <a:ext cx="3844399" cy="3150900"/>
           </a:xfrm>
           <a:prstGeom prst="rect">
             <a:avLst/>
@@ -19668,8 +19668,8 @@
         </p:blipFill>
         <p:spPr>
           <a:xfrm>
-            <a:off x="1057625" y="1790063"/>
-            <a:ext cx="2993075" cy="2551625"/>
+            <a:off x="673075" y="1687800"/>
+            <a:ext cx="3696018" cy="3150900"/>
           </a:xfrm>
           <a:prstGeom prst="rect">
             <a:avLst/>
@@ -19813,7 +19813,7 @@
         </p:blipFill>
         <p:spPr>
           <a:xfrm>
-            <a:off x="4919875" y="1597875"/>
+            <a:off x="4572000" y="1687800"/>
             <a:ext cx="3553324" cy="3150900"/>
           </a:xfrm>
           <a:prstGeom prst="rect">

--- a/Travel Insurance - Leandro Hornos.pptx
+++ b/Travel Insurance - Leandro Hornos.pptx
@@ -15,23 +15,30 @@
     <p:sldId id="260" r:id="rId10"/>
     <p:sldId id="261" r:id="rId11"/>
     <p:sldId id="262" r:id="rId12"/>
+    <p:sldId id="263" r:id="rId13"/>
+    <p:sldId id="264" r:id="rId14"/>
+    <p:sldId id="265" r:id="rId15"/>
+    <p:sldId id="266" r:id="rId16"/>
+    <p:sldId id="267" r:id="rId17"/>
+    <p:sldId id="268" r:id="rId18"/>
+    <p:sldId id="269" r:id="rId19"/>
   </p:sldIdLst>
   <p:sldSz cy="5143500" cx="9144000"/>
   <p:notesSz cx="6858000" cy="9144000"/>
   <p:embeddedFontLst>
     <p:embeddedFont>
       <p:font typeface="Roboto"/>
-      <p:regular r:id="rId13"/>
-      <p:bold r:id="rId14"/>
-      <p:italic r:id="rId15"/>
-      <p:boldItalic r:id="rId16"/>
+      <p:regular r:id="rId20"/>
+      <p:bold r:id="rId21"/>
+      <p:italic r:id="rId22"/>
+      <p:boldItalic r:id="rId23"/>
     </p:embeddedFont>
     <p:embeddedFont>
       <p:font typeface="Roboto Light"/>
-      <p:regular r:id="rId17"/>
-      <p:bold r:id="rId18"/>
-      <p:italic r:id="rId19"/>
-      <p:boldItalic r:id="rId20"/>
+      <p:regular r:id="rId24"/>
+      <p:bold r:id="rId25"/>
+      <p:italic r:id="rId26"/>
+      <p:boldItalic r:id="rId27"/>
     </p:embeddedFont>
   </p:embeddedFontLst>
   <p:defaultTextStyle>
@@ -807,6 +814,506 @@
 </p:notes>
 </file>
 
+<file path=ppt/notesSlides/notesSlide10.xml><?xml version="1.0" encoding="utf-8"?>
+<p:notes xmlns:a="http://schemas.openxmlformats.org/drawingml/2006/main" xmlns:r="http://schemas.openxmlformats.org/officeDocument/2006/relationships" xmlns:mc="http://schemas.openxmlformats.org/markup-compatibility/2006" xmlns:mv="urn:schemas-microsoft-com:mac:vml" xmlns:p="http://schemas.openxmlformats.org/presentationml/2006/main" xmlns:c="http://schemas.openxmlformats.org/drawingml/2006/chart" xmlns:dgm="http://schemas.openxmlformats.org/drawingml/2006/diagram" xmlns:o="urn:schemas-microsoft-com:office:office" xmlns:v="urn:schemas-microsoft-com:vml" xmlns:pvml="urn:schemas-microsoft-com:office:powerpoint" xmlns:com="http://schemas.openxmlformats.org/drawingml/2006/compatibility" xmlns:p14="http://schemas.microsoft.com/office/powerpoint/2010/main" xmlns:p15="http://schemas.microsoft.com/office/powerpoint/2012/main" xmlns:ahyp="http://schemas.microsoft.com/office/drawing/2018/hyperlinkcolor" showMasterPhAnim="0" showMasterSp="0">
+  <p:cSld>
+    <p:spTree>
+      <p:nvGrpSpPr>
+        <p:cNvPr id="194" name="Shape 194"/>
+        <p:cNvGrpSpPr/>
+        <p:nvPr/>
+      </p:nvGrpSpPr>
+      <p:grpSpPr>
+        <a:xfrm>
+          <a:off x="0" y="0"/>
+          <a:ext cx="0" cy="0"/>
+          <a:chOff x="0" y="0"/>
+          <a:chExt cx="0" cy="0"/>
+        </a:xfrm>
+      </p:grpSpPr>
+      <p:sp>
+        <p:nvSpPr>
+          <p:cNvPr id="195" name="Google Shape;195;g102c720ce09_0_165:notes"/>
+          <p:cNvSpPr/>
+          <p:nvPr>
+            <p:ph idx="2" type="sldImg"/>
+          </p:nvPr>
+        </p:nvSpPr>
+        <p:spPr>
+          <a:xfrm>
+            <a:off x="381300" y="685800"/>
+            <a:ext cx="6096000" cy="3429000"/>
+          </a:xfrm>
+          <a:custGeom>
+            <a:rect b="b" l="l" r="r" t="t"/>
+            <a:pathLst>
+              <a:path extrusionOk="0" h="120000" w="120000">
+                <a:moveTo>
+                  <a:pt x="0" y="0"/>
+                </a:moveTo>
+                <a:lnTo>
+                  <a:pt x="120000" y="0"/>
+                </a:lnTo>
+                <a:lnTo>
+                  <a:pt x="120000" y="120000"/>
+                </a:lnTo>
+                <a:lnTo>
+                  <a:pt x="0" y="120000"/>
+                </a:lnTo>
+                <a:close/>
+              </a:path>
+            </a:pathLst>
+          </a:custGeom>
+        </p:spPr>
+      </p:sp>
+      <p:sp>
+        <p:nvSpPr>
+          <p:cNvPr id="196" name="Google Shape;196;g102c720ce09_0_165:notes"/>
+          <p:cNvSpPr txBox="1"/>
+          <p:nvPr>
+            <p:ph idx="1" type="body"/>
+          </p:nvPr>
+        </p:nvSpPr>
+        <p:spPr>
+          <a:xfrm>
+            <a:off x="685800" y="4343400"/>
+            <a:ext cx="5486400" cy="4114800"/>
+          </a:xfrm>
+          <a:prstGeom prst="rect">
+            <a:avLst/>
+          </a:prstGeom>
+        </p:spPr>
+        <p:txBody>
+          <a:bodyPr anchorCtr="0" anchor="t" bIns="91425" lIns="91425" spcFirstLastPara="1" rIns="91425" wrap="square" tIns="91425">
+            <a:noAutofit/>
+          </a:bodyPr>
+          <a:lstStyle/>
+          <a:p>
+            <a:pPr indent="0" lvl="0" marL="0" rtl="0" algn="l">
+              <a:spcBef>
+                <a:spcPts val="0"/>
+              </a:spcBef>
+              <a:spcAft>
+                <a:spcPts val="0"/>
+              </a:spcAft>
+              <a:buNone/>
+            </a:pPr>
+            <a:r>
+              <a:rPr lang="es"/>
+              <a:t>Nuestro cliente es una agencia de viajes ubicada en la india. </a:t>
+            </a:r>
+            <a:endParaRPr/>
+          </a:p>
+        </p:txBody>
+      </p:sp>
+    </p:spTree>
+  </p:cSld>
+  <p:clrMapOvr>
+    <a:masterClrMapping/>
+  </p:clrMapOvr>
+</p:notes>
+</file>
+
+<file path=ppt/notesSlides/notesSlide11.xml><?xml version="1.0" encoding="utf-8"?>
+<p:notes xmlns:a="http://schemas.openxmlformats.org/drawingml/2006/main" xmlns:r="http://schemas.openxmlformats.org/officeDocument/2006/relationships" xmlns:mc="http://schemas.openxmlformats.org/markup-compatibility/2006" xmlns:mv="urn:schemas-microsoft-com:mac:vml" xmlns:p="http://schemas.openxmlformats.org/presentationml/2006/main" xmlns:c="http://schemas.openxmlformats.org/drawingml/2006/chart" xmlns:dgm="http://schemas.openxmlformats.org/drawingml/2006/diagram" xmlns:o="urn:schemas-microsoft-com:office:office" xmlns:v="urn:schemas-microsoft-com:vml" xmlns:pvml="urn:schemas-microsoft-com:office:powerpoint" xmlns:com="http://schemas.openxmlformats.org/drawingml/2006/compatibility" xmlns:p14="http://schemas.microsoft.com/office/powerpoint/2010/main" xmlns:p15="http://schemas.microsoft.com/office/powerpoint/2012/main" xmlns:ahyp="http://schemas.microsoft.com/office/drawing/2018/hyperlinkcolor" showMasterPhAnim="0" showMasterSp="0">
+  <p:cSld>
+    <p:spTree>
+      <p:nvGrpSpPr>
+        <p:cNvPr id="201" name="Shape 201"/>
+        <p:cNvGrpSpPr/>
+        <p:nvPr/>
+      </p:nvGrpSpPr>
+      <p:grpSpPr>
+        <a:xfrm>
+          <a:off x="0" y="0"/>
+          <a:ext cx="0" cy="0"/>
+          <a:chOff x="0" y="0"/>
+          <a:chExt cx="0" cy="0"/>
+        </a:xfrm>
+      </p:grpSpPr>
+      <p:sp>
+        <p:nvSpPr>
+          <p:cNvPr id="202" name="Google Shape;202;g102c720ce09_0_175:notes"/>
+          <p:cNvSpPr/>
+          <p:nvPr>
+            <p:ph idx="2" type="sldImg"/>
+          </p:nvPr>
+        </p:nvSpPr>
+        <p:spPr>
+          <a:xfrm>
+            <a:off x="381300" y="685800"/>
+            <a:ext cx="6096000" cy="3429000"/>
+          </a:xfrm>
+          <a:custGeom>
+            <a:rect b="b" l="l" r="r" t="t"/>
+            <a:pathLst>
+              <a:path extrusionOk="0" h="120000" w="120000">
+                <a:moveTo>
+                  <a:pt x="0" y="0"/>
+                </a:moveTo>
+                <a:lnTo>
+                  <a:pt x="120000" y="0"/>
+                </a:lnTo>
+                <a:lnTo>
+                  <a:pt x="120000" y="120000"/>
+                </a:lnTo>
+                <a:lnTo>
+                  <a:pt x="0" y="120000"/>
+                </a:lnTo>
+                <a:close/>
+              </a:path>
+            </a:pathLst>
+          </a:custGeom>
+        </p:spPr>
+      </p:sp>
+      <p:sp>
+        <p:nvSpPr>
+          <p:cNvPr id="203" name="Google Shape;203;g102c720ce09_0_175:notes"/>
+          <p:cNvSpPr txBox="1"/>
+          <p:nvPr>
+            <p:ph idx="1" type="body"/>
+          </p:nvPr>
+        </p:nvSpPr>
+        <p:spPr>
+          <a:xfrm>
+            <a:off x="685800" y="4343400"/>
+            <a:ext cx="5486400" cy="4114800"/>
+          </a:xfrm>
+          <a:prstGeom prst="rect">
+            <a:avLst/>
+          </a:prstGeom>
+        </p:spPr>
+        <p:txBody>
+          <a:bodyPr anchorCtr="0" anchor="t" bIns="91425" lIns="91425" spcFirstLastPara="1" rIns="91425" wrap="square" tIns="91425">
+            <a:noAutofit/>
+          </a:bodyPr>
+          <a:lstStyle/>
+          <a:p>
+            <a:pPr indent="0" lvl="0" marL="0" rtl="0" algn="l">
+              <a:spcBef>
+                <a:spcPts val="0"/>
+              </a:spcBef>
+              <a:spcAft>
+                <a:spcPts val="0"/>
+              </a:spcAft>
+              <a:buNone/>
+            </a:pPr>
+            <a:r>
+              <a:rPr lang="es"/>
+              <a:t>Nuestro cliente es una agencia de viajes ubicada en la india. </a:t>
+            </a:r>
+            <a:endParaRPr/>
+          </a:p>
+        </p:txBody>
+      </p:sp>
+    </p:spTree>
+  </p:cSld>
+  <p:clrMapOvr>
+    <a:masterClrMapping/>
+  </p:clrMapOvr>
+</p:notes>
+</file>
+
+<file path=ppt/notesSlides/notesSlide12.xml><?xml version="1.0" encoding="utf-8"?>
+<p:notes xmlns:a="http://schemas.openxmlformats.org/drawingml/2006/main" xmlns:r="http://schemas.openxmlformats.org/officeDocument/2006/relationships" xmlns:mc="http://schemas.openxmlformats.org/markup-compatibility/2006" xmlns:mv="urn:schemas-microsoft-com:mac:vml" xmlns:p="http://schemas.openxmlformats.org/presentationml/2006/main" xmlns:c="http://schemas.openxmlformats.org/drawingml/2006/chart" xmlns:dgm="http://schemas.openxmlformats.org/drawingml/2006/diagram" xmlns:o="urn:schemas-microsoft-com:office:office" xmlns:v="urn:schemas-microsoft-com:vml" xmlns:pvml="urn:schemas-microsoft-com:office:powerpoint" xmlns:com="http://schemas.openxmlformats.org/drawingml/2006/compatibility" xmlns:p14="http://schemas.microsoft.com/office/powerpoint/2010/main" xmlns:p15="http://schemas.microsoft.com/office/powerpoint/2012/main" xmlns:ahyp="http://schemas.microsoft.com/office/drawing/2018/hyperlinkcolor" showMasterPhAnim="0" showMasterSp="0">
+  <p:cSld>
+    <p:spTree>
+      <p:nvGrpSpPr>
+        <p:cNvPr id="208" name="Shape 208"/>
+        <p:cNvGrpSpPr/>
+        <p:nvPr/>
+      </p:nvGrpSpPr>
+      <p:grpSpPr>
+        <a:xfrm>
+          <a:off x="0" y="0"/>
+          <a:ext cx="0" cy="0"/>
+          <a:chOff x="0" y="0"/>
+          <a:chExt cx="0" cy="0"/>
+        </a:xfrm>
+      </p:grpSpPr>
+      <p:sp>
+        <p:nvSpPr>
+          <p:cNvPr id="209" name="Google Shape;209;g102c720ce09_0_182:notes"/>
+          <p:cNvSpPr/>
+          <p:nvPr>
+            <p:ph idx="2" type="sldImg"/>
+          </p:nvPr>
+        </p:nvSpPr>
+        <p:spPr>
+          <a:xfrm>
+            <a:off x="381300" y="685800"/>
+            <a:ext cx="6096000" cy="3429000"/>
+          </a:xfrm>
+          <a:custGeom>
+            <a:rect b="b" l="l" r="r" t="t"/>
+            <a:pathLst>
+              <a:path extrusionOk="0" h="120000" w="120000">
+                <a:moveTo>
+                  <a:pt x="0" y="0"/>
+                </a:moveTo>
+                <a:lnTo>
+                  <a:pt x="120000" y="0"/>
+                </a:lnTo>
+                <a:lnTo>
+                  <a:pt x="120000" y="120000"/>
+                </a:lnTo>
+                <a:lnTo>
+                  <a:pt x="0" y="120000"/>
+                </a:lnTo>
+                <a:close/>
+              </a:path>
+            </a:pathLst>
+          </a:custGeom>
+        </p:spPr>
+      </p:sp>
+      <p:sp>
+        <p:nvSpPr>
+          <p:cNvPr id="210" name="Google Shape;210;g102c720ce09_0_182:notes"/>
+          <p:cNvSpPr txBox="1"/>
+          <p:nvPr>
+            <p:ph idx="1" type="body"/>
+          </p:nvPr>
+        </p:nvSpPr>
+        <p:spPr>
+          <a:xfrm>
+            <a:off x="685800" y="4343400"/>
+            <a:ext cx="5486400" cy="4114800"/>
+          </a:xfrm>
+          <a:prstGeom prst="rect">
+            <a:avLst/>
+          </a:prstGeom>
+        </p:spPr>
+        <p:txBody>
+          <a:bodyPr anchorCtr="0" anchor="t" bIns="91425" lIns="91425" spcFirstLastPara="1" rIns="91425" wrap="square" tIns="91425">
+            <a:noAutofit/>
+          </a:bodyPr>
+          <a:lstStyle/>
+          <a:p>
+            <a:pPr indent="0" lvl="0" marL="0" rtl="0" algn="l">
+              <a:spcBef>
+                <a:spcPts val="0"/>
+              </a:spcBef>
+              <a:spcAft>
+                <a:spcPts val="0"/>
+              </a:spcAft>
+              <a:buNone/>
+            </a:pPr>
+            <a:r>
+              <a:rPr lang="es"/>
+              <a:t>Nuestro cliente es una agencia de viajes ubicada en la india. </a:t>
+            </a:r>
+            <a:endParaRPr/>
+          </a:p>
+        </p:txBody>
+      </p:sp>
+    </p:spTree>
+  </p:cSld>
+  <p:clrMapOvr>
+    <a:masterClrMapping/>
+  </p:clrMapOvr>
+</p:notes>
+</file>
+
+<file path=ppt/notesSlides/notesSlide13.xml><?xml version="1.0" encoding="utf-8"?>
+<p:notes xmlns:a="http://schemas.openxmlformats.org/drawingml/2006/main" xmlns:r="http://schemas.openxmlformats.org/officeDocument/2006/relationships" xmlns:mc="http://schemas.openxmlformats.org/markup-compatibility/2006" xmlns:mv="urn:schemas-microsoft-com:mac:vml" xmlns:p="http://schemas.openxmlformats.org/presentationml/2006/main" xmlns:c="http://schemas.openxmlformats.org/drawingml/2006/chart" xmlns:dgm="http://schemas.openxmlformats.org/drawingml/2006/diagram" xmlns:o="urn:schemas-microsoft-com:office:office" xmlns:v="urn:schemas-microsoft-com:vml" xmlns:pvml="urn:schemas-microsoft-com:office:powerpoint" xmlns:com="http://schemas.openxmlformats.org/drawingml/2006/compatibility" xmlns:p14="http://schemas.microsoft.com/office/powerpoint/2010/main" xmlns:p15="http://schemas.microsoft.com/office/powerpoint/2012/main" xmlns:ahyp="http://schemas.microsoft.com/office/drawing/2018/hyperlinkcolor" showMasterPhAnim="0" showMasterSp="0">
+  <p:cSld>
+    <p:spTree>
+      <p:nvGrpSpPr>
+        <p:cNvPr id="219" name="Shape 219"/>
+        <p:cNvGrpSpPr/>
+        <p:nvPr/>
+      </p:nvGrpSpPr>
+      <p:grpSpPr>
+        <a:xfrm>
+          <a:off x="0" y="0"/>
+          <a:ext cx="0" cy="0"/>
+          <a:chOff x="0" y="0"/>
+          <a:chExt cx="0" cy="0"/>
+        </a:xfrm>
+      </p:grpSpPr>
+      <p:sp>
+        <p:nvSpPr>
+          <p:cNvPr id="220" name="Google Shape;220;g102c720ce09_0_192:notes"/>
+          <p:cNvSpPr/>
+          <p:nvPr>
+            <p:ph idx="2" type="sldImg"/>
+          </p:nvPr>
+        </p:nvSpPr>
+        <p:spPr>
+          <a:xfrm>
+            <a:off x="381300" y="685800"/>
+            <a:ext cx="6096000" cy="3429000"/>
+          </a:xfrm>
+          <a:custGeom>
+            <a:rect b="b" l="l" r="r" t="t"/>
+            <a:pathLst>
+              <a:path extrusionOk="0" h="120000" w="120000">
+                <a:moveTo>
+                  <a:pt x="0" y="0"/>
+                </a:moveTo>
+                <a:lnTo>
+                  <a:pt x="120000" y="0"/>
+                </a:lnTo>
+                <a:lnTo>
+                  <a:pt x="120000" y="120000"/>
+                </a:lnTo>
+                <a:lnTo>
+                  <a:pt x="0" y="120000"/>
+                </a:lnTo>
+                <a:close/>
+              </a:path>
+            </a:pathLst>
+          </a:custGeom>
+        </p:spPr>
+      </p:sp>
+      <p:sp>
+        <p:nvSpPr>
+          <p:cNvPr id="221" name="Google Shape;221;g102c720ce09_0_192:notes"/>
+          <p:cNvSpPr txBox="1"/>
+          <p:nvPr>
+            <p:ph idx="1" type="body"/>
+          </p:nvPr>
+        </p:nvSpPr>
+        <p:spPr>
+          <a:xfrm>
+            <a:off x="685800" y="4343400"/>
+            <a:ext cx="5486400" cy="4114800"/>
+          </a:xfrm>
+          <a:prstGeom prst="rect">
+            <a:avLst/>
+          </a:prstGeom>
+        </p:spPr>
+        <p:txBody>
+          <a:bodyPr anchorCtr="0" anchor="t" bIns="91425" lIns="91425" spcFirstLastPara="1" rIns="91425" wrap="square" tIns="91425">
+            <a:noAutofit/>
+          </a:bodyPr>
+          <a:lstStyle/>
+          <a:p>
+            <a:pPr indent="0" lvl="0" marL="0" rtl="0" algn="l">
+              <a:spcBef>
+                <a:spcPts val="0"/>
+              </a:spcBef>
+              <a:spcAft>
+                <a:spcPts val="0"/>
+              </a:spcAft>
+              <a:buNone/>
+            </a:pPr>
+            <a:r>
+              <a:rPr lang="es"/>
+              <a:t>Nuestro cliente es una agencia de viajes ubicada en la india. </a:t>
+            </a:r>
+            <a:endParaRPr/>
+          </a:p>
+        </p:txBody>
+      </p:sp>
+    </p:spTree>
+  </p:cSld>
+  <p:clrMapOvr>
+    <a:masterClrMapping/>
+  </p:clrMapOvr>
+</p:notes>
+</file>
+
+<file path=ppt/notesSlides/notesSlide14.xml><?xml version="1.0" encoding="utf-8"?>
+<p:notes xmlns:a="http://schemas.openxmlformats.org/drawingml/2006/main" xmlns:r="http://schemas.openxmlformats.org/officeDocument/2006/relationships" xmlns:mc="http://schemas.openxmlformats.org/markup-compatibility/2006" xmlns:mv="urn:schemas-microsoft-com:mac:vml" xmlns:p="http://schemas.openxmlformats.org/presentationml/2006/main" xmlns:c="http://schemas.openxmlformats.org/drawingml/2006/chart" xmlns:dgm="http://schemas.openxmlformats.org/drawingml/2006/diagram" xmlns:o="urn:schemas-microsoft-com:office:office" xmlns:v="urn:schemas-microsoft-com:vml" xmlns:pvml="urn:schemas-microsoft-com:office:powerpoint" xmlns:com="http://schemas.openxmlformats.org/drawingml/2006/compatibility" xmlns:p14="http://schemas.microsoft.com/office/powerpoint/2010/main" xmlns:p15="http://schemas.microsoft.com/office/powerpoint/2012/main" xmlns:ahyp="http://schemas.microsoft.com/office/drawing/2018/hyperlinkcolor" showMasterPhAnim="0" showMasterSp="0">
+  <p:cSld>
+    <p:spTree>
+      <p:nvGrpSpPr>
+        <p:cNvPr id="225" name="Shape 225"/>
+        <p:cNvGrpSpPr/>
+        <p:nvPr/>
+      </p:nvGrpSpPr>
+      <p:grpSpPr>
+        <a:xfrm>
+          <a:off x="0" y="0"/>
+          <a:ext cx="0" cy="0"/>
+          <a:chOff x="0" y="0"/>
+          <a:chExt cx="0" cy="0"/>
+        </a:xfrm>
+      </p:grpSpPr>
+      <p:sp>
+        <p:nvSpPr>
+          <p:cNvPr id="226" name="Google Shape;226;g102c720ce09_0_203:notes"/>
+          <p:cNvSpPr/>
+          <p:nvPr>
+            <p:ph idx="2" type="sldImg"/>
+          </p:nvPr>
+        </p:nvSpPr>
+        <p:spPr>
+          <a:xfrm>
+            <a:off x="381300" y="685800"/>
+            <a:ext cx="6096000" cy="3429000"/>
+          </a:xfrm>
+          <a:custGeom>
+            <a:rect b="b" l="l" r="r" t="t"/>
+            <a:pathLst>
+              <a:path extrusionOk="0" h="120000" w="120000">
+                <a:moveTo>
+                  <a:pt x="0" y="0"/>
+                </a:moveTo>
+                <a:lnTo>
+                  <a:pt x="120000" y="0"/>
+                </a:lnTo>
+                <a:lnTo>
+                  <a:pt x="120000" y="120000"/>
+                </a:lnTo>
+                <a:lnTo>
+                  <a:pt x="0" y="120000"/>
+                </a:lnTo>
+                <a:close/>
+              </a:path>
+            </a:pathLst>
+          </a:custGeom>
+        </p:spPr>
+      </p:sp>
+      <p:sp>
+        <p:nvSpPr>
+          <p:cNvPr id="227" name="Google Shape;227;g102c720ce09_0_203:notes"/>
+          <p:cNvSpPr txBox="1"/>
+          <p:nvPr>
+            <p:ph idx="1" type="body"/>
+          </p:nvPr>
+        </p:nvSpPr>
+        <p:spPr>
+          <a:xfrm>
+            <a:off x="685800" y="4343400"/>
+            <a:ext cx="5486400" cy="4114800"/>
+          </a:xfrm>
+          <a:prstGeom prst="rect">
+            <a:avLst/>
+          </a:prstGeom>
+        </p:spPr>
+        <p:txBody>
+          <a:bodyPr anchorCtr="0" anchor="t" bIns="91425" lIns="91425" spcFirstLastPara="1" rIns="91425" wrap="square" tIns="91425">
+            <a:noAutofit/>
+          </a:bodyPr>
+          <a:lstStyle/>
+          <a:p>
+            <a:pPr indent="0" lvl="0" marL="0" rtl="0" algn="l">
+              <a:spcBef>
+                <a:spcPts val="0"/>
+              </a:spcBef>
+              <a:spcAft>
+                <a:spcPts val="0"/>
+              </a:spcAft>
+              <a:buNone/>
+            </a:pPr>
+            <a:r>
+              <a:rPr lang="es"/>
+              <a:t>Nuestro cliente es una agencia de viajes ubicada en la india. </a:t>
+            </a:r>
+            <a:endParaRPr/>
+          </a:p>
+        </p:txBody>
+      </p:sp>
+    </p:spTree>
+  </p:cSld>
+  <p:clrMapOvr>
+    <a:masterClrMapping/>
+  </p:clrMapOvr>
+</p:notes>
+</file>
+
 <file path=ppt/notesSlides/notesSlide2.xml><?xml version="1.0" encoding="utf-8"?>
 <p:notes xmlns:a="http://schemas.openxmlformats.org/drawingml/2006/main" xmlns:r="http://schemas.openxmlformats.org/officeDocument/2006/relationships" xmlns:mc="http://schemas.openxmlformats.org/markup-compatibility/2006" xmlns:mv="urn:schemas-microsoft-com:mac:vml" xmlns:p="http://schemas.openxmlformats.org/presentationml/2006/main" xmlns:c="http://schemas.openxmlformats.org/drawingml/2006/chart" xmlns:dgm="http://schemas.openxmlformats.org/drawingml/2006/diagram" xmlns:o="urn:schemas-microsoft-com:office:office" xmlns:v="urn:schemas-microsoft-com:vml" xmlns:pvml="urn:schemas-microsoft-com:office:powerpoint" xmlns:com="http://schemas.openxmlformats.org/drawingml/2006/compatibility" xmlns:p14="http://schemas.microsoft.com/office/powerpoint/2010/main" xmlns:p15="http://schemas.microsoft.com/office/powerpoint/2012/main" xmlns:ahyp="http://schemas.microsoft.com/office/drawing/2018/hyperlinkcolor" showMasterPhAnim="0" showMasterSp="0">
   <p:cSld>
@@ -912,7 +1419,7 @@
   <p:cSld>
     <p:spTree>
       <p:nvGrpSpPr>
-        <p:cNvPr id="70" name="Shape 70"/>
+        <p:cNvPr id="71" name="Shape 71"/>
         <p:cNvGrpSpPr/>
         <p:nvPr/>
       </p:nvGrpSpPr>
@@ -926,7 +1433,7 @@
       </p:grpSpPr>
       <p:sp>
         <p:nvSpPr>
-          <p:cNvPr id="71" name="Google Shape;71;gfbe7ca3d7b_0_16:notes"/>
+          <p:cNvPr id="72" name="Google Shape;72;gfbe7ca3d7b_0_16:notes"/>
           <p:cNvSpPr/>
           <p:nvPr>
             <p:ph idx="2" type="sldImg"/>
@@ -961,7 +1468,7 @@
       </p:sp>
       <p:sp>
         <p:nvSpPr>
-          <p:cNvPr id="72" name="Google Shape;72;gfbe7ca3d7b_0_16:notes"/>
+          <p:cNvPr id="73" name="Google Shape;73;gfbe7ca3d7b_0_16:notes"/>
           <p:cNvSpPr txBox="1"/>
           <p:nvPr>
             <p:ph idx="1" type="body"/>
@@ -1028,7 +1535,7 @@
   <p:cSld>
     <p:spTree>
       <p:nvGrpSpPr>
-        <p:cNvPr id="77" name="Shape 77"/>
+        <p:cNvPr id="78" name="Shape 78"/>
         <p:cNvGrpSpPr/>
         <p:nvPr/>
       </p:nvGrpSpPr>
@@ -1042,7 +1549,7 @@
       </p:grpSpPr>
       <p:sp>
         <p:nvSpPr>
-          <p:cNvPr id="78" name="Google Shape;78;gfbe7ca3d7b_0_29:notes"/>
+          <p:cNvPr id="79" name="Google Shape;79;gfbe7ca3d7b_0_29:notes"/>
           <p:cNvSpPr/>
           <p:nvPr>
             <p:ph idx="2" type="sldImg"/>
@@ -1077,7 +1584,7 @@
       </p:sp>
       <p:sp>
         <p:nvSpPr>
-          <p:cNvPr id="79" name="Google Shape;79;gfbe7ca3d7b_0_29:notes"/>
+          <p:cNvPr id="80" name="Google Shape;80;gfbe7ca3d7b_0_29:notes"/>
           <p:cNvSpPr txBox="1"/>
           <p:nvPr>
             <p:ph idx="1" type="body"/>
@@ -1128,7 +1635,7 @@
   <p:cSld>
     <p:spTree>
       <p:nvGrpSpPr>
-        <p:cNvPr id="100" name="Shape 100"/>
+        <p:cNvPr id="101" name="Shape 101"/>
         <p:cNvGrpSpPr/>
         <p:nvPr/>
       </p:nvGrpSpPr>
@@ -1142,7 +1649,7 @@
       </p:grpSpPr>
       <p:sp>
         <p:nvSpPr>
-          <p:cNvPr id="101" name="Google Shape;101;gfbe7ca3d7b_0_117:notes"/>
+          <p:cNvPr id="102" name="Google Shape;102;gfbe7ca3d7b_0_117:notes"/>
           <p:cNvSpPr/>
           <p:nvPr>
             <p:ph idx="2" type="sldImg"/>
@@ -1177,7 +1684,7 @@
       </p:sp>
       <p:sp>
         <p:nvSpPr>
-          <p:cNvPr id="102" name="Google Shape;102;gfbe7ca3d7b_0_117:notes"/>
+          <p:cNvPr id="103" name="Google Shape;103;gfbe7ca3d7b_0_117:notes"/>
           <p:cNvSpPr txBox="1"/>
           <p:nvPr>
             <p:ph idx="1" type="body"/>
@@ -1228,7 +1735,7 @@
   <p:cSld>
     <p:spTree>
       <p:nvGrpSpPr>
-        <p:cNvPr id="116" name="Shape 116"/>
+        <p:cNvPr id="117" name="Shape 117"/>
         <p:cNvGrpSpPr/>
         <p:nvPr/>
       </p:nvGrpSpPr>
@@ -1242,7 +1749,7 @@
       </p:grpSpPr>
       <p:sp>
         <p:nvSpPr>
-          <p:cNvPr id="117" name="Google Shape;117;gfbe7ca3d7b_0_161:notes"/>
+          <p:cNvPr id="118" name="Google Shape;118;gfbe7ca3d7b_0_161:notes"/>
           <p:cNvSpPr/>
           <p:nvPr>
             <p:ph idx="2" type="sldImg"/>
@@ -1277,7 +1784,7 @@
       </p:sp>
       <p:sp>
         <p:nvSpPr>
-          <p:cNvPr id="118" name="Google Shape;118;gfbe7ca3d7b_0_161:notes"/>
+          <p:cNvPr id="119" name="Google Shape;119;gfbe7ca3d7b_0_161:notes"/>
           <p:cNvSpPr txBox="1"/>
           <p:nvPr>
             <p:ph idx="1" type="body"/>
@@ -1328,7 +1835,7 @@
   <p:cSld>
     <p:spTree>
       <p:nvGrpSpPr>
-        <p:cNvPr id="123" name="Shape 123"/>
+        <p:cNvPr id="124" name="Shape 124"/>
         <p:cNvGrpSpPr/>
         <p:nvPr/>
       </p:nvGrpSpPr>
@@ -1342,7 +1849,7 @@
       </p:grpSpPr>
       <p:sp>
         <p:nvSpPr>
-          <p:cNvPr id="124" name="Google Shape;124;gfbe7ca3d7b_0_177:notes"/>
+          <p:cNvPr id="125" name="Google Shape;125;gfbe7ca3d7b_0_177:notes"/>
           <p:cNvSpPr/>
           <p:nvPr>
             <p:ph idx="2" type="sldImg"/>
@@ -1377,7 +1884,207 @@
       </p:sp>
       <p:sp>
         <p:nvSpPr>
-          <p:cNvPr id="125" name="Google Shape;125;gfbe7ca3d7b_0_177:notes"/>
+          <p:cNvPr id="126" name="Google Shape;126;gfbe7ca3d7b_0_177:notes"/>
+          <p:cNvSpPr txBox="1"/>
+          <p:nvPr>
+            <p:ph idx="1" type="body"/>
+          </p:nvPr>
+        </p:nvSpPr>
+        <p:spPr>
+          <a:xfrm>
+            <a:off x="685800" y="4343400"/>
+            <a:ext cx="5486400" cy="4114800"/>
+          </a:xfrm>
+          <a:prstGeom prst="rect">
+            <a:avLst/>
+          </a:prstGeom>
+        </p:spPr>
+        <p:txBody>
+          <a:bodyPr anchorCtr="0" anchor="t" bIns="91425" lIns="91425" spcFirstLastPara="1" rIns="91425" wrap="square" tIns="91425">
+            <a:noAutofit/>
+          </a:bodyPr>
+          <a:lstStyle/>
+          <a:p>
+            <a:pPr indent="0" lvl="0" marL="0" rtl="0" algn="l">
+              <a:spcBef>
+                <a:spcPts val="0"/>
+              </a:spcBef>
+              <a:spcAft>
+                <a:spcPts val="0"/>
+              </a:spcAft>
+              <a:buNone/>
+            </a:pPr>
+            <a:r>
+              <a:rPr lang="es"/>
+              <a:t>Nuestro cliente es una agencia de viajes ubicada en la india. </a:t>
+            </a:r>
+            <a:endParaRPr/>
+          </a:p>
+        </p:txBody>
+      </p:sp>
+    </p:spTree>
+  </p:cSld>
+  <p:clrMapOvr>
+    <a:masterClrMapping/>
+  </p:clrMapOvr>
+</p:notes>
+</file>
+
+<file path=ppt/notesSlides/notesSlide8.xml><?xml version="1.0" encoding="utf-8"?>
+<p:notes xmlns:a="http://schemas.openxmlformats.org/drawingml/2006/main" xmlns:r="http://schemas.openxmlformats.org/officeDocument/2006/relationships" xmlns:mc="http://schemas.openxmlformats.org/markup-compatibility/2006" xmlns:mv="urn:schemas-microsoft-com:mac:vml" xmlns:p="http://schemas.openxmlformats.org/presentationml/2006/main" xmlns:c="http://schemas.openxmlformats.org/drawingml/2006/chart" xmlns:dgm="http://schemas.openxmlformats.org/drawingml/2006/diagram" xmlns:o="urn:schemas-microsoft-com:office:office" xmlns:v="urn:schemas-microsoft-com:vml" xmlns:pvml="urn:schemas-microsoft-com:office:powerpoint" xmlns:com="http://schemas.openxmlformats.org/drawingml/2006/compatibility" xmlns:p14="http://schemas.microsoft.com/office/powerpoint/2010/main" xmlns:p15="http://schemas.microsoft.com/office/powerpoint/2012/main" xmlns:ahyp="http://schemas.microsoft.com/office/drawing/2018/hyperlinkcolor" showMasterPhAnim="0" showMasterSp="0">
+  <p:cSld>
+    <p:spTree>
+      <p:nvGrpSpPr>
+        <p:cNvPr id="176" name="Shape 176"/>
+        <p:cNvGrpSpPr/>
+        <p:nvPr/>
+      </p:nvGrpSpPr>
+      <p:grpSpPr>
+        <a:xfrm>
+          <a:off x="0" y="0"/>
+          <a:ext cx="0" cy="0"/>
+          <a:chOff x="0" y="0"/>
+          <a:chExt cx="0" cy="0"/>
+        </a:xfrm>
+      </p:grpSpPr>
+      <p:sp>
+        <p:nvSpPr>
+          <p:cNvPr id="177" name="Google Shape;177;g102c720ce09_0_103:notes"/>
+          <p:cNvSpPr/>
+          <p:nvPr>
+            <p:ph idx="2" type="sldImg"/>
+          </p:nvPr>
+        </p:nvSpPr>
+        <p:spPr>
+          <a:xfrm>
+            <a:off x="381300" y="685800"/>
+            <a:ext cx="6096000" cy="3429000"/>
+          </a:xfrm>
+          <a:custGeom>
+            <a:rect b="b" l="l" r="r" t="t"/>
+            <a:pathLst>
+              <a:path extrusionOk="0" h="120000" w="120000">
+                <a:moveTo>
+                  <a:pt x="0" y="0"/>
+                </a:moveTo>
+                <a:lnTo>
+                  <a:pt x="120000" y="0"/>
+                </a:lnTo>
+                <a:lnTo>
+                  <a:pt x="120000" y="120000"/>
+                </a:lnTo>
+                <a:lnTo>
+                  <a:pt x="0" y="120000"/>
+                </a:lnTo>
+                <a:close/>
+              </a:path>
+            </a:pathLst>
+          </a:custGeom>
+        </p:spPr>
+      </p:sp>
+      <p:sp>
+        <p:nvSpPr>
+          <p:cNvPr id="178" name="Google Shape;178;g102c720ce09_0_103:notes"/>
+          <p:cNvSpPr txBox="1"/>
+          <p:nvPr>
+            <p:ph idx="1" type="body"/>
+          </p:nvPr>
+        </p:nvSpPr>
+        <p:spPr>
+          <a:xfrm>
+            <a:off x="685800" y="4343400"/>
+            <a:ext cx="5486400" cy="4114800"/>
+          </a:xfrm>
+          <a:prstGeom prst="rect">
+            <a:avLst/>
+          </a:prstGeom>
+        </p:spPr>
+        <p:txBody>
+          <a:bodyPr anchorCtr="0" anchor="t" bIns="91425" lIns="91425" spcFirstLastPara="1" rIns="91425" wrap="square" tIns="91425">
+            <a:noAutofit/>
+          </a:bodyPr>
+          <a:lstStyle/>
+          <a:p>
+            <a:pPr indent="0" lvl="0" marL="0" rtl="0" algn="l">
+              <a:spcBef>
+                <a:spcPts val="0"/>
+              </a:spcBef>
+              <a:spcAft>
+                <a:spcPts val="0"/>
+              </a:spcAft>
+              <a:buNone/>
+            </a:pPr>
+            <a:r>
+              <a:rPr lang="es"/>
+              <a:t>Nuestro cliente es una agencia de viajes ubicada en la india. </a:t>
+            </a:r>
+            <a:endParaRPr/>
+          </a:p>
+        </p:txBody>
+      </p:sp>
+    </p:spTree>
+  </p:cSld>
+  <p:clrMapOvr>
+    <a:masterClrMapping/>
+  </p:clrMapOvr>
+</p:notes>
+</file>
+
+<file path=ppt/notesSlides/notesSlide9.xml><?xml version="1.0" encoding="utf-8"?>
+<p:notes xmlns:a="http://schemas.openxmlformats.org/drawingml/2006/main" xmlns:r="http://schemas.openxmlformats.org/officeDocument/2006/relationships" xmlns:mc="http://schemas.openxmlformats.org/markup-compatibility/2006" xmlns:mv="urn:schemas-microsoft-com:mac:vml" xmlns:p="http://schemas.openxmlformats.org/presentationml/2006/main" xmlns:c="http://schemas.openxmlformats.org/drawingml/2006/chart" xmlns:dgm="http://schemas.openxmlformats.org/drawingml/2006/diagram" xmlns:o="urn:schemas-microsoft-com:office:office" xmlns:v="urn:schemas-microsoft-com:vml" xmlns:pvml="urn:schemas-microsoft-com:office:powerpoint" xmlns:com="http://schemas.openxmlformats.org/drawingml/2006/compatibility" xmlns:p14="http://schemas.microsoft.com/office/powerpoint/2010/main" xmlns:p15="http://schemas.microsoft.com/office/powerpoint/2012/main" xmlns:ahyp="http://schemas.microsoft.com/office/drawing/2018/hyperlinkcolor" showMasterPhAnim="0" showMasterSp="0">
+  <p:cSld>
+    <p:spTree>
+      <p:nvGrpSpPr>
+        <p:cNvPr id="185" name="Shape 185"/>
+        <p:cNvGrpSpPr/>
+        <p:nvPr/>
+      </p:nvGrpSpPr>
+      <p:grpSpPr>
+        <a:xfrm>
+          <a:off x="0" y="0"/>
+          <a:ext cx="0" cy="0"/>
+          <a:chOff x="0" y="0"/>
+          <a:chExt cx="0" cy="0"/>
+        </a:xfrm>
+      </p:grpSpPr>
+      <p:sp>
+        <p:nvSpPr>
+          <p:cNvPr id="186" name="Google Shape;186;g102c720ce09_0_157:notes"/>
+          <p:cNvSpPr/>
+          <p:nvPr>
+            <p:ph idx="2" type="sldImg"/>
+          </p:nvPr>
+        </p:nvSpPr>
+        <p:spPr>
+          <a:xfrm>
+            <a:off x="381300" y="685800"/>
+            <a:ext cx="6096000" cy="3429000"/>
+          </a:xfrm>
+          <a:custGeom>
+            <a:rect b="b" l="l" r="r" t="t"/>
+            <a:pathLst>
+              <a:path extrusionOk="0" h="120000" w="120000">
+                <a:moveTo>
+                  <a:pt x="0" y="0"/>
+                </a:moveTo>
+                <a:lnTo>
+                  <a:pt x="120000" y="0"/>
+                </a:lnTo>
+                <a:lnTo>
+                  <a:pt x="120000" y="120000"/>
+                </a:lnTo>
+                <a:lnTo>
+                  <a:pt x="0" y="120000"/>
+                </a:lnTo>
+                <a:close/>
+              </a:path>
+            </a:pathLst>
+          </a:custGeom>
+        </p:spPr>
+      </p:sp>
+      <p:sp>
+        <p:nvSpPr>
+          <p:cNvPr id="187" name="Google Shape;187;g102c720ce09_0_157:notes"/>
           <p:cNvSpPr txBox="1"/>
           <p:nvPr>
             <p:ph idx="1" type="body"/>
@@ -6233,6 +6940,1406 @@
 </p:sld>
 </file>
 
+<file path=ppt/slides/slide10.xml><?xml version="1.0" encoding="utf-8"?>
+<p:sld xmlns:a="http://schemas.openxmlformats.org/drawingml/2006/main" xmlns:r="http://schemas.openxmlformats.org/officeDocument/2006/relationships" xmlns:mc="http://schemas.openxmlformats.org/markup-compatibility/2006" xmlns:mv="urn:schemas-microsoft-com:mac:vml" xmlns:p="http://schemas.openxmlformats.org/presentationml/2006/main" xmlns:c="http://schemas.openxmlformats.org/drawingml/2006/chart" xmlns:dgm="http://schemas.openxmlformats.org/drawingml/2006/diagram" xmlns:o="urn:schemas-microsoft-com:office:office" xmlns:v="urn:schemas-microsoft-com:vml" xmlns:pvml="urn:schemas-microsoft-com:office:powerpoint" xmlns:com="http://schemas.openxmlformats.org/drawingml/2006/compatibility" xmlns:p14="http://schemas.microsoft.com/office/powerpoint/2010/main" xmlns:p15="http://schemas.microsoft.com/office/powerpoint/2012/main" xmlns:ahyp="http://schemas.microsoft.com/office/drawing/2018/hyperlinkcolor">
+  <p:cSld>
+    <p:spTree>
+      <p:nvGrpSpPr>
+        <p:cNvPr id="197" name="Shape 197"/>
+        <p:cNvGrpSpPr/>
+        <p:nvPr/>
+      </p:nvGrpSpPr>
+      <p:grpSpPr>
+        <a:xfrm>
+          <a:off x="0" y="0"/>
+          <a:ext cx="0" cy="0"/>
+          <a:chOff x="0" y="0"/>
+          <a:chExt cx="0" cy="0"/>
+        </a:xfrm>
+      </p:grpSpPr>
+      <p:sp>
+        <p:nvSpPr>
+          <p:cNvPr id="198" name="Google Shape;198;p22"/>
+          <p:cNvSpPr txBox="1"/>
+          <p:nvPr>
+            <p:ph type="title"/>
+          </p:nvPr>
+        </p:nvSpPr>
+        <p:spPr>
+          <a:xfrm>
+            <a:off x="0" y="0"/>
+            <a:ext cx="9144000" cy="1017900"/>
+          </a:xfrm>
+          <a:prstGeom prst="rect">
+            <a:avLst/>
+          </a:prstGeom>
+          <a:solidFill>
+            <a:schemeClr val="dk2"/>
+          </a:solidFill>
+        </p:spPr>
+        <p:txBody>
+          <a:bodyPr anchorCtr="0" anchor="ctr" bIns="91425" lIns="91425" spcFirstLastPara="1" rIns="91425" wrap="square" tIns="91425">
+            <a:normAutofit/>
+          </a:bodyPr>
+          <a:lstStyle/>
+          <a:p>
+            <a:pPr indent="0" lvl="0" marL="0" marR="0" rtl="0" algn="ctr">
+              <a:lnSpc>
+                <a:spcPct val="100000"/>
+              </a:lnSpc>
+              <a:spcBef>
+                <a:spcPts val="0"/>
+              </a:spcBef>
+              <a:spcAft>
+                <a:spcPts val="0"/>
+              </a:spcAft>
+              <a:buNone/>
+            </a:pPr>
+            <a:r>
+              <a:rPr lang="es">
+                <a:solidFill>
+                  <a:schemeClr val="lt1"/>
+                </a:solidFill>
+                <a:latin typeface="Roboto Light"/>
+                <a:ea typeface="Roboto Light"/>
+                <a:cs typeface="Roboto Light"/>
+                <a:sym typeface="Roboto Light"/>
+              </a:rPr>
+              <a:t>Modelos alternativos</a:t>
+            </a:r>
+            <a:endParaRPr>
+              <a:solidFill>
+                <a:schemeClr val="lt1"/>
+              </a:solidFill>
+              <a:latin typeface="Roboto Light"/>
+              <a:ea typeface="Roboto Light"/>
+              <a:cs typeface="Roboto Light"/>
+              <a:sym typeface="Roboto Light"/>
+            </a:endParaRPr>
+          </a:p>
+        </p:txBody>
+      </p:sp>
+      <p:pic>
+        <p:nvPicPr>
+          <p:cNvPr id="199" name="Google Shape;199;p22"/>
+          <p:cNvPicPr preferRelativeResize="0"/>
+          <p:nvPr/>
+        </p:nvPicPr>
+        <p:blipFill>
+          <a:blip r:embed="rId3">
+            <a:alphaModFix/>
+          </a:blip>
+          <a:stretch>
+            <a:fillRect/>
+          </a:stretch>
+        </p:blipFill>
+        <p:spPr>
+          <a:xfrm>
+            <a:off x="1549525" y="1831825"/>
+            <a:ext cx="6296600" cy="3071675"/>
+          </a:xfrm>
+          <a:prstGeom prst="rect">
+            <a:avLst/>
+          </a:prstGeom>
+          <a:noFill/>
+          <a:ln>
+            <a:noFill/>
+          </a:ln>
+        </p:spPr>
+      </p:pic>
+      <p:sp>
+        <p:nvSpPr>
+          <p:cNvPr id="200" name="Google Shape;200;p22"/>
+          <p:cNvSpPr txBox="1"/>
+          <p:nvPr/>
+        </p:nvSpPr>
+        <p:spPr>
+          <a:xfrm>
+            <a:off x="1187750" y="1185313"/>
+            <a:ext cx="7290300" cy="646500"/>
+          </a:xfrm>
+          <a:prstGeom prst="rect">
+            <a:avLst/>
+          </a:prstGeom>
+          <a:noFill/>
+          <a:ln>
+            <a:noFill/>
+          </a:ln>
+        </p:spPr>
+        <p:txBody>
+          <a:bodyPr anchorCtr="0" anchor="t" bIns="91425" lIns="91425" spcFirstLastPara="1" rIns="91425" wrap="square" tIns="91425">
+            <a:spAutoFit/>
+          </a:bodyPr>
+          <a:lstStyle/>
+          <a:p>
+            <a:pPr indent="0" lvl="0" marL="0" rtl="0" algn="ctr">
+              <a:spcBef>
+                <a:spcPts val="0"/>
+              </a:spcBef>
+              <a:spcAft>
+                <a:spcPts val="0"/>
+              </a:spcAft>
+              <a:buNone/>
+            </a:pPr>
+            <a:r>
+              <a:rPr lang="es" sz="1500">
+                <a:solidFill>
+                  <a:srgbClr val="434343"/>
+                </a:solidFill>
+                <a:latin typeface="Roboto"/>
+                <a:ea typeface="Roboto"/>
+                <a:cs typeface="Roboto"/>
+                <a:sym typeface="Roboto"/>
+              </a:rPr>
+              <a:t>Se elige el modelo de Random Forest ya que muestra el mejor recall, y es una buena mejora respecto al árbol de decisiones con un modelo relativamente simple</a:t>
+            </a:r>
+            <a:endParaRPr sz="1500">
+              <a:solidFill>
+                <a:srgbClr val="434343"/>
+              </a:solidFill>
+              <a:latin typeface="Roboto"/>
+              <a:ea typeface="Roboto"/>
+              <a:cs typeface="Roboto"/>
+              <a:sym typeface="Roboto"/>
+            </a:endParaRPr>
+          </a:p>
+        </p:txBody>
+      </p:sp>
+    </p:spTree>
+  </p:cSld>
+  <p:clrMapOvr>
+    <a:masterClrMapping/>
+  </p:clrMapOvr>
+</p:sld>
+</file>
+
+<file path=ppt/slides/slide11.xml><?xml version="1.0" encoding="utf-8"?>
+<p:sld xmlns:a="http://schemas.openxmlformats.org/drawingml/2006/main" xmlns:r="http://schemas.openxmlformats.org/officeDocument/2006/relationships" xmlns:mc="http://schemas.openxmlformats.org/markup-compatibility/2006" xmlns:mv="urn:schemas-microsoft-com:mac:vml" xmlns:p="http://schemas.openxmlformats.org/presentationml/2006/main" xmlns:c="http://schemas.openxmlformats.org/drawingml/2006/chart" xmlns:dgm="http://schemas.openxmlformats.org/drawingml/2006/diagram" xmlns:o="urn:schemas-microsoft-com:office:office" xmlns:v="urn:schemas-microsoft-com:vml" xmlns:pvml="urn:schemas-microsoft-com:office:powerpoint" xmlns:com="http://schemas.openxmlformats.org/drawingml/2006/compatibility" xmlns:p14="http://schemas.microsoft.com/office/powerpoint/2010/main" xmlns:p15="http://schemas.microsoft.com/office/powerpoint/2012/main" xmlns:ahyp="http://schemas.microsoft.com/office/drawing/2018/hyperlinkcolor">
+  <p:cSld>
+    <p:spTree>
+      <p:nvGrpSpPr>
+        <p:cNvPr id="204" name="Shape 204"/>
+        <p:cNvGrpSpPr/>
+        <p:nvPr/>
+      </p:nvGrpSpPr>
+      <p:grpSpPr>
+        <a:xfrm>
+          <a:off x="0" y="0"/>
+          <a:ext cx="0" cy="0"/>
+          <a:chOff x="0" y="0"/>
+          <a:chExt cx="0" cy="0"/>
+        </a:xfrm>
+      </p:grpSpPr>
+      <p:sp>
+        <p:nvSpPr>
+          <p:cNvPr id="205" name="Google Shape;205;p23"/>
+          <p:cNvSpPr txBox="1"/>
+          <p:nvPr>
+            <p:ph type="title"/>
+          </p:nvPr>
+        </p:nvSpPr>
+        <p:spPr>
+          <a:xfrm>
+            <a:off x="0" y="0"/>
+            <a:ext cx="9144000" cy="1017900"/>
+          </a:xfrm>
+          <a:prstGeom prst="rect">
+            <a:avLst/>
+          </a:prstGeom>
+          <a:solidFill>
+            <a:schemeClr val="dk2"/>
+          </a:solidFill>
+        </p:spPr>
+        <p:txBody>
+          <a:bodyPr anchorCtr="0" anchor="ctr" bIns="91425" lIns="91425" spcFirstLastPara="1" rIns="91425" wrap="square" tIns="91425">
+            <a:normAutofit/>
+          </a:bodyPr>
+          <a:lstStyle/>
+          <a:p>
+            <a:pPr indent="0" lvl="0" marL="0" marR="0" rtl="0" algn="ctr">
+              <a:lnSpc>
+                <a:spcPct val="100000"/>
+              </a:lnSpc>
+              <a:spcBef>
+                <a:spcPts val="0"/>
+              </a:spcBef>
+              <a:spcAft>
+                <a:spcPts val="0"/>
+              </a:spcAft>
+              <a:buNone/>
+            </a:pPr>
+            <a:r>
+              <a:rPr lang="es">
+                <a:solidFill>
+                  <a:schemeClr val="lt1"/>
+                </a:solidFill>
+                <a:latin typeface="Roboto Light"/>
+                <a:ea typeface="Roboto Light"/>
+                <a:cs typeface="Roboto Light"/>
+                <a:sym typeface="Roboto Light"/>
+              </a:rPr>
+              <a:t>Modelo 2: Random Forest</a:t>
+            </a:r>
+            <a:endParaRPr>
+              <a:solidFill>
+                <a:schemeClr val="lt1"/>
+              </a:solidFill>
+              <a:latin typeface="Roboto Light"/>
+              <a:ea typeface="Roboto Light"/>
+              <a:cs typeface="Roboto Light"/>
+              <a:sym typeface="Roboto Light"/>
+            </a:endParaRPr>
+          </a:p>
+        </p:txBody>
+      </p:sp>
+      <p:pic>
+        <p:nvPicPr>
+          <p:cNvPr id="206" name="Google Shape;206;p23"/>
+          <p:cNvPicPr preferRelativeResize="0"/>
+          <p:nvPr/>
+        </p:nvPicPr>
+        <p:blipFill>
+          <a:blip r:embed="rId3">
+            <a:alphaModFix/>
+          </a:blip>
+          <a:stretch>
+            <a:fillRect/>
+          </a:stretch>
+        </p:blipFill>
+        <p:spPr>
+          <a:xfrm>
+            <a:off x="3661751" y="1321275"/>
+            <a:ext cx="5055876" cy="3543975"/>
+          </a:xfrm>
+          <a:prstGeom prst="rect">
+            <a:avLst/>
+          </a:prstGeom>
+          <a:noFill/>
+          <a:ln>
+            <a:noFill/>
+          </a:ln>
+        </p:spPr>
+      </p:pic>
+      <p:sp>
+        <p:nvSpPr>
+          <p:cNvPr id="207" name="Google Shape;207;p23"/>
+          <p:cNvSpPr txBox="1"/>
+          <p:nvPr/>
+        </p:nvSpPr>
+        <p:spPr>
+          <a:xfrm>
+            <a:off x="391775" y="1555800"/>
+            <a:ext cx="2549700" cy="2031900"/>
+          </a:xfrm>
+          <a:prstGeom prst="rect">
+            <a:avLst/>
+          </a:prstGeom>
+          <a:noFill/>
+          <a:ln>
+            <a:noFill/>
+          </a:ln>
+        </p:spPr>
+        <p:txBody>
+          <a:bodyPr anchorCtr="0" anchor="t" bIns="91425" lIns="91425" spcFirstLastPara="1" rIns="91425" wrap="square" tIns="91425">
+            <a:spAutoFit/>
+          </a:bodyPr>
+          <a:lstStyle/>
+          <a:p>
+            <a:pPr indent="0" lvl="0" marL="0" rtl="0" algn="l">
+              <a:spcBef>
+                <a:spcPts val="0"/>
+              </a:spcBef>
+              <a:spcAft>
+                <a:spcPts val="0"/>
+              </a:spcAft>
+              <a:buNone/>
+            </a:pPr>
+            <a:r>
+              <a:rPr lang="es" sz="1500">
+                <a:solidFill>
+                  <a:schemeClr val="dk2"/>
+                </a:solidFill>
+                <a:latin typeface="Roboto"/>
+                <a:ea typeface="Roboto"/>
+                <a:cs typeface="Roboto"/>
+                <a:sym typeface="Roboto"/>
+              </a:rPr>
+              <a:t>El modelo de random forest sigue dándole importancia al hecho de que el cliente haya viajado alguna vez al exterior, pero da más peso a la edad y la composición familiar que el árbol de decisiones sencillo</a:t>
+            </a:r>
+            <a:endParaRPr b="1" sz="1500">
+              <a:solidFill>
+                <a:schemeClr val="dk2"/>
+              </a:solidFill>
+              <a:latin typeface="Roboto"/>
+              <a:ea typeface="Roboto"/>
+              <a:cs typeface="Roboto"/>
+              <a:sym typeface="Roboto"/>
+            </a:endParaRPr>
+          </a:p>
+        </p:txBody>
+      </p:sp>
+    </p:spTree>
+  </p:cSld>
+  <p:clrMapOvr>
+    <a:masterClrMapping/>
+  </p:clrMapOvr>
+</p:sld>
+</file>
+
+<file path=ppt/slides/slide12.xml><?xml version="1.0" encoding="utf-8"?>
+<p:sld xmlns:a="http://schemas.openxmlformats.org/drawingml/2006/main" xmlns:r="http://schemas.openxmlformats.org/officeDocument/2006/relationships" xmlns:mc="http://schemas.openxmlformats.org/markup-compatibility/2006" xmlns:mv="urn:schemas-microsoft-com:mac:vml" xmlns:p="http://schemas.openxmlformats.org/presentationml/2006/main" xmlns:c="http://schemas.openxmlformats.org/drawingml/2006/chart" xmlns:dgm="http://schemas.openxmlformats.org/drawingml/2006/diagram" xmlns:o="urn:schemas-microsoft-com:office:office" xmlns:v="urn:schemas-microsoft-com:vml" xmlns:pvml="urn:schemas-microsoft-com:office:powerpoint" xmlns:com="http://schemas.openxmlformats.org/drawingml/2006/compatibility" xmlns:p14="http://schemas.microsoft.com/office/powerpoint/2010/main" xmlns:p15="http://schemas.microsoft.com/office/powerpoint/2012/main" xmlns:ahyp="http://schemas.microsoft.com/office/drawing/2018/hyperlinkcolor">
+  <p:cSld>
+    <p:spTree>
+      <p:nvGrpSpPr>
+        <p:cNvPr id="211" name="Shape 211"/>
+        <p:cNvGrpSpPr/>
+        <p:nvPr/>
+      </p:nvGrpSpPr>
+      <p:grpSpPr>
+        <a:xfrm>
+          <a:off x="0" y="0"/>
+          <a:ext cx="0" cy="0"/>
+          <a:chOff x="0" y="0"/>
+          <a:chExt cx="0" cy="0"/>
+        </a:xfrm>
+      </p:grpSpPr>
+      <p:sp>
+        <p:nvSpPr>
+          <p:cNvPr id="212" name="Google Shape;212;p24"/>
+          <p:cNvSpPr txBox="1"/>
+          <p:nvPr>
+            <p:ph type="title"/>
+          </p:nvPr>
+        </p:nvSpPr>
+        <p:spPr>
+          <a:xfrm>
+            <a:off x="0" y="0"/>
+            <a:ext cx="9144000" cy="1017900"/>
+          </a:xfrm>
+          <a:prstGeom prst="rect">
+            <a:avLst/>
+          </a:prstGeom>
+          <a:solidFill>
+            <a:schemeClr val="dk2"/>
+          </a:solidFill>
+        </p:spPr>
+        <p:txBody>
+          <a:bodyPr anchorCtr="0" anchor="ctr" bIns="91425" lIns="91425" spcFirstLastPara="1" rIns="91425" wrap="square" tIns="91425">
+            <a:normAutofit/>
+          </a:bodyPr>
+          <a:lstStyle/>
+          <a:p>
+            <a:pPr indent="0" lvl="0" marL="0" marR="0" rtl="0" algn="ctr">
+              <a:lnSpc>
+                <a:spcPct val="100000"/>
+              </a:lnSpc>
+              <a:spcBef>
+                <a:spcPts val="0"/>
+              </a:spcBef>
+              <a:spcAft>
+                <a:spcPts val="0"/>
+              </a:spcAft>
+              <a:buNone/>
+            </a:pPr>
+            <a:r>
+              <a:rPr lang="es">
+                <a:solidFill>
+                  <a:schemeClr val="lt1"/>
+                </a:solidFill>
+                <a:latin typeface="Roboto Light"/>
+                <a:ea typeface="Roboto Light"/>
+                <a:cs typeface="Roboto Light"/>
+                <a:sym typeface="Roboto Light"/>
+              </a:rPr>
+              <a:t>Conveniencia económica del modelo</a:t>
+            </a:r>
+            <a:endParaRPr>
+              <a:solidFill>
+                <a:schemeClr val="lt1"/>
+              </a:solidFill>
+              <a:latin typeface="Roboto Light"/>
+              <a:ea typeface="Roboto Light"/>
+              <a:cs typeface="Roboto Light"/>
+              <a:sym typeface="Roboto Light"/>
+            </a:endParaRPr>
+          </a:p>
+        </p:txBody>
+      </p:sp>
+      <p:pic>
+        <p:nvPicPr>
+          <p:cNvPr id="213" name="Google Shape;213;p24"/>
+          <p:cNvPicPr preferRelativeResize="0"/>
+          <p:nvPr/>
+        </p:nvPicPr>
+        <p:blipFill>
+          <a:blip r:embed="rId3">
+            <a:alphaModFix/>
+          </a:blip>
+          <a:stretch>
+            <a:fillRect/>
+          </a:stretch>
+        </p:blipFill>
+        <p:spPr>
+          <a:xfrm>
+            <a:off x="199638" y="2117210"/>
+            <a:ext cx="4246575" cy="909090"/>
+          </a:xfrm>
+          <a:prstGeom prst="rect">
+            <a:avLst/>
+          </a:prstGeom>
+          <a:noFill/>
+          <a:ln>
+            <a:noFill/>
+          </a:ln>
+        </p:spPr>
+      </p:pic>
+      <p:sp>
+        <p:nvSpPr>
+          <p:cNvPr id="214" name="Google Shape;214;p24"/>
+          <p:cNvSpPr txBox="1"/>
+          <p:nvPr/>
+        </p:nvSpPr>
+        <p:spPr>
+          <a:xfrm>
+            <a:off x="288550" y="1348175"/>
+            <a:ext cx="4325700" cy="646500"/>
+          </a:xfrm>
+          <a:prstGeom prst="rect">
+            <a:avLst/>
+          </a:prstGeom>
+          <a:noFill/>
+          <a:ln>
+            <a:noFill/>
+          </a:ln>
+        </p:spPr>
+        <p:txBody>
+          <a:bodyPr anchorCtr="0" anchor="t" bIns="91425" lIns="91425" spcFirstLastPara="1" rIns="91425" wrap="square" tIns="91425">
+            <a:spAutoFit/>
+          </a:bodyPr>
+          <a:lstStyle/>
+          <a:p>
+            <a:pPr indent="0" lvl="0" marL="0" rtl="0" algn="l">
+              <a:spcBef>
+                <a:spcPts val="0"/>
+              </a:spcBef>
+              <a:spcAft>
+                <a:spcPts val="0"/>
+              </a:spcAft>
+              <a:buNone/>
+            </a:pPr>
+            <a:r>
+              <a:rPr b="1" lang="es" sz="1500">
+                <a:solidFill>
+                  <a:srgbClr val="434343"/>
+                </a:solidFill>
+                <a:latin typeface="Roboto"/>
+                <a:ea typeface="Roboto"/>
+                <a:cs typeface="Roboto"/>
+                <a:sym typeface="Roboto"/>
+              </a:rPr>
+              <a:t>La ganancia obtenida aplicando el modelo es mayor a la de no aplicarlo si se cumple que</a:t>
+            </a:r>
+            <a:endParaRPr b="1" sz="1500">
+              <a:solidFill>
+                <a:srgbClr val="434343"/>
+              </a:solidFill>
+              <a:latin typeface="Roboto"/>
+              <a:ea typeface="Roboto"/>
+              <a:cs typeface="Roboto"/>
+              <a:sym typeface="Roboto"/>
+            </a:endParaRPr>
+          </a:p>
+        </p:txBody>
+      </p:sp>
+      <p:sp>
+        <p:nvSpPr>
+          <p:cNvPr id="215" name="Google Shape;215;p24"/>
+          <p:cNvSpPr txBox="1"/>
+          <p:nvPr/>
+        </p:nvSpPr>
+        <p:spPr>
+          <a:xfrm>
+            <a:off x="288550" y="2888025"/>
+            <a:ext cx="4603200" cy="1108200"/>
+          </a:xfrm>
+          <a:prstGeom prst="rect">
+            <a:avLst/>
+          </a:prstGeom>
+          <a:noFill/>
+          <a:ln>
+            <a:noFill/>
+          </a:ln>
+        </p:spPr>
+        <p:txBody>
+          <a:bodyPr anchorCtr="0" anchor="t" bIns="91425" lIns="91425" spcFirstLastPara="1" rIns="91425" wrap="square" tIns="91425">
+            <a:spAutoFit/>
+          </a:bodyPr>
+          <a:lstStyle/>
+          <a:p>
+            <a:pPr indent="0" lvl="0" marL="0" rtl="0" algn="l">
+              <a:spcBef>
+                <a:spcPts val="0"/>
+              </a:spcBef>
+              <a:spcAft>
+                <a:spcPts val="0"/>
+              </a:spcAft>
+              <a:buNone/>
+            </a:pPr>
+            <a:r>
+              <a:rPr b="1" lang="es" sz="1500">
+                <a:solidFill>
+                  <a:srgbClr val="434343"/>
+                </a:solidFill>
+                <a:latin typeface="Roboto"/>
+                <a:ea typeface="Roboto"/>
+                <a:cs typeface="Roboto"/>
+                <a:sym typeface="Roboto"/>
+              </a:rPr>
+              <a:t>P</a:t>
+            </a:r>
+            <a:r>
+              <a:rPr lang="es" sz="1500">
+                <a:solidFill>
+                  <a:srgbClr val="434343"/>
+                </a:solidFill>
+                <a:latin typeface="Roboto"/>
+                <a:ea typeface="Roboto"/>
+                <a:cs typeface="Roboto"/>
+                <a:sym typeface="Roboto"/>
+              </a:rPr>
+              <a:t> es la proporción de personas que adquirieron el seguro</a:t>
+            </a:r>
+            <a:endParaRPr sz="1500">
+              <a:solidFill>
+                <a:srgbClr val="434343"/>
+              </a:solidFill>
+              <a:latin typeface="Roboto"/>
+              <a:ea typeface="Roboto"/>
+              <a:cs typeface="Roboto"/>
+              <a:sym typeface="Roboto"/>
+            </a:endParaRPr>
+          </a:p>
+          <a:p>
+            <a:pPr indent="0" lvl="0" marL="0" rtl="0" algn="l">
+              <a:spcBef>
+                <a:spcPts val="0"/>
+              </a:spcBef>
+              <a:spcAft>
+                <a:spcPts val="0"/>
+              </a:spcAft>
+              <a:buNone/>
+            </a:pPr>
+            <a:r>
+              <a:rPr b="1" lang="es" sz="1500">
+                <a:solidFill>
+                  <a:srgbClr val="434343"/>
+                </a:solidFill>
+                <a:latin typeface="Roboto"/>
+                <a:ea typeface="Roboto"/>
+                <a:cs typeface="Roboto"/>
+                <a:sym typeface="Roboto"/>
+              </a:rPr>
+              <a:t>X</a:t>
+            </a:r>
+            <a:r>
+              <a:rPr lang="es" sz="1500">
+                <a:solidFill>
+                  <a:srgbClr val="434343"/>
+                </a:solidFill>
+                <a:latin typeface="Roboto"/>
+                <a:ea typeface="Roboto"/>
+                <a:cs typeface="Roboto"/>
+                <a:sym typeface="Roboto"/>
+              </a:rPr>
+              <a:t> es la fracción de la ganancia de la venta de un seguro que se pierde como costo de promoción</a:t>
+            </a:r>
+            <a:endParaRPr sz="1500">
+              <a:solidFill>
+                <a:srgbClr val="434343"/>
+              </a:solidFill>
+              <a:latin typeface="Roboto"/>
+              <a:ea typeface="Roboto"/>
+              <a:cs typeface="Roboto"/>
+              <a:sym typeface="Roboto"/>
+            </a:endParaRPr>
+          </a:p>
+        </p:txBody>
+      </p:sp>
+      <p:pic>
+        <p:nvPicPr>
+          <p:cNvPr id="216" name="Google Shape;216;p24"/>
+          <p:cNvPicPr preferRelativeResize="0"/>
+          <p:nvPr/>
+        </p:nvPicPr>
+        <p:blipFill>
+          <a:blip r:embed="rId4">
+            <a:alphaModFix/>
+          </a:blip>
+          <a:stretch>
+            <a:fillRect/>
+          </a:stretch>
+        </p:blipFill>
+        <p:spPr>
+          <a:xfrm>
+            <a:off x="5209402" y="1301526"/>
+            <a:ext cx="3105847" cy="2458775"/>
+          </a:xfrm>
+          <a:prstGeom prst="rect">
+            <a:avLst/>
+          </a:prstGeom>
+          <a:noFill/>
+          <a:ln>
+            <a:noFill/>
+          </a:ln>
+        </p:spPr>
+      </p:pic>
+      <p:sp>
+        <p:nvSpPr>
+          <p:cNvPr id="217" name="Google Shape;217;p24"/>
+          <p:cNvSpPr txBox="1"/>
+          <p:nvPr/>
+        </p:nvSpPr>
+        <p:spPr>
+          <a:xfrm>
+            <a:off x="288550" y="4125600"/>
+            <a:ext cx="4509000" cy="646500"/>
+          </a:xfrm>
+          <a:prstGeom prst="rect">
+            <a:avLst/>
+          </a:prstGeom>
+          <a:noFill/>
+          <a:ln>
+            <a:noFill/>
+          </a:ln>
+        </p:spPr>
+        <p:txBody>
+          <a:bodyPr anchorCtr="0" anchor="t" bIns="91425" lIns="91425" spcFirstLastPara="1" rIns="91425" wrap="square" tIns="91425">
+            <a:spAutoFit/>
+          </a:bodyPr>
+          <a:lstStyle/>
+          <a:p>
+            <a:pPr indent="0" lvl="0" marL="0" rtl="0" algn="l">
+              <a:spcBef>
+                <a:spcPts val="0"/>
+              </a:spcBef>
+              <a:spcAft>
+                <a:spcPts val="0"/>
+              </a:spcAft>
+              <a:buNone/>
+            </a:pPr>
+            <a:r>
+              <a:rPr lang="es" sz="1500">
+                <a:solidFill>
+                  <a:srgbClr val="434343"/>
+                </a:solidFill>
+                <a:latin typeface="Roboto"/>
+                <a:ea typeface="Roboto"/>
+                <a:cs typeface="Roboto"/>
+                <a:sym typeface="Roboto"/>
+              </a:rPr>
+              <a:t>El modelo comienza a ser conveniente cuando la recta pasa por 0</a:t>
+            </a:r>
+            <a:endParaRPr sz="1500">
+              <a:solidFill>
+                <a:srgbClr val="434343"/>
+              </a:solidFill>
+              <a:latin typeface="Roboto"/>
+              <a:ea typeface="Roboto"/>
+              <a:cs typeface="Roboto"/>
+              <a:sym typeface="Roboto"/>
+            </a:endParaRPr>
+          </a:p>
+        </p:txBody>
+      </p:sp>
+      <p:sp>
+        <p:nvSpPr>
+          <p:cNvPr id="218" name="Google Shape;218;p24"/>
+          <p:cNvSpPr txBox="1"/>
+          <p:nvPr/>
+        </p:nvSpPr>
+        <p:spPr>
+          <a:xfrm>
+            <a:off x="4891750" y="3760300"/>
+            <a:ext cx="4152300" cy="1108200"/>
+          </a:xfrm>
+          <a:prstGeom prst="rect">
+            <a:avLst/>
+          </a:prstGeom>
+          <a:noFill/>
+          <a:ln>
+            <a:noFill/>
+          </a:ln>
+        </p:spPr>
+        <p:txBody>
+          <a:bodyPr anchorCtr="0" anchor="t" bIns="91425" lIns="91425" spcFirstLastPara="1" rIns="91425" wrap="square" tIns="91425">
+            <a:spAutoFit/>
+          </a:bodyPr>
+          <a:lstStyle/>
+          <a:p>
+            <a:pPr indent="0" lvl="0" marL="0" rtl="0" algn="l">
+              <a:spcBef>
+                <a:spcPts val="0"/>
+              </a:spcBef>
+              <a:spcAft>
+                <a:spcPts val="0"/>
+              </a:spcAft>
+              <a:buNone/>
+            </a:pPr>
+            <a:r>
+              <a:rPr b="1" lang="es" sz="1500">
+                <a:solidFill>
+                  <a:srgbClr val="1155CC"/>
+                </a:solidFill>
+                <a:latin typeface="Roboto"/>
+                <a:ea typeface="Roboto"/>
+                <a:cs typeface="Roboto"/>
+                <a:sym typeface="Roboto"/>
+              </a:rPr>
+              <a:t>Conviene ofrecer el seguro sólo a aquellos clientes identificados por el modelo cuando el costo de promoción del seguro supera el 20% de la ganancia por venta</a:t>
+            </a:r>
+            <a:endParaRPr b="1" sz="1500">
+              <a:solidFill>
+                <a:srgbClr val="1155CC"/>
+              </a:solidFill>
+              <a:latin typeface="Roboto"/>
+              <a:ea typeface="Roboto"/>
+              <a:cs typeface="Roboto"/>
+              <a:sym typeface="Roboto"/>
+            </a:endParaRPr>
+          </a:p>
+        </p:txBody>
+      </p:sp>
+    </p:spTree>
+  </p:cSld>
+  <p:clrMapOvr>
+    <a:masterClrMapping/>
+  </p:clrMapOvr>
+</p:sld>
+</file>
+
+<file path=ppt/slides/slide13.xml><?xml version="1.0" encoding="utf-8"?>
+<p:sld xmlns:a="http://schemas.openxmlformats.org/drawingml/2006/main" xmlns:r="http://schemas.openxmlformats.org/officeDocument/2006/relationships" xmlns:mc="http://schemas.openxmlformats.org/markup-compatibility/2006" xmlns:mv="urn:schemas-microsoft-com:mac:vml" xmlns:p="http://schemas.openxmlformats.org/presentationml/2006/main" xmlns:c="http://schemas.openxmlformats.org/drawingml/2006/chart" xmlns:dgm="http://schemas.openxmlformats.org/drawingml/2006/diagram" xmlns:o="urn:schemas-microsoft-com:office:office" xmlns:v="urn:schemas-microsoft-com:vml" xmlns:pvml="urn:schemas-microsoft-com:office:powerpoint" xmlns:com="http://schemas.openxmlformats.org/drawingml/2006/compatibility" xmlns:p14="http://schemas.microsoft.com/office/powerpoint/2010/main" xmlns:p15="http://schemas.microsoft.com/office/powerpoint/2012/main" xmlns:ahyp="http://schemas.microsoft.com/office/drawing/2018/hyperlinkcolor">
+  <p:cSld>
+    <p:spTree>
+      <p:nvGrpSpPr>
+        <p:cNvPr id="222" name="Shape 222"/>
+        <p:cNvGrpSpPr/>
+        <p:nvPr/>
+      </p:nvGrpSpPr>
+      <p:grpSpPr>
+        <a:xfrm>
+          <a:off x="0" y="0"/>
+          <a:ext cx="0" cy="0"/>
+          <a:chOff x="0" y="0"/>
+          <a:chExt cx="0" cy="0"/>
+        </a:xfrm>
+      </p:grpSpPr>
+      <p:sp>
+        <p:nvSpPr>
+          <p:cNvPr id="223" name="Google Shape;223;p25"/>
+          <p:cNvSpPr txBox="1"/>
+          <p:nvPr>
+            <p:ph type="title"/>
+          </p:nvPr>
+        </p:nvSpPr>
+        <p:spPr>
+          <a:xfrm>
+            <a:off x="0" y="0"/>
+            <a:ext cx="9144000" cy="1017900"/>
+          </a:xfrm>
+          <a:prstGeom prst="rect">
+            <a:avLst/>
+          </a:prstGeom>
+          <a:solidFill>
+            <a:schemeClr val="dk2"/>
+          </a:solidFill>
+        </p:spPr>
+        <p:txBody>
+          <a:bodyPr anchorCtr="0" anchor="ctr" bIns="91425" lIns="91425" spcFirstLastPara="1" rIns="91425" wrap="square" tIns="91425">
+            <a:normAutofit/>
+          </a:bodyPr>
+          <a:lstStyle/>
+          <a:p>
+            <a:pPr indent="0" lvl="0" marL="0" marR="0" rtl="0" algn="ctr">
+              <a:lnSpc>
+                <a:spcPct val="100000"/>
+              </a:lnSpc>
+              <a:spcBef>
+                <a:spcPts val="0"/>
+              </a:spcBef>
+              <a:spcAft>
+                <a:spcPts val="0"/>
+              </a:spcAft>
+              <a:buNone/>
+            </a:pPr>
+            <a:r>
+              <a:rPr lang="es">
+                <a:solidFill>
+                  <a:schemeClr val="lt1"/>
+                </a:solidFill>
+                <a:latin typeface="Roboto Light"/>
+                <a:ea typeface="Roboto Light"/>
+                <a:cs typeface="Roboto Light"/>
+                <a:sym typeface="Roboto Light"/>
+              </a:rPr>
+              <a:t>Conclusiones</a:t>
+            </a:r>
+            <a:endParaRPr>
+              <a:solidFill>
+                <a:schemeClr val="lt1"/>
+              </a:solidFill>
+              <a:latin typeface="Roboto Light"/>
+              <a:ea typeface="Roboto Light"/>
+              <a:cs typeface="Roboto Light"/>
+              <a:sym typeface="Roboto Light"/>
+            </a:endParaRPr>
+          </a:p>
+        </p:txBody>
+      </p:sp>
+      <p:sp>
+        <p:nvSpPr>
+          <p:cNvPr id="224" name="Google Shape;224;p25"/>
+          <p:cNvSpPr txBox="1"/>
+          <p:nvPr/>
+        </p:nvSpPr>
+        <p:spPr>
+          <a:xfrm>
+            <a:off x="285750" y="1134650"/>
+            <a:ext cx="8572500" cy="3867300"/>
+          </a:xfrm>
+          <a:prstGeom prst="rect">
+            <a:avLst/>
+          </a:prstGeom>
+          <a:noFill/>
+          <a:ln>
+            <a:noFill/>
+          </a:ln>
+        </p:spPr>
+        <p:txBody>
+          <a:bodyPr anchorCtr="0" anchor="t" bIns="91425" lIns="91425" spcFirstLastPara="1" rIns="91425" wrap="square" tIns="91425">
+            <a:spAutoFit/>
+          </a:bodyPr>
+          <a:lstStyle/>
+          <a:p>
+            <a:pPr indent="-323850" lvl="0" marL="457200" rtl="0" algn="l">
+              <a:lnSpc>
+                <a:spcPct val="115000"/>
+              </a:lnSpc>
+              <a:spcBef>
+                <a:spcPts val="0"/>
+              </a:spcBef>
+              <a:spcAft>
+                <a:spcPts val="0"/>
+              </a:spcAft>
+              <a:buClr>
+                <a:schemeClr val="dk1"/>
+              </a:buClr>
+              <a:buSzPts val="1500"/>
+              <a:buFont typeface="Roboto"/>
+              <a:buChar char="●"/>
+            </a:pPr>
+            <a:r>
+              <a:rPr lang="es" sz="1500">
+                <a:solidFill>
+                  <a:schemeClr val="dk1"/>
+                </a:solidFill>
+                <a:highlight>
+                  <a:srgbClr val="FFFFFF"/>
+                </a:highlight>
+                <a:latin typeface="Roboto"/>
+                <a:ea typeface="Roboto"/>
+                <a:cs typeface="Roboto"/>
+                <a:sym typeface="Roboto"/>
+              </a:rPr>
+              <a:t>Se estudiaron las características de los clientes que adquieren el seguro y se detectó que aquellas personas que </a:t>
+            </a:r>
+            <a:r>
+              <a:rPr b="1" lang="es" sz="1500">
+                <a:solidFill>
+                  <a:srgbClr val="1155CC"/>
+                </a:solidFill>
+                <a:highlight>
+                  <a:srgbClr val="FFFFFF"/>
+                </a:highlight>
+                <a:latin typeface="Roboto"/>
+                <a:ea typeface="Roboto"/>
+                <a:cs typeface="Roboto"/>
+                <a:sym typeface="Roboto"/>
+              </a:rPr>
+              <a:t>han viajado antes al exterior</a:t>
+            </a:r>
+            <a:r>
+              <a:rPr lang="es" sz="1500">
+                <a:solidFill>
+                  <a:schemeClr val="dk1"/>
+                </a:solidFill>
+                <a:highlight>
+                  <a:srgbClr val="FFFFFF"/>
+                </a:highlight>
+                <a:latin typeface="Roboto"/>
+                <a:ea typeface="Roboto"/>
+                <a:cs typeface="Roboto"/>
+                <a:sym typeface="Roboto"/>
+              </a:rPr>
+              <a:t> son las que muestran mayor interés en seguros de viaje</a:t>
+            </a:r>
+            <a:endParaRPr sz="1500">
+              <a:solidFill>
+                <a:schemeClr val="dk1"/>
+              </a:solidFill>
+              <a:highlight>
+                <a:srgbClr val="FFFFFF"/>
+              </a:highlight>
+              <a:latin typeface="Roboto"/>
+              <a:ea typeface="Roboto"/>
+              <a:cs typeface="Roboto"/>
+              <a:sym typeface="Roboto"/>
+            </a:endParaRPr>
+          </a:p>
+          <a:p>
+            <a:pPr indent="-323850" lvl="0" marL="457200" rtl="0" algn="l">
+              <a:lnSpc>
+                <a:spcPct val="115000"/>
+              </a:lnSpc>
+              <a:spcBef>
+                <a:spcPts val="0"/>
+              </a:spcBef>
+              <a:spcAft>
+                <a:spcPts val="0"/>
+              </a:spcAft>
+              <a:buClr>
+                <a:schemeClr val="dk1"/>
+              </a:buClr>
+              <a:buSzPts val="1500"/>
+              <a:buFont typeface="Roboto"/>
+              <a:buChar char="●"/>
+            </a:pPr>
+            <a:r>
+              <a:rPr lang="es" sz="1500">
+                <a:solidFill>
+                  <a:schemeClr val="dk1"/>
+                </a:solidFill>
+                <a:highlight>
+                  <a:srgbClr val="FFFFFF"/>
+                </a:highlight>
+                <a:latin typeface="Roboto"/>
+                <a:ea typeface="Roboto"/>
+                <a:cs typeface="Roboto"/>
+                <a:sym typeface="Roboto"/>
+              </a:rPr>
+              <a:t>Se desarrolló un </a:t>
+            </a:r>
+            <a:r>
+              <a:rPr b="1" lang="es" sz="1500">
+                <a:solidFill>
+                  <a:srgbClr val="1155CC"/>
+                </a:solidFill>
+                <a:highlight>
+                  <a:srgbClr val="FFFFFF"/>
+                </a:highlight>
+                <a:latin typeface="Roboto"/>
+                <a:ea typeface="Roboto"/>
+                <a:cs typeface="Roboto"/>
+                <a:sym typeface="Roboto"/>
+              </a:rPr>
+              <a:t>modelo de machine learning</a:t>
+            </a:r>
+            <a:r>
+              <a:rPr lang="es" sz="1500">
+                <a:solidFill>
+                  <a:srgbClr val="1155CC"/>
+                </a:solidFill>
+                <a:highlight>
+                  <a:srgbClr val="FFFFFF"/>
+                </a:highlight>
+                <a:latin typeface="Roboto"/>
+                <a:ea typeface="Roboto"/>
+                <a:cs typeface="Roboto"/>
+                <a:sym typeface="Roboto"/>
+              </a:rPr>
+              <a:t> </a:t>
+            </a:r>
+            <a:r>
+              <a:rPr lang="es" sz="1500">
+                <a:solidFill>
+                  <a:schemeClr val="dk1"/>
+                </a:solidFill>
+                <a:highlight>
+                  <a:srgbClr val="FFFFFF"/>
+                </a:highlight>
+                <a:latin typeface="Roboto"/>
+                <a:ea typeface="Roboto"/>
+                <a:cs typeface="Roboto"/>
+                <a:sym typeface="Roboto"/>
+              </a:rPr>
+              <a:t>(Random Forest) capaz de clasificar a los clientes e identificar aquellos con alto potencial de adquirir el seguro</a:t>
+            </a:r>
+            <a:endParaRPr sz="1500">
+              <a:solidFill>
+                <a:schemeClr val="dk1"/>
+              </a:solidFill>
+              <a:highlight>
+                <a:srgbClr val="FFFFFF"/>
+              </a:highlight>
+              <a:latin typeface="Roboto"/>
+              <a:ea typeface="Roboto"/>
+              <a:cs typeface="Roboto"/>
+              <a:sym typeface="Roboto"/>
+            </a:endParaRPr>
+          </a:p>
+          <a:p>
+            <a:pPr indent="-323850" lvl="0" marL="457200" rtl="0" algn="l">
+              <a:lnSpc>
+                <a:spcPct val="115000"/>
+              </a:lnSpc>
+              <a:spcBef>
+                <a:spcPts val="0"/>
+              </a:spcBef>
+              <a:spcAft>
+                <a:spcPts val="0"/>
+              </a:spcAft>
+              <a:buClr>
+                <a:schemeClr val="dk1"/>
+              </a:buClr>
+              <a:buSzPts val="1500"/>
+              <a:buFont typeface="Roboto"/>
+              <a:buChar char="●"/>
+            </a:pPr>
+            <a:r>
+              <a:rPr lang="es" sz="1500">
+                <a:solidFill>
+                  <a:schemeClr val="dk1"/>
+                </a:solidFill>
+                <a:highlight>
+                  <a:srgbClr val="FFFFFF"/>
+                </a:highlight>
+                <a:latin typeface="Roboto"/>
+                <a:ea typeface="Roboto"/>
+                <a:cs typeface="Roboto"/>
+                <a:sym typeface="Roboto"/>
+              </a:rPr>
+              <a:t>El modelo desarrollado es mucho más eficiente </a:t>
+            </a:r>
+            <a:r>
+              <a:rPr b="1" lang="es" sz="1500">
+                <a:solidFill>
+                  <a:srgbClr val="1155CC"/>
+                </a:solidFill>
+                <a:highlight>
+                  <a:srgbClr val="FFFFFF"/>
+                </a:highlight>
+                <a:latin typeface="Roboto"/>
+                <a:ea typeface="Roboto"/>
+                <a:cs typeface="Roboto"/>
+                <a:sym typeface="Roboto"/>
+              </a:rPr>
+              <a:t>minimizando las pérdidas</a:t>
+            </a:r>
+            <a:r>
+              <a:rPr lang="es" sz="1500">
+                <a:solidFill>
+                  <a:schemeClr val="dk1"/>
+                </a:solidFill>
+                <a:highlight>
+                  <a:srgbClr val="FFFFFF"/>
+                </a:highlight>
+                <a:latin typeface="Roboto"/>
+                <a:ea typeface="Roboto"/>
+                <a:cs typeface="Roboto"/>
+                <a:sym typeface="Roboto"/>
+              </a:rPr>
+              <a:t> que maximizando las ventas, ya que genera pocos falsos positivos pero pasa por alto una gran proporción de los potenciales compradores</a:t>
+            </a:r>
+            <a:endParaRPr sz="1500">
+              <a:solidFill>
+                <a:schemeClr val="dk1"/>
+              </a:solidFill>
+              <a:highlight>
+                <a:srgbClr val="FFFFFF"/>
+              </a:highlight>
+              <a:latin typeface="Roboto"/>
+              <a:ea typeface="Roboto"/>
+              <a:cs typeface="Roboto"/>
+              <a:sym typeface="Roboto"/>
+            </a:endParaRPr>
+          </a:p>
+          <a:p>
+            <a:pPr indent="-323850" lvl="0" marL="457200" rtl="0" algn="l">
+              <a:lnSpc>
+                <a:spcPct val="115000"/>
+              </a:lnSpc>
+              <a:spcBef>
+                <a:spcPts val="0"/>
+              </a:spcBef>
+              <a:spcAft>
+                <a:spcPts val="0"/>
+              </a:spcAft>
+              <a:buClr>
+                <a:schemeClr val="dk1"/>
+              </a:buClr>
+              <a:buSzPts val="1500"/>
+              <a:buFont typeface="Roboto"/>
+              <a:buChar char="●"/>
+            </a:pPr>
+            <a:r>
+              <a:rPr lang="es" sz="1500">
+                <a:solidFill>
+                  <a:schemeClr val="dk1"/>
+                </a:solidFill>
+                <a:highlight>
+                  <a:srgbClr val="FFFFFF"/>
+                </a:highlight>
+                <a:latin typeface="Roboto"/>
+                <a:ea typeface="Roboto"/>
+                <a:cs typeface="Roboto"/>
+                <a:sym typeface="Roboto"/>
+              </a:rPr>
+              <a:t>Se mostró que </a:t>
+            </a:r>
+            <a:r>
+              <a:rPr b="1" lang="es" sz="1500">
+                <a:solidFill>
+                  <a:srgbClr val="1155CC"/>
+                </a:solidFill>
+                <a:highlight>
+                  <a:srgbClr val="FFFFFF"/>
+                </a:highlight>
+                <a:latin typeface="Roboto"/>
+                <a:ea typeface="Roboto"/>
+                <a:cs typeface="Roboto"/>
+                <a:sym typeface="Roboto"/>
+              </a:rPr>
+              <a:t>el modelo es económicamente ventajoso cuando el costo de promoción del seguro es una fracción elevada de la ganancia obtenida por la venta</a:t>
+            </a:r>
+            <a:r>
+              <a:rPr lang="es" sz="1500">
+                <a:solidFill>
+                  <a:srgbClr val="1155CC"/>
+                </a:solidFill>
+                <a:highlight>
+                  <a:srgbClr val="FFFFFF"/>
+                </a:highlight>
+                <a:latin typeface="Roboto"/>
+                <a:ea typeface="Roboto"/>
+                <a:cs typeface="Roboto"/>
+                <a:sym typeface="Roboto"/>
+              </a:rPr>
+              <a:t>,</a:t>
+            </a:r>
+            <a:r>
+              <a:rPr lang="es" sz="1500">
+                <a:solidFill>
+                  <a:schemeClr val="dk1"/>
+                </a:solidFill>
+                <a:highlight>
+                  <a:srgbClr val="FFFFFF"/>
+                </a:highlight>
+                <a:latin typeface="Roboto"/>
+                <a:ea typeface="Roboto"/>
+                <a:cs typeface="Roboto"/>
+                <a:sym typeface="Roboto"/>
+              </a:rPr>
+              <a:t> y se estimó que cuando dicho costo supera el 20% es conveniente aplicar el modelo</a:t>
+            </a:r>
+            <a:endParaRPr sz="1500">
+              <a:solidFill>
+                <a:schemeClr val="dk1"/>
+              </a:solidFill>
+              <a:highlight>
+                <a:srgbClr val="FFFFFF"/>
+              </a:highlight>
+              <a:latin typeface="Roboto"/>
+              <a:ea typeface="Roboto"/>
+              <a:cs typeface="Roboto"/>
+              <a:sym typeface="Roboto"/>
+            </a:endParaRPr>
+          </a:p>
+          <a:p>
+            <a:pPr indent="-323850" lvl="0" marL="457200" rtl="0" algn="l">
+              <a:lnSpc>
+                <a:spcPct val="115000"/>
+              </a:lnSpc>
+              <a:spcBef>
+                <a:spcPts val="0"/>
+              </a:spcBef>
+              <a:spcAft>
+                <a:spcPts val="0"/>
+              </a:spcAft>
+              <a:buClr>
+                <a:schemeClr val="dk1"/>
+              </a:buClr>
+              <a:buSzPts val="1500"/>
+              <a:buFont typeface="Roboto"/>
+              <a:buChar char="●"/>
+            </a:pPr>
+            <a:r>
+              <a:rPr lang="es" sz="1500">
+                <a:solidFill>
+                  <a:schemeClr val="dk1"/>
+                </a:solidFill>
+                <a:highlight>
+                  <a:srgbClr val="FFFFFF"/>
+                </a:highlight>
+                <a:latin typeface="Roboto"/>
+                <a:ea typeface="Roboto"/>
+                <a:cs typeface="Roboto"/>
+                <a:sym typeface="Roboto"/>
+              </a:rPr>
+              <a:t>Respecto a un potencial interés frente a un seguro de cobertura por COVID-19, vemos que el dataset no cuenta con información relevante al respecto como para poder hacer alguna clase de predicción. </a:t>
+            </a:r>
+            <a:endParaRPr sz="1500">
+              <a:latin typeface="Roboto"/>
+              <a:ea typeface="Roboto"/>
+              <a:cs typeface="Roboto"/>
+              <a:sym typeface="Roboto"/>
+            </a:endParaRPr>
+          </a:p>
+        </p:txBody>
+      </p:sp>
+    </p:spTree>
+  </p:cSld>
+  <p:clrMapOvr>
+    <a:masterClrMapping/>
+  </p:clrMapOvr>
+</p:sld>
+</file>
+
+<file path=ppt/slides/slide14.xml><?xml version="1.0" encoding="utf-8"?>
+<p:sld xmlns:a="http://schemas.openxmlformats.org/drawingml/2006/main" xmlns:r="http://schemas.openxmlformats.org/officeDocument/2006/relationships" xmlns:mc="http://schemas.openxmlformats.org/markup-compatibility/2006" xmlns:mv="urn:schemas-microsoft-com:mac:vml" xmlns:p="http://schemas.openxmlformats.org/presentationml/2006/main" xmlns:c="http://schemas.openxmlformats.org/drawingml/2006/chart" xmlns:dgm="http://schemas.openxmlformats.org/drawingml/2006/diagram" xmlns:o="urn:schemas-microsoft-com:office:office" xmlns:v="urn:schemas-microsoft-com:vml" xmlns:pvml="urn:schemas-microsoft-com:office:powerpoint" xmlns:com="http://schemas.openxmlformats.org/drawingml/2006/compatibility" xmlns:p14="http://schemas.microsoft.com/office/powerpoint/2010/main" xmlns:p15="http://schemas.microsoft.com/office/powerpoint/2012/main" xmlns:ahyp="http://schemas.microsoft.com/office/drawing/2018/hyperlinkcolor">
+  <p:cSld>
+    <p:spTree>
+      <p:nvGrpSpPr>
+        <p:cNvPr id="228" name="Shape 228"/>
+        <p:cNvGrpSpPr/>
+        <p:nvPr/>
+      </p:nvGrpSpPr>
+      <p:grpSpPr>
+        <a:xfrm>
+          <a:off x="0" y="0"/>
+          <a:ext cx="0" cy="0"/>
+          <a:chOff x="0" y="0"/>
+          <a:chExt cx="0" cy="0"/>
+        </a:xfrm>
+      </p:grpSpPr>
+      <p:sp>
+        <p:nvSpPr>
+          <p:cNvPr id="229" name="Google Shape;229;p26"/>
+          <p:cNvSpPr txBox="1"/>
+          <p:nvPr>
+            <p:ph type="title"/>
+          </p:nvPr>
+        </p:nvSpPr>
+        <p:spPr>
+          <a:xfrm>
+            <a:off x="0" y="0"/>
+            <a:ext cx="9144000" cy="1017900"/>
+          </a:xfrm>
+          <a:prstGeom prst="rect">
+            <a:avLst/>
+          </a:prstGeom>
+          <a:solidFill>
+            <a:schemeClr val="dk2"/>
+          </a:solidFill>
+        </p:spPr>
+        <p:txBody>
+          <a:bodyPr anchorCtr="0" anchor="ctr" bIns="91425" lIns="91425" spcFirstLastPara="1" rIns="91425" wrap="square" tIns="91425">
+            <a:normAutofit/>
+          </a:bodyPr>
+          <a:lstStyle/>
+          <a:p>
+            <a:pPr indent="0" lvl="0" marL="0" marR="0" rtl="0" algn="ctr">
+              <a:lnSpc>
+                <a:spcPct val="100000"/>
+              </a:lnSpc>
+              <a:spcBef>
+                <a:spcPts val="0"/>
+              </a:spcBef>
+              <a:spcAft>
+                <a:spcPts val="0"/>
+              </a:spcAft>
+              <a:buNone/>
+            </a:pPr>
+            <a:r>
+              <a:t/>
+            </a:r>
+            <a:endParaRPr>
+              <a:solidFill>
+                <a:schemeClr val="lt1"/>
+              </a:solidFill>
+              <a:latin typeface="Roboto Light"/>
+              <a:ea typeface="Roboto Light"/>
+              <a:cs typeface="Roboto Light"/>
+              <a:sym typeface="Roboto Light"/>
+            </a:endParaRPr>
+          </a:p>
+        </p:txBody>
+      </p:sp>
+      <p:sp>
+        <p:nvSpPr>
+          <p:cNvPr id="230" name="Google Shape;230;p26"/>
+          <p:cNvSpPr txBox="1"/>
+          <p:nvPr/>
+        </p:nvSpPr>
+        <p:spPr>
+          <a:xfrm>
+            <a:off x="2063100" y="2438050"/>
+            <a:ext cx="5017800" cy="600300"/>
+          </a:xfrm>
+          <a:prstGeom prst="rect">
+            <a:avLst/>
+          </a:prstGeom>
+          <a:noFill/>
+          <a:ln>
+            <a:noFill/>
+          </a:ln>
+        </p:spPr>
+        <p:txBody>
+          <a:bodyPr anchorCtr="0" anchor="t" bIns="91425" lIns="91425" spcFirstLastPara="1" rIns="91425" wrap="square" tIns="91425">
+            <a:spAutoFit/>
+          </a:bodyPr>
+          <a:lstStyle/>
+          <a:p>
+            <a:pPr indent="0" lvl="0" marL="0" rtl="0" algn="ctr">
+              <a:spcBef>
+                <a:spcPts val="0"/>
+              </a:spcBef>
+              <a:spcAft>
+                <a:spcPts val="0"/>
+              </a:spcAft>
+              <a:buNone/>
+            </a:pPr>
+            <a:r>
+              <a:rPr lang="es" sz="2700">
+                <a:solidFill>
+                  <a:srgbClr val="666666"/>
+                </a:solidFill>
+                <a:latin typeface="Roboto"/>
+                <a:ea typeface="Roboto"/>
+                <a:cs typeface="Roboto"/>
+                <a:sym typeface="Roboto"/>
+              </a:rPr>
+              <a:t>MUCHAS GRACIAS!</a:t>
+            </a:r>
+            <a:endParaRPr sz="3700">
+              <a:solidFill>
+                <a:srgbClr val="666666"/>
+              </a:solidFill>
+              <a:latin typeface="Roboto"/>
+              <a:ea typeface="Roboto"/>
+              <a:cs typeface="Roboto"/>
+              <a:sym typeface="Roboto"/>
+            </a:endParaRPr>
+          </a:p>
+        </p:txBody>
+      </p:sp>
+    </p:spTree>
+  </p:cSld>
+  <p:clrMapOvr>
+    <a:masterClrMapping/>
+  </p:clrMapOvr>
+</p:sld>
+</file>
+
 <file path=ppt/slides/slide2.xml><?xml version="1.0" encoding="utf-8"?>
 <p:sld xmlns:a="http://schemas.openxmlformats.org/drawingml/2006/main" xmlns:r="http://schemas.openxmlformats.org/officeDocument/2006/relationships" xmlns:mc="http://schemas.openxmlformats.org/markup-compatibility/2006" xmlns:mv="urn:schemas-microsoft-com:mac:vml" xmlns:p="http://schemas.openxmlformats.org/presentationml/2006/main" xmlns:c="http://schemas.openxmlformats.org/drawingml/2006/chart" xmlns:dgm="http://schemas.openxmlformats.org/drawingml/2006/diagram" xmlns:o="urn:schemas-microsoft-com:office:office" xmlns:v="urn:schemas-microsoft-com:vml" xmlns:pvml="urn:schemas-microsoft-com:office:powerpoint" xmlns:com="http://schemas.openxmlformats.org/drawingml/2006/compatibility" xmlns:p14="http://schemas.microsoft.com/office/powerpoint/2010/main" xmlns:p15="http://schemas.microsoft.com/office/powerpoint/2012/main" xmlns:ahyp="http://schemas.microsoft.com/office/drawing/2018/hyperlinkcolor">
   <p:cSld>
@@ -6565,7 +8672,7 @@
                 <a:cs typeface="Roboto"/>
                 <a:sym typeface="Roboto"/>
               </a:rPr>
-              <a:t>+2000 CLIENTES</a:t>
+              <a:t>2000 CLIENTES</a:t>
             </a:r>
             <a:endParaRPr sz="2600">
               <a:solidFill>
@@ -6755,6 +8862,33 @@
           </a:ln>
         </p:spPr>
       </p:pic>
+      <p:pic>
+        <p:nvPicPr>
+          <p:cNvPr id="70" name="Google Shape;70;p14"/>
+          <p:cNvPicPr preferRelativeResize="0"/>
+          <p:nvPr/>
+        </p:nvPicPr>
+        <p:blipFill rotWithShape="1">
+          <a:blip r:embed="rId5">
+            <a:alphaModFix/>
+          </a:blip>
+          <a:srcRect b="0" l="34093" r="0" t="0"/>
+          <a:stretch/>
+        </p:blipFill>
+        <p:spPr>
+          <a:xfrm>
+            <a:off x="6409350" y="1625600"/>
+            <a:ext cx="2035200" cy="2058000"/>
+          </a:xfrm>
+          <a:prstGeom prst="ellipse">
+            <a:avLst/>
+          </a:prstGeom>
+          <a:noFill/>
+          <a:ln>
+            <a:noFill/>
+          </a:ln>
+        </p:spPr>
+      </p:pic>
     </p:spTree>
   </p:cSld>
   <p:clrMapOvr>
@@ -6768,7 +8902,7 @@
   <p:cSld>
     <p:spTree>
       <p:nvGrpSpPr>
-        <p:cNvPr id="73" name="Shape 73"/>
+        <p:cNvPr id="74" name="Shape 74"/>
         <p:cNvGrpSpPr/>
         <p:nvPr/>
       </p:nvGrpSpPr>
@@ -6782,7 +8916,7 @@
       </p:grpSpPr>
       <p:sp>
         <p:nvSpPr>
-          <p:cNvPr id="74" name="Google Shape;74;p15"/>
+          <p:cNvPr id="75" name="Google Shape;75;p15"/>
           <p:cNvSpPr txBox="1"/>
           <p:nvPr>
             <p:ph type="title"/>
@@ -6844,7 +8978,7 @@
       </p:sp>
       <p:pic>
         <p:nvPicPr>
-          <p:cNvPr id="75" name="Google Shape;75;p15"/>
+          <p:cNvPr id="76" name="Google Shape;76;p15"/>
           <p:cNvPicPr preferRelativeResize="0"/>
           <p:nvPr/>
         </p:nvPicPr>
@@ -6871,7 +9005,7 @@
       </p:pic>
       <p:sp>
         <p:nvSpPr>
-          <p:cNvPr id="76" name="Google Shape;76;p15"/>
+          <p:cNvPr id="77" name="Google Shape;77;p15"/>
           <p:cNvSpPr txBox="1"/>
           <p:nvPr/>
         </p:nvSpPr>
@@ -7170,7 +9304,7 @@
   <p:cSld>
     <p:spTree>
       <p:nvGrpSpPr>
-        <p:cNvPr id="80" name="Shape 80"/>
+        <p:cNvPr id="81" name="Shape 81"/>
         <p:cNvGrpSpPr/>
         <p:nvPr/>
       </p:nvGrpSpPr>
@@ -7184,7 +9318,7 @@
       </p:grpSpPr>
       <p:sp>
         <p:nvSpPr>
-          <p:cNvPr id="81" name="Google Shape;81;p16"/>
+          <p:cNvPr id="82" name="Google Shape;82;p16"/>
           <p:cNvSpPr txBox="1"/>
           <p:nvPr>
             <p:ph type="title"/>
@@ -7246,7 +9380,7 @@
       </p:sp>
       <p:sp>
         <p:nvSpPr>
-          <p:cNvPr id="82" name="Google Shape;82;p16"/>
+          <p:cNvPr id="83" name="Google Shape;83;p16"/>
           <p:cNvSpPr/>
           <p:nvPr/>
         </p:nvSpPr>
@@ -7296,7 +9430,7 @@
       </p:sp>
       <p:sp>
         <p:nvSpPr>
-          <p:cNvPr id="83" name="Google Shape;83;p16"/>
+          <p:cNvPr id="84" name="Google Shape;84;p16"/>
           <p:cNvSpPr txBox="1"/>
           <p:nvPr/>
         </p:nvSpPr>
@@ -7370,7 +9504,7 @@
       </p:sp>
       <p:sp>
         <p:nvSpPr>
-          <p:cNvPr id="84" name="Google Shape;84;p16"/>
+          <p:cNvPr id="85" name="Google Shape;85;p16"/>
           <p:cNvSpPr/>
           <p:nvPr/>
         </p:nvSpPr>
@@ -7423,7 +9557,7 @@
       </p:sp>
       <p:sp>
         <p:nvSpPr>
-          <p:cNvPr id="85" name="Google Shape;85;p16"/>
+          <p:cNvPr id="86" name="Google Shape;86;p16"/>
           <p:cNvSpPr txBox="1"/>
           <p:nvPr/>
         </p:nvSpPr>
@@ -7497,7 +9631,7 @@
       </p:sp>
       <p:sp>
         <p:nvSpPr>
-          <p:cNvPr id="86" name="Google Shape;86;p16"/>
+          <p:cNvPr id="87" name="Google Shape;87;p16"/>
           <p:cNvSpPr/>
           <p:nvPr/>
         </p:nvSpPr>
@@ -7547,7 +9681,7 @@
       </p:sp>
       <p:sp>
         <p:nvSpPr>
-          <p:cNvPr id="87" name="Google Shape;87;p16"/>
+          <p:cNvPr id="88" name="Google Shape;88;p16"/>
           <p:cNvSpPr txBox="1"/>
           <p:nvPr/>
         </p:nvSpPr>
@@ -7621,7 +9755,7 @@
       </p:sp>
       <p:sp>
         <p:nvSpPr>
-          <p:cNvPr id="88" name="Google Shape;88;p16"/>
+          <p:cNvPr id="89" name="Google Shape;89;p16"/>
           <p:cNvSpPr/>
           <p:nvPr/>
         </p:nvSpPr>
@@ -7674,7 +9808,7 @@
       </p:sp>
       <p:sp>
         <p:nvSpPr>
-          <p:cNvPr id="89" name="Google Shape;89;p16"/>
+          <p:cNvPr id="90" name="Google Shape;90;p16"/>
           <p:cNvSpPr txBox="1"/>
           <p:nvPr/>
         </p:nvSpPr>
@@ -7748,7 +9882,7 @@
       </p:sp>
       <p:sp>
         <p:nvSpPr>
-          <p:cNvPr id="90" name="Google Shape;90;p16"/>
+          <p:cNvPr id="91" name="Google Shape;91;p16"/>
           <p:cNvSpPr/>
           <p:nvPr/>
         </p:nvSpPr>
@@ -7801,7 +9935,7 @@
       </p:sp>
       <p:sp>
         <p:nvSpPr>
-          <p:cNvPr id="91" name="Google Shape;91;p16"/>
+          <p:cNvPr id="92" name="Google Shape;92;p16"/>
           <p:cNvSpPr txBox="1"/>
           <p:nvPr/>
         </p:nvSpPr>
@@ -7875,7 +10009,7 @@
       </p:sp>
       <p:sp>
         <p:nvSpPr>
-          <p:cNvPr id="92" name="Google Shape;92;p16"/>
+          <p:cNvPr id="93" name="Google Shape;93;p16"/>
           <p:cNvSpPr/>
           <p:nvPr/>
         </p:nvSpPr>
@@ -7928,7 +10062,7 @@
       </p:sp>
       <p:sp>
         <p:nvSpPr>
-          <p:cNvPr id="93" name="Google Shape;93;p16"/>
+          <p:cNvPr id="94" name="Google Shape;94;p16"/>
           <p:cNvSpPr txBox="1"/>
           <p:nvPr/>
         </p:nvSpPr>
@@ -8002,7 +10136,7 @@
       </p:sp>
       <p:sp>
         <p:nvSpPr>
-          <p:cNvPr id="94" name="Google Shape;94;p16"/>
+          <p:cNvPr id="95" name="Google Shape;95;p16"/>
           <p:cNvSpPr/>
           <p:nvPr/>
         </p:nvSpPr>
@@ -8055,7 +10189,7 @@
       </p:sp>
       <p:sp>
         <p:nvSpPr>
-          <p:cNvPr id="95" name="Google Shape;95;p16"/>
+          <p:cNvPr id="96" name="Google Shape;96;p16"/>
           <p:cNvSpPr txBox="1"/>
           <p:nvPr/>
         </p:nvSpPr>
@@ -8129,7 +10263,7 @@
       </p:sp>
       <p:sp>
         <p:nvSpPr>
-          <p:cNvPr id="96" name="Google Shape;96;p16"/>
+          <p:cNvPr id="97" name="Google Shape;97;p16"/>
           <p:cNvSpPr/>
           <p:nvPr/>
         </p:nvSpPr>
@@ -8182,7 +10316,7 @@
       </p:sp>
       <p:sp>
         <p:nvSpPr>
-          <p:cNvPr id="97" name="Google Shape;97;p16"/>
+          <p:cNvPr id="98" name="Google Shape;98;p16"/>
           <p:cNvSpPr txBox="1"/>
           <p:nvPr/>
         </p:nvSpPr>
@@ -8256,7 +10390,7 @@
       </p:sp>
       <p:sp>
         <p:nvSpPr>
-          <p:cNvPr id="98" name="Google Shape;98;p16"/>
+          <p:cNvPr id="99" name="Google Shape;99;p16"/>
           <p:cNvSpPr/>
           <p:nvPr/>
         </p:nvSpPr>
@@ -8314,7 +10448,7 @@
       </p:sp>
       <p:sp>
         <p:nvSpPr>
-          <p:cNvPr id="99" name="Google Shape;99;p16"/>
+          <p:cNvPr id="100" name="Google Shape;100;p16"/>
           <p:cNvSpPr txBox="1"/>
           <p:nvPr/>
         </p:nvSpPr>
@@ -8399,7 +10533,7 @@
   <p:cSld>
     <p:spTree>
       <p:nvGrpSpPr>
-        <p:cNvPr id="103" name="Shape 103"/>
+        <p:cNvPr id="104" name="Shape 104"/>
         <p:cNvGrpSpPr/>
         <p:nvPr/>
       </p:nvGrpSpPr>
@@ -8413,7 +10547,7 @@
       </p:grpSpPr>
       <p:sp>
         <p:nvSpPr>
-          <p:cNvPr id="104" name="Google Shape;104;p17"/>
+          <p:cNvPr id="105" name="Google Shape;105;p17"/>
           <p:cNvSpPr txBox="1"/>
           <p:nvPr>
             <p:ph type="title"/>
@@ -8459,7 +10593,7 @@
                 <a:cs typeface="Roboto Light"/>
                 <a:sym typeface="Roboto Light"/>
               </a:rPr>
-              <a:t>Características de los clientes</a:t>
+              <a:t>Características generales de los clientes</a:t>
             </a:r>
             <a:endParaRPr>
               <a:solidFill>
@@ -8475,7 +10609,7 @@
       </p:sp>
       <p:sp>
         <p:nvSpPr>
-          <p:cNvPr id="105" name="Google Shape;105;p17"/>
+          <p:cNvPr id="106" name="Google Shape;106;p17"/>
           <p:cNvSpPr txBox="1"/>
           <p:nvPr/>
         </p:nvSpPr>
@@ -8577,7 +10711,7 @@
                 <a:cs typeface="Roboto"/>
                 <a:sym typeface="Roboto"/>
               </a:rPr>
-              <a:t> que se compone de unos 4 a 5 miembros.</a:t>
+              <a:t> que se componen de unos 4 a 5 miembros.</a:t>
             </a:r>
             <a:endParaRPr sz="1500">
               <a:solidFill>
@@ -8625,7 +10759,7 @@
       </p:sp>
       <p:pic>
         <p:nvPicPr>
-          <p:cNvPr id="106" name="Google Shape;106;p17"/>
+          <p:cNvPr id="107" name="Google Shape;107;p17"/>
           <p:cNvPicPr preferRelativeResize="0"/>
           <p:nvPr/>
         </p:nvPicPr>
@@ -8652,7 +10786,7 @@
       </p:pic>
       <p:sp>
         <p:nvSpPr>
-          <p:cNvPr id="107" name="Google Shape;107;p17"/>
+          <p:cNvPr id="108" name="Google Shape;108;p17"/>
           <p:cNvSpPr txBox="1"/>
           <p:nvPr/>
         </p:nvSpPr>
@@ -8711,7 +10845,7 @@
       </p:sp>
       <p:sp>
         <p:nvSpPr>
-          <p:cNvPr id="108" name="Google Shape;108;p17"/>
+          <p:cNvPr id="109" name="Google Shape;109;p17"/>
           <p:cNvSpPr/>
           <p:nvPr/>
         </p:nvSpPr>
@@ -8777,7 +10911,7 @@
       </p:sp>
       <p:sp>
         <p:nvSpPr>
-          <p:cNvPr id="109" name="Google Shape;109;p17"/>
+          <p:cNvPr id="110" name="Google Shape;110;p17"/>
           <p:cNvSpPr/>
           <p:nvPr/>
         </p:nvSpPr>
@@ -8838,7 +10972,7 @@
       </p:sp>
       <p:sp>
         <p:nvSpPr>
-          <p:cNvPr id="110" name="Google Shape;110;p17"/>
+          <p:cNvPr id="111" name="Google Shape;111;p17"/>
           <p:cNvSpPr/>
           <p:nvPr/>
         </p:nvSpPr>
@@ -8907,7 +11041,7 @@
       </p:sp>
       <p:sp>
         <p:nvSpPr>
-          <p:cNvPr id="111" name="Google Shape;111;p17"/>
+          <p:cNvPr id="112" name="Google Shape;112;p17"/>
           <p:cNvSpPr/>
           <p:nvPr/>
         </p:nvSpPr>
@@ -8976,7 +11110,7 @@
       </p:sp>
       <p:sp>
         <p:nvSpPr>
-          <p:cNvPr id="112" name="Google Shape;112;p17"/>
+          <p:cNvPr id="113" name="Google Shape;113;p17"/>
           <p:cNvSpPr txBox="1"/>
           <p:nvPr/>
         </p:nvSpPr>
@@ -9016,84 +11150,6 @@
                 <a:sym typeface="Roboto"/>
               </a:rPr>
               <a:t>Graduados</a:t>
-            </a:r>
-            <a:endParaRPr sz="1300">
-              <a:latin typeface="Roboto"/>
-              <a:ea typeface="Roboto"/>
-              <a:cs typeface="Roboto"/>
-              <a:sym typeface="Roboto"/>
-            </a:endParaRPr>
-          </a:p>
-        </p:txBody>
-      </p:sp>
-      <p:sp>
-        <p:nvSpPr>
-          <p:cNvPr id="113" name="Google Shape;113;p17"/>
-          <p:cNvSpPr txBox="1"/>
-          <p:nvPr/>
-        </p:nvSpPr>
-        <p:spPr>
-          <a:xfrm>
-            <a:off x="1460400" y="3880050"/>
-            <a:ext cx="1293600" cy="585000"/>
-          </a:xfrm>
-          <a:prstGeom prst="rect">
-            <a:avLst/>
-          </a:prstGeom>
-          <a:noFill/>
-          <a:ln>
-            <a:noFill/>
-          </a:ln>
-        </p:spPr>
-        <p:txBody>
-          <a:bodyPr anchorCtr="0" anchor="t" bIns="91425" lIns="91425" spcFirstLastPara="1" rIns="91425" wrap="square" tIns="91425">
-            <a:spAutoFit/>
-          </a:bodyPr>
-          <a:lstStyle/>
-          <a:p>
-            <a:pPr indent="0" lvl="0" marL="0" rtl="0" algn="ctr">
-              <a:spcBef>
-                <a:spcPts val="0"/>
-              </a:spcBef>
-              <a:spcAft>
-                <a:spcPts val="0"/>
-              </a:spcAft>
-              <a:buNone/>
-            </a:pPr>
-            <a:r>
-              <a:rPr lang="es" sz="1300">
-                <a:latin typeface="Roboto"/>
-                <a:ea typeface="Roboto"/>
-                <a:cs typeface="Roboto"/>
-                <a:sym typeface="Roboto"/>
-              </a:rPr>
-              <a:t>Enfermedades</a:t>
-            </a:r>
-            <a:endParaRPr sz="1300">
-              <a:latin typeface="Roboto"/>
-              <a:ea typeface="Roboto"/>
-              <a:cs typeface="Roboto"/>
-              <a:sym typeface="Roboto"/>
-            </a:endParaRPr>
-          </a:p>
-          <a:p>
-            <a:pPr indent="0" lvl="0" marL="0" rtl="0" algn="ctr">
-              <a:spcBef>
-                <a:spcPts val="0"/>
-              </a:spcBef>
-              <a:spcAft>
-                <a:spcPts val="0"/>
-              </a:spcAft>
-              <a:buNone/>
-            </a:pPr>
-            <a:r>
-              <a:rPr lang="es" sz="1300">
-                <a:latin typeface="Roboto"/>
-                <a:ea typeface="Roboto"/>
-                <a:cs typeface="Roboto"/>
-                <a:sym typeface="Roboto"/>
-              </a:rPr>
-              <a:t>Crónicas</a:t>
             </a:r>
             <a:endParaRPr sz="1300">
               <a:latin typeface="Roboto"/>
@@ -9112,6 +11168,84 @@
         </p:nvSpPr>
         <p:spPr>
           <a:xfrm>
+            <a:off x="1460400" y="3880050"/>
+            <a:ext cx="1293600" cy="585000"/>
+          </a:xfrm>
+          <a:prstGeom prst="rect">
+            <a:avLst/>
+          </a:prstGeom>
+          <a:noFill/>
+          <a:ln>
+            <a:noFill/>
+          </a:ln>
+        </p:spPr>
+        <p:txBody>
+          <a:bodyPr anchorCtr="0" anchor="t" bIns="91425" lIns="91425" spcFirstLastPara="1" rIns="91425" wrap="square" tIns="91425">
+            <a:spAutoFit/>
+          </a:bodyPr>
+          <a:lstStyle/>
+          <a:p>
+            <a:pPr indent="0" lvl="0" marL="0" rtl="0" algn="ctr">
+              <a:spcBef>
+                <a:spcPts val="0"/>
+              </a:spcBef>
+              <a:spcAft>
+                <a:spcPts val="0"/>
+              </a:spcAft>
+              <a:buNone/>
+            </a:pPr>
+            <a:r>
+              <a:rPr lang="es" sz="1300">
+                <a:latin typeface="Roboto"/>
+                <a:ea typeface="Roboto"/>
+                <a:cs typeface="Roboto"/>
+                <a:sym typeface="Roboto"/>
+              </a:rPr>
+              <a:t>Enfermedades</a:t>
+            </a:r>
+            <a:endParaRPr sz="1300">
+              <a:latin typeface="Roboto"/>
+              <a:ea typeface="Roboto"/>
+              <a:cs typeface="Roboto"/>
+              <a:sym typeface="Roboto"/>
+            </a:endParaRPr>
+          </a:p>
+          <a:p>
+            <a:pPr indent="0" lvl="0" marL="0" rtl="0" algn="ctr">
+              <a:spcBef>
+                <a:spcPts val="0"/>
+              </a:spcBef>
+              <a:spcAft>
+                <a:spcPts val="0"/>
+              </a:spcAft>
+              <a:buNone/>
+            </a:pPr>
+            <a:r>
+              <a:rPr lang="es" sz="1300">
+                <a:latin typeface="Roboto"/>
+                <a:ea typeface="Roboto"/>
+                <a:cs typeface="Roboto"/>
+                <a:sym typeface="Roboto"/>
+              </a:rPr>
+              <a:t>Crónicas</a:t>
+            </a:r>
+            <a:endParaRPr sz="1300">
+              <a:latin typeface="Roboto"/>
+              <a:ea typeface="Roboto"/>
+              <a:cs typeface="Roboto"/>
+              <a:sym typeface="Roboto"/>
+            </a:endParaRPr>
+          </a:p>
+        </p:txBody>
+      </p:sp>
+      <p:sp>
+        <p:nvSpPr>
+          <p:cNvPr id="115" name="Google Shape;115;p17"/>
+          <p:cNvSpPr txBox="1"/>
+          <p:nvPr/>
+        </p:nvSpPr>
+        <p:spPr>
+          <a:xfrm>
             <a:off x="2754000" y="3880050"/>
             <a:ext cx="1095600" cy="585000"/>
           </a:xfrm>
@@ -9184,7 +11318,7 @@
       </p:sp>
       <p:sp>
         <p:nvSpPr>
-          <p:cNvPr id="115" name="Google Shape;115;p17"/>
+          <p:cNvPr id="116" name="Google Shape;116;p17"/>
           <p:cNvSpPr txBox="1"/>
           <p:nvPr/>
         </p:nvSpPr>
@@ -9273,7 +11407,7 @@
   <p:cSld>
     <p:spTree>
       <p:nvGrpSpPr>
-        <p:cNvPr id="119" name="Shape 119"/>
+        <p:cNvPr id="120" name="Shape 120"/>
         <p:cNvGrpSpPr/>
         <p:nvPr/>
       </p:nvGrpSpPr>
@@ -9287,7 +11421,7 @@
       </p:grpSpPr>
       <p:sp>
         <p:nvSpPr>
-          <p:cNvPr id="120" name="Google Shape;120;p18"/>
+          <p:cNvPr id="121" name="Google Shape;121;p18"/>
           <p:cNvSpPr txBox="1"/>
           <p:nvPr>
             <p:ph type="title"/>
@@ -9349,7 +11483,7 @@
       </p:sp>
       <p:sp>
         <p:nvSpPr>
-          <p:cNvPr id="121" name="Google Shape;121;p18"/>
+          <p:cNvPr id="122" name="Google Shape;122;p18"/>
           <p:cNvSpPr txBox="1"/>
           <p:nvPr/>
         </p:nvSpPr>
@@ -9517,7 +11651,7 @@
       </p:sp>
       <p:pic>
         <p:nvPicPr>
-          <p:cNvPr id="122" name="Google Shape;122;p18"/>
+          <p:cNvPr id="123" name="Google Shape;123;p18"/>
           <p:cNvPicPr preferRelativeResize="0"/>
           <p:nvPr/>
         </p:nvPicPr>
@@ -9556,7 +11690,2670 @@
   <p:cSld>
     <p:spTree>
       <p:nvGrpSpPr>
-        <p:cNvPr id="126" name="Shape 126"/>
+        <p:cNvPr id="127" name="Shape 127"/>
+        <p:cNvGrpSpPr/>
+        <p:nvPr/>
+      </p:nvGrpSpPr>
+      <p:grpSpPr>
+        <a:xfrm>
+          <a:off x="0" y="0"/>
+          <a:ext cx="0" cy="0"/>
+          <a:chOff x="0" y="0"/>
+          <a:chExt cx="0" cy="0"/>
+        </a:xfrm>
+      </p:grpSpPr>
+      <p:cxnSp>
+        <p:nvCxnSpPr>
+          <p:cNvPr id="128" name="Google Shape;128;p19"/>
+          <p:cNvCxnSpPr/>
+          <p:nvPr/>
+        </p:nvCxnSpPr>
+        <p:spPr>
+          <a:xfrm flipH="1">
+            <a:off x="7059850" y="4014925"/>
+            <a:ext cx="253500" cy="588000"/>
+          </a:xfrm>
+          <a:prstGeom prst="bentConnector2">
+            <a:avLst/>
+          </a:prstGeom>
+          <a:noFill/>
+          <a:ln cap="flat" cmpd="sng" w="9525">
+            <a:solidFill>
+              <a:schemeClr val="dk2"/>
+            </a:solidFill>
+            <a:prstDash val="solid"/>
+            <a:round/>
+            <a:headEnd len="med" w="med" type="none"/>
+            <a:tailEnd len="med" w="med" type="none"/>
+          </a:ln>
+        </p:spPr>
+      </p:cxnSp>
+      <p:cxnSp>
+        <p:nvCxnSpPr>
+          <p:cNvPr id="129" name="Google Shape;129;p19"/>
+          <p:cNvCxnSpPr/>
+          <p:nvPr/>
+        </p:nvCxnSpPr>
+        <p:spPr>
+          <a:xfrm>
+            <a:off x="8335750" y="4014925"/>
+            <a:ext cx="253500" cy="588000"/>
+          </a:xfrm>
+          <a:prstGeom prst="bentConnector2">
+            <a:avLst/>
+          </a:prstGeom>
+          <a:noFill/>
+          <a:ln cap="flat" cmpd="sng" w="9525">
+            <a:solidFill>
+              <a:schemeClr val="dk2"/>
+            </a:solidFill>
+            <a:prstDash val="solid"/>
+            <a:round/>
+            <a:headEnd len="med" w="med" type="none"/>
+            <a:tailEnd len="med" w="med" type="none"/>
+          </a:ln>
+        </p:spPr>
+      </p:cxnSp>
+      <p:cxnSp>
+        <p:nvCxnSpPr>
+          <p:cNvPr id="130" name="Google Shape;130;p19"/>
+          <p:cNvCxnSpPr/>
+          <p:nvPr/>
+        </p:nvCxnSpPr>
+        <p:spPr>
+          <a:xfrm flipH="1">
+            <a:off x="4581100" y="3959650"/>
+            <a:ext cx="253500" cy="588000"/>
+          </a:xfrm>
+          <a:prstGeom prst="bentConnector2">
+            <a:avLst/>
+          </a:prstGeom>
+          <a:noFill/>
+          <a:ln cap="flat" cmpd="sng" w="9525">
+            <a:solidFill>
+              <a:schemeClr val="dk2"/>
+            </a:solidFill>
+            <a:prstDash val="solid"/>
+            <a:round/>
+            <a:headEnd len="med" w="med" type="none"/>
+            <a:tailEnd len="med" w="med" type="none"/>
+          </a:ln>
+        </p:spPr>
+      </p:cxnSp>
+      <p:cxnSp>
+        <p:nvCxnSpPr>
+          <p:cNvPr id="131" name="Google Shape;131;p19"/>
+          <p:cNvCxnSpPr/>
+          <p:nvPr/>
+        </p:nvCxnSpPr>
+        <p:spPr>
+          <a:xfrm>
+            <a:off x="5857000" y="3959650"/>
+            <a:ext cx="253500" cy="588000"/>
+          </a:xfrm>
+          <a:prstGeom prst="bentConnector2">
+            <a:avLst/>
+          </a:prstGeom>
+          <a:noFill/>
+          <a:ln cap="flat" cmpd="sng" w="9525">
+            <a:solidFill>
+              <a:schemeClr val="dk2"/>
+            </a:solidFill>
+            <a:prstDash val="solid"/>
+            <a:round/>
+            <a:headEnd len="med" w="med" type="none"/>
+            <a:tailEnd len="med" w="med" type="none"/>
+          </a:ln>
+        </p:spPr>
+      </p:cxnSp>
+      <p:cxnSp>
+        <p:nvCxnSpPr>
+          <p:cNvPr id="132" name="Google Shape;132;p19"/>
+          <p:cNvCxnSpPr>
+            <a:stCxn id="133" idx="1"/>
+          </p:cNvCxnSpPr>
+          <p:nvPr/>
+        </p:nvCxnSpPr>
+        <p:spPr>
+          <a:xfrm flipH="1">
+            <a:off x="6691000" y="2761600"/>
+            <a:ext cx="253500" cy="588000"/>
+          </a:xfrm>
+          <a:prstGeom prst="bentConnector2">
+            <a:avLst/>
+          </a:prstGeom>
+          <a:noFill/>
+          <a:ln cap="flat" cmpd="sng" w="9525">
+            <a:solidFill>
+              <a:schemeClr val="dk2"/>
+            </a:solidFill>
+            <a:prstDash val="solid"/>
+            <a:round/>
+            <a:headEnd len="med" w="med" type="none"/>
+            <a:tailEnd len="med" w="med" type="none"/>
+          </a:ln>
+        </p:spPr>
+      </p:cxnSp>
+      <p:cxnSp>
+        <p:nvCxnSpPr>
+          <p:cNvPr id="134" name="Google Shape;134;p19"/>
+          <p:cNvCxnSpPr/>
+          <p:nvPr/>
+        </p:nvCxnSpPr>
+        <p:spPr>
+          <a:xfrm>
+            <a:off x="8301400" y="2761600"/>
+            <a:ext cx="253500" cy="588000"/>
+          </a:xfrm>
+          <a:prstGeom prst="bentConnector2">
+            <a:avLst/>
+          </a:prstGeom>
+          <a:noFill/>
+          <a:ln cap="flat" cmpd="sng" w="9525">
+            <a:solidFill>
+              <a:schemeClr val="dk2"/>
+            </a:solidFill>
+            <a:prstDash val="solid"/>
+            <a:round/>
+            <a:headEnd len="med" w="med" type="none"/>
+            <a:tailEnd len="med" w="med" type="none"/>
+          </a:ln>
+        </p:spPr>
+      </p:cxnSp>
+      <p:sp>
+        <p:nvSpPr>
+          <p:cNvPr id="135" name="Google Shape;135;p19"/>
+          <p:cNvSpPr txBox="1"/>
+          <p:nvPr>
+            <p:ph type="title"/>
+          </p:nvPr>
+        </p:nvSpPr>
+        <p:spPr>
+          <a:xfrm>
+            <a:off x="0" y="0"/>
+            <a:ext cx="9144000" cy="1017900"/>
+          </a:xfrm>
+          <a:prstGeom prst="rect">
+            <a:avLst/>
+          </a:prstGeom>
+          <a:solidFill>
+            <a:schemeClr val="dk2"/>
+          </a:solidFill>
+        </p:spPr>
+        <p:txBody>
+          <a:bodyPr anchorCtr="0" anchor="ctr" bIns="91425" lIns="91425" spcFirstLastPara="1" rIns="91425" wrap="square" tIns="91425">
+            <a:normAutofit/>
+          </a:bodyPr>
+          <a:lstStyle/>
+          <a:p>
+            <a:pPr indent="0" lvl="0" marL="0" marR="0" rtl="0" algn="ctr">
+              <a:lnSpc>
+                <a:spcPct val="100000"/>
+              </a:lnSpc>
+              <a:spcBef>
+                <a:spcPts val="0"/>
+              </a:spcBef>
+              <a:spcAft>
+                <a:spcPts val="0"/>
+              </a:spcAft>
+              <a:buNone/>
+            </a:pPr>
+            <a:r>
+              <a:rPr lang="es">
+                <a:solidFill>
+                  <a:schemeClr val="lt1"/>
+                </a:solidFill>
+                <a:latin typeface="Roboto Light"/>
+                <a:ea typeface="Roboto Light"/>
+                <a:cs typeface="Roboto Light"/>
+                <a:sym typeface="Roboto Light"/>
+              </a:rPr>
+              <a:t>Modelo 1: Árbol de decisiones</a:t>
+            </a:r>
+            <a:endParaRPr>
+              <a:solidFill>
+                <a:schemeClr val="lt1"/>
+              </a:solidFill>
+              <a:latin typeface="Roboto Light"/>
+              <a:ea typeface="Roboto Light"/>
+              <a:cs typeface="Roboto Light"/>
+              <a:sym typeface="Roboto Light"/>
+            </a:endParaRPr>
+          </a:p>
+        </p:txBody>
+      </p:sp>
+      <p:sp>
+        <p:nvSpPr>
+          <p:cNvPr id="136" name="Google Shape;136;p19"/>
+          <p:cNvSpPr txBox="1"/>
+          <p:nvPr/>
+        </p:nvSpPr>
+        <p:spPr>
+          <a:xfrm>
+            <a:off x="301150" y="1119000"/>
+            <a:ext cx="3045000" cy="2262600"/>
+          </a:xfrm>
+          <a:prstGeom prst="rect">
+            <a:avLst/>
+          </a:prstGeom>
+          <a:noFill/>
+          <a:ln>
+            <a:noFill/>
+          </a:ln>
+        </p:spPr>
+        <p:txBody>
+          <a:bodyPr anchorCtr="0" anchor="t" bIns="91425" lIns="91425" spcFirstLastPara="1" rIns="91425" wrap="square" tIns="91425">
+            <a:spAutoFit/>
+          </a:bodyPr>
+          <a:lstStyle/>
+          <a:p>
+            <a:pPr indent="0" lvl="0" marL="0" rtl="0" algn="r">
+              <a:spcBef>
+                <a:spcPts val="0"/>
+              </a:spcBef>
+              <a:spcAft>
+                <a:spcPts val="0"/>
+              </a:spcAft>
+              <a:buNone/>
+            </a:pPr>
+            <a:r>
+              <a:rPr lang="es" sz="1500">
+                <a:solidFill>
+                  <a:schemeClr val="dk2"/>
+                </a:solidFill>
+                <a:latin typeface="Roboto"/>
+                <a:ea typeface="Roboto"/>
+                <a:cs typeface="Roboto"/>
+                <a:sym typeface="Roboto"/>
+              </a:rPr>
+              <a:t>Como primera aproximación al modelado se optó por un árbol de decisiones.</a:t>
+            </a:r>
+            <a:endParaRPr sz="1500">
+              <a:solidFill>
+                <a:schemeClr val="dk2"/>
+              </a:solidFill>
+              <a:latin typeface="Roboto"/>
+              <a:ea typeface="Roboto"/>
+              <a:cs typeface="Roboto"/>
+              <a:sym typeface="Roboto"/>
+            </a:endParaRPr>
+          </a:p>
+          <a:p>
+            <a:pPr indent="0" lvl="0" marL="0" rtl="0" algn="r">
+              <a:spcBef>
+                <a:spcPts val="0"/>
+              </a:spcBef>
+              <a:spcAft>
+                <a:spcPts val="0"/>
+              </a:spcAft>
+              <a:buNone/>
+            </a:pPr>
+            <a:r>
+              <a:t/>
+            </a:r>
+            <a:endParaRPr sz="1500">
+              <a:solidFill>
+                <a:schemeClr val="dk2"/>
+              </a:solidFill>
+              <a:latin typeface="Roboto"/>
+              <a:ea typeface="Roboto"/>
+              <a:cs typeface="Roboto"/>
+              <a:sym typeface="Roboto"/>
+            </a:endParaRPr>
+          </a:p>
+          <a:p>
+            <a:pPr indent="0" lvl="0" marL="0" rtl="0" algn="r">
+              <a:spcBef>
+                <a:spcPts val="0"/>
+              </a:spcBef>
+              <a:spcAft>
+                <a:spcPts val="0"/>
+              </a:spcAft>
+              <a:buNone/>
+            </a:pPr>
+            <a:r>
+              <a:rPr lang="es" sz="1500">
+                <a:solidFill>
+                  <a:schemeClr val="dk2"/>
+                </a:solidFill>
+                <a:latin typeface="Roboto"/>
+                <a:ea typeface="Roboto"/>
+                <a:cs typeface="Roboto"/>
+                <a:sym typeface="Roboto"/>
+              </a:rPr>
+              <a:t>Este modelo nos permite visualizar claramente las características que definen a los potenciales compradores del seguro</a:t>
+            </a:r>
+            <a:endParaRPr sz="1500">
+              <a:solidFill>
+                <a:schemeClr val="dk2"/>
+              </a:solidFill>
+              <a:latin typeface="Roboto"/>
+              <a:ea typeface="Roboto"/>
+              <a:cs typeface="Roboto"/>
+              <a:sym typeface="Roboto"/>
+            </a:endParaRPr>
+          </a:p>
+        </p:txBody>
+      </p:sp>
+      <p:sp>
+        <p:nvSpPr>
+          <p:cNvPr id="137" name="Google Shape;137;p19"/>
+          <p:cNvSpPr/>
+          <p:nvPr/>
+        </p:nvSpPr>
+        <p:spPr>
+          <a:xfrm>
+            <a:off x="5518900" y="1177975"/>
+            <a:ext cx="1356900" cy="355500"/>
+          </a:xfrm>
+          <a:prstGeom prst="roundRect">
+            <a:avLst>
+              <a:gd fmla="val 16667" name="adj"/>
+            </a:avLst>
+          </a:prstGeom>
+          <a:solidFill>
+            <a:schemeClr val="lt2"/>
+          </a:solidFill>
+          <a:ln cap="flat" cmpd="sng" w="9525">
+            <a:solidFill>
+              <a:schemeClr val="dk2"/>
+            </a:solidFill>
+            <a:prstDash val="solid"/>
+            <a:round/>
+            <a:headEnd len="sm" w="sm" type="none"/>
+            <a:tailEnd len="sm" w="sm" type="none"/>
+          </a:ln>
+        </p:spPr>
+        <p:txBody>
+          <a:bodyPr anchorCtr="0" anchor="ctr" bIns="91425" lIns="91425" spcFirstLastPara="1" rIns="91425" wrap="square" tIns="91425">
+            <a:noAutofit/>
+          </a:bodyPr>
+          <a:lstStyle/>
+          <a:p>
+            <a:pPr indent="0" lvl="0" marL="0" rtl="0" algn="ctr">
+              <a:spcBef>
+                <a:spcPts val="0"/>
+              </a:spcBef>
+              <a:spcAft>
+                <a:spcPts val="0"/>
+              </a:spcAft>
+              <a:buNone/>
+            </a:pPr>
+            <a:r>
+              <a:rPr lang="es" sz="1000">
+                <a:latin typeface="Roboto"/>
+                <a:ea typeface="Roboto"/>
+                <a:cs typeface="Roboto"/>
+                <a:sym typeface="Roboto"/>
+              </a:rPr>
+              <a:t>¿Viajó antes al exterior?</a:t>
+            </a:r>
+            <a:endParaRPr sz="1000">
+              <a:latin typeface="Roboto"/>
+              <a:ea typeface="Roboto"/>
+              <a:cs typeface="Roboto"/>
+              <a:sym typeface="Roboto"/>
+            </a:endParaRPr>
+          </a:p>
+        </p:txBody>
+      </p:sp>
+      <p:cxnSp>
+        <p:nvCxnSpPr>
+          <p:cNvPr id="138" name="Google Shape;138;p19"/>
+          <p:cNvCxnSpPr>
+            <a:stCxn id="137" idx="2"/>
+          </p:cNvCxnSpPr>
+          <p:nvPr/>
+        </p:nvCxnSpPr>
+        <p:spPr>
+          <a:xfrm rot="5400000">
+            <a:off x="5421700" y="883525"/>
+            <a:ext cx="125700" cy="1425600"/>
+          </a:xfrm>
+          <a:prstGeom prst="bentConnector2">
+            <a:avLst/>
+          </a:prstGeom>
+          <a:noFill/>
+          <a:ln cap="flat" cmpd="sng" w="9525">
+            <a:solidFill>
+              <a:schemeClr val="dk2"/>
+            </a:solidFill>
+            <a:prstDash val="solid"/>
+            <a:round/>
+            <a:headEnd len="med" w="med" type="none"/>
+            <a:tailEnd len="med" w="med" type="none"/>
+          </a:ln>
+        </p:spPr>
+      </p:cxnSp>
+      <p:cxnSp>
+        <p:nvCxnSpPr>
+          <p:cNvPr id="139" name="Google Shape;139;p19"/>
+          <p:cNvCxnSpPr/>
+          <p:nvPr/>
+        </p:nvCxnSpPr>
+        <p:spPr>
+          <a:xfrm>
+            <a:off x="4771750" y="1659125"/>
+            <a:ext cx="0" cy="261900"/>
+          </a:xfrm>
+          <a:prstGeom prst="straightConnector1">
+            <a:avLst/>
+          </a:prstGeom>
+          <a:noFill/>
+          <a:ln cap="flat" cmpd="sng" w="9525">
+            <a:solidFill>
+              <a:schemeClr val="dk2"/>
+            </a:solidFill>
+            <a:prstDash val="solid"/>
+            <a:round/>
+            <a:headEnd len="med" w="med" type="none"/>
+            <a:tailEnd len="med" w="med" type="none"/>
+          </a:ln>
+        </p:spPr>
+      </p:cxnSp>
+      <p:cxnSp>
+        <p:nvCxnSpPr>
+          <p:cNvPr id="140" name="Google Shape;140;p19"/>
+          <p:cNvCxnSpPr/>
+          <p:nvPr/>
+        </p:nvCxnSpPr>
+        <p:spPr>
+          <a:xfrm flipH="1" rot="-5400000">
+            <a:off x="6847300" y="883475"/>
+            <a:ext cx="125700" cy="1425600"/>
+          </a:xfrm>
+          <a:prstGeom prst="bentConnector2">
+            <a:avLst/>
+          </a:prstGeom>
+          <a:noFill/>
+          <a:ln cap="flat" cmpd="sng" w="9525">
+            <a:solidFill>
+              <a:schemeClr val="dk2"/>
+            </a:solidFill>
+            <a:prstDash val="solid"/>
+            <a:round/>
+            <a:headEnd len="med" w="med" type="none"/>
+            <a:tailEnd len="med" w="med" type="none"/>
+          </a:ln>
+        </p:spPr>
+      </p:cxnSp>
+      <p:cxnSp>
+        <p:nvCxnSpPr>
+          <p:cNvPr id="141" name="Google Shape;141;p19"/>
+          <p:cNvCxnSpPr/>
+          <p:nvPr/>
+        </p:nvCxnSpPr>
+        <p:spPr>
+          <a:xfrm>
+            <a:off x="7622950" y="1659125"/>
+            <a:ext cx="0" cy="261900"/>
+          </a:xfrm>
+          <a:prstGeom prst="straightConnector1">
+            <a:avLst/>
+          </a:prstGeom>
+          <a:noFill/>
+          <a:ln cap="flat" cmpd="sng" w="9525">
+            <a:solidFill>
+              <a:schemeClr val="dk2"/>
+            </a:solidFill>
+            <a:prstDash val="solid"/>
+            <a:round/>
+            <a:headEnd len="med" w="med" type="none"/>
+            <a:tailEnd len="med" w="med" type="none"/>
+          </a:ln>
+        </p:spPr>
+      </p:cxnSp>
+      <p:sp>
+        <p:nvSpPr>
+          <p:cNvPr id="142" name="Google Shape;142;p19"/>
+          <p:cNvSpPr txBox="1"/>
+          <p:nvPr/>
+        </p:nvSpPr>
+        <p:spPr>
+          <a:xfrm>
+            <a:off x="4771750" y="1315188"/>
+            <a:ext cx="538200" cy="338700"/>
+          </a:xfrm>
+          <a:prstGeom prst="rect">
+            <a:avLst/>
+          </a:prstGeom>
+          <a:noFill/>
+          <a:ln>
+            <a:noFill/>
+          </a:ln>
+        </p:spPr>
+        <p:txBody>
+          <a:bodyPr anchorCtr="0" anchor="t" bIns="91425" lIns="91425" spcFirstLastPara="1" rIns="91425" wrap="square" tIns="91425">
+            <a:spAutoFit/>
+          </a:bodyPr>
+          <a:lstStyle/>
+          <a:p>
+            <a:pPr indent="0" lvl="0" marL="0" rtl="0" algn="l">
+              <a:spcBef>
+                <a:spcPts val="0"/>
+              </a:spcBef>
+              <a:spcAft>
+                <a:spcPts val="0"/>
+              </a:spcAft>
+              <a:buNone/>
+            </a:pPr>
+            <a:r>
+              <a:rPr b="1" lang="es" sz="1000">
+                <a:solidFill>
+                  <a:schemeClr val="dk2"/>
+                </a:solidFill>
+                <a:latin typeface="Roboto"/>
+                <a:ea typeface="Roboto"/>
+                <a:cs typeface="Roboto"/>
+                <a:sym typeface="Roboto"/>
+              </a:rPr>
+              <a:t>NO</a:t>
+            </a:r>
+            <a:endParaRPr b="1" sz="1000">
+              <a:solidFill>
+                <a:schemeClr val="dk2"/>
+              </a:solidFill>
+              <a:latin typeface="Roboto"/>
+              <a:ea typeface="Roboto"/>
+              <a:cs typeface="Roboto"/>
+              <a:sym typeface="Roboto"/>
+            </a:endParaRPr>
+          </a:p>
+        </p:txBody>
+      </p:sp>
+      <p:sp>
+        <p:nvSpPr>
+          <p:cNvPr id="143" name="Google Shape;143;p19"/>
+          <p:cNvSpPr txBox="1"/>
+          <p:nvPr/>
+        </p:nvSpPr>
+        <p:spPr>
+          <a:xfrm>
+            <a:off x="7187150" y="1315200"/>
+            <a:ext cx="398700" cy="338700"/>
+          </a:xfrm>
+          <a:prstGeom prst="rect">
+            <a:avLst/>
+          </a:prstGeom>
+          <a:noFill/>
+          <a:ln>
+            <a:noFill/>
+          </a:ln>
+        </p:spPr>
+        <p:txBody>
+          <a:bodyPr anchorCtr="0" anchor="t" bIns="91425" lIns="91425" spcFirstLastPara="1" rIns="91425" wrap="square" tIns="91425">
+            <a:spAutoFit/>
+          </a:bodyPr>
+          <a:lstStyle/>
+          <a:p>
+            <a:pPr indent="0" lvl="0" marL="0" rtl="0" algn="l">
+              <a:spcBef>
+                <a:spcPts val="0"/>
+              </a:spcBef>
+              <a:spcAft>
+                <a:spcPts val="0"/>
+              </a:spcAft>
+              <a:buNone/>
+            </a:pPr>
+            <a:r>
+              <a:rPr b="1" lang="es" sz="1000">
+                <a:solidFill>
+                  <a:schemeClr val="dk2"/>
+                </a:solidFill>
+                <a:latin typeface="Roboto"/>
+                <a:ea typeface="Roboto"/>
+                <a:cs typeface="Roboto"/>
+                <a:sym typeface="Roboto"/>
+              </a:rPr>
+              <a:t>SI</a:t>
+            </a:r>
+            <a:endParaRPr b="1" sz="1000">
+              <a:solidFill>
+                <a:schemeClr val="dk2"/>
+              </a:solidFill>
+              <a:latin typeface="Roboto"/>
+              <a:ea typeface="Roboto"/>
+              <a:cs typeface="Roboto"/>
+              <a:sym typeface="Roboto"/>
+            </a:endParaRPr>
+          </a:p>
+        </p:txBody>
+      </p:sp>
+      <p:sp>
+        <p:nvSpPr>
+          <p:cNvPr id="144" name="Google Shape;144;p19"/>
+          <p:cNvSpPr/>
+          <p:nvPr/>
+        </p:nvSpPr>
+        <p:spPr>
+          <a:xfrm>
+            <a:off x="4058950" y="1921025"/>
+            <a:ext cx="1425600" cy="457200"/>
+          </a:xfrm>
+          <a:prstGeom prst="roundRect">
+            <a:avLst>
+              <a:gd fmla="val 16667" name="adj"/>
+            </a:avLst>
+          </a:prstGeom>
+          <a:solidFill>
+            <a:srgbClr val="FFD966"/>
+          </a:solidFill>
+          <a:ln cap="flat" cmpd="sng" w="9525">
+            <a:solidFill>
+              <a:schemeClr val="dk2"/>
+            </a:solidFill>
+            <a:prstDash val="solid"/>
+            <a:round/>
+            <a:headEnd len="sm" w="sm" type="none"/>
+            <a:tailEnd len="sm" w="sm" type="none"/>
+          </a:ln>
+        </p:spPr>
+        <p:txBody>
+          <a:bodyPr anchorCtr="0" anchor="ctr" bIns="91425" lIns="91425" spcFirstLastPara="1" rIns="91425" wrap="square" tIns="91425">
+            <a:noAutofit/>
+          </a:bodyPr>
+          <a:lstStyle/>
+          <a:p>
+            <a:pPr indent="0" lvl="0" marL="0" rtl="0" algn="l">
+              <a:spcBef>
+                <a:spcPts val="0"/>
+              </a:spcBef>
+              <a:spcAft>
+                <a:spcPts val="0"/>
+              </a:spcAft>
+              <a:buNone/>
+            </a:pPr>
+            <a:r>
+              <a:rPr lang="es" sz="800">
+                <a:latin typeface="Roboto"/>
+                <a:ea typeface="Roboto"/>
+                <a:cs typeface="Roboto"/>
+                <a:sym typeface="Roboto"/>
+              </a:rPr>
+              <a:t>CLIENTES: 81,4%</a:t>
+            </a:r>
+            <a:endParaRPr sz="800">
+              <a:latin typeface="Roboto"/>
+              <a:ea typeface="Roboto"/>
+              <a:cs typeface="Roboto"/>
+              <a:sym typeface="Roboto"/>
+            </a:endParaRPr>
+          </a:p>
+          <a:p>
+            <a:pPr indent="0" lvl="0" marL="0" rtl="0" algn="l">
+              <a:spcBef>
+                <a:spcPts val="0"/>
+              </a:spcBef>
+              <a:spcAft>
+                <a:spcPts val="0"/>
+              </a:spcAft>
+              <a:buNone/>
+            </a:pPr>
+            <a:r>
+              <a:rPr lang="es" sz="800">
+                <a:latin typeface="Roboto"/>
+                <a:ea typeface="Roboto"/>
+                <a:cs typeface="Roboto"/>
+                <a:sym typeface="Roboto"/>
+              </a:rPr>
+              <a:t>ASEGURADOS: 24,9%</a:t>
+            </a:r>
+            <a:endParaRPr sz="800">
+              <a:latin typeface="Roboto"/>
+              <a:ea typeface="Roboto"/>
+              <a:cs typeface="Roboto"/>
+              <a:sym typeface="Roboto"/>
+            </a:endParaRPr>
+          </a:p>
+        </p:txBody>
+      </p:sp>
+      <p:sp>
+        <p:nvSpPr>
+          <p:cNvPr id="145" name="Google Shape;145;p19"/>
+          <p:cNvSpPr/>
+          <p:nvPr/>
+        </p:nvSpPr>
+        <p:spPr>
+          <a:xfrm>
+            <a:off x="6910150" y="1921025"/>
+            <a:ext cx="1425600" cy="457200"/>
+          </a:xfrm>
+          <a:prstGeom prst="roundRect">
+            <a:avLst>
+              <a:gd fmla="val 16667" name="adj"/>
+            </a:avLst>
+          </a:prstGeom>
+          <a:solidFill>
+            <a:srgbClr val="9FC5E8"/>
+          </a:solidFill>
+          <a:ln cap="flat" cmpd="sng" w="9525">
+            <a:solidFill>
+              <a:schemeClr val="dk2"/>
+            </a:solidFill>
+            <a:prstDash val="solid"/>
+            <a:round/>
+            <a:headEnd len="sm" w="sm" type="none"/>
+            <a:tailEnd len="sm" w="sm" type="none"/>
+          </a:ln>
+        </p:spPr>
+        <p:txBody>
+          <a:bodyPr anchorCtr="0" anchor="ctr" bIns="91425" lIns="91425" spcFirstLastPara="1" rIns="91425" wrap="square" tIns="91425">
+            <a:noAutofit/>
+          </a:bodyPr>
+          <a:lstStyle/>
+          <a:p>
+            <a:pPr indent="0" lvl="0" marL="0" rtl="0" algn="l">
+              <a:spcBef>
+                <a:spcPts val="0"/>
+              </a:spcBef>
+              <a:spcAft>
+                <a:spcPts val="0"/>
+              </a:spcAft>
+              <a:buNone/>
+            </a:pPr>
+            <a:r>
+              <a:rPr lang="es" sz="800">
+                <a:latin typeface="Roboto"/>
+                <a:ea typeface="Roboto"/>
+                <a:cs typeface="Roboto"/>
+                <a:sym typeface="Roboto"/>
+              </a:rPr>
+              <a:t>CLIENTES: 18,6%</a:t>
+            </a:r>
+            <a:endParaRPr sz="800">
+              <a:latin typeface="Roboto"/>
+              <a:ea typeface="Roboto"/>
+              <a:cs typeface="Roboto"/>
+              <a:sym typeface="Roboto"/>
+            </a:endParaRPr>
+          </a:p>
+          <a:p>
+            <a:pPr indent="0" lvl="0" marL="0" rtl="0" algn="l">
+              <a:spcBef>
+                <a:spcPts val="0"/>
+              </a:spcBef>
+              <a:spcAft>
+                <a:spcPts val="0"/>
+              </a:spcAft>
+              <a:buNone/>
+            </a:pPr>
+            <a:r>
+              <a:rPr lang="es" sz="800">
+                <a:latin typeface="Roboto"/>
+                <a:ea typeface="Roboto"/>
+                <a:cs typeface="Roboto"/>
+                <a:sym typeface="Roboto"/>
+              </a:rPr>
+              <a:t>ASEGURADOS: 79,8%</a:t>
+            </a:r>
+            <a:endParaRPr sz="800">
+              <a:latin typeface="Roboto"/>
+              <a:ea typeface="Roboto"/>
+              <a:cs typeface="Roboto"/>
+              <a:sym typeface="Roboto"/>
+            </a:endParaRPr>
+          </a:p>
+        </p:txBody>
+      </p:sp>
+      <p:sp>
+        <p:nvSpPr>
+          <p:cNvPr id="146" name="Google Shape;146;p19"/>
+          <p:cNvSpPr/>
+          <p:nvPr/>
+        </p:nvSpPr>
+        <p:spPr>
+          <a:xfrm>
+            <a:off x="4093300" y="2583850"/>
+            <a:ext cx="1356900" cy="355500"/>
+          </a:xfrm>
+          <a:prstGeom prst="roundRect">
+            <a:avLst>
+              <a:gd fmla="val 16667" name="adj"/>
+            </a:avLst>
+          </a:prstGeom>
+          <a:solidFill>
+            <a:schemeClr val="lt2"/>
+          </a:solidFill>
+          <a:ln cap="flat" cmpd="sng" w="9525">
+            <a:solidFill>
+              <a:schemeClr val="dk2"/>
+            </a:solidFill>
+            <a:prstDash val="solid"/>
+            <a:round/>
+            <a:headEnd len="sm" w="sm" type="none"/>
+            <a:tailEnd len="sm" w="sm" type="none"/>
+          </a:ln>
+        </p:spPr>
+        <p:txBody>
+          <a:bodyPr anchorCtr="0" anchor="ctr" bIns="91425" lIns="91425" spcFirstLastPara="1" rIns="91425" wrap="square" tIns="91425">
+            <a:noAutofit/>
+          </a:bodyPr>
+          <a:lstStyle/>
+          <a:p>
+            <a:pPr indent="0" lvl="0" marL="0" rtl="0" algn="ctr">
+              <a:spcBef>
+                <a:spcPts val="0"/>
+              </a:spcBef>
+              <a:spcAft>
+                <a:spcPts val="0"/>
+              </a:spcAft>
+              <a:buNone/>
+            </a:pPr>
+            <a:r>
+              <a:rPr lang="es" sz="1000">
+                <a:latin typeface="Roboto"/>
+                <a:ea typeface="Roboto"/>
+                <a:cs typeface="Roboto"/>
+                <a:sym typeface="Roboto"/>
+              </a:rPr>
+              <a:t>¿Menor a 33 años?</a:t>
+            </a:r>
+            <a:endParaRPr sz="1000">
+              <a:latin typeface="Roboto"/>
+              <a:ea typeface="Roboto"/>
+              <a:cs typeface="Roboto"/>
+              <a:sym typeface="Roboto"/>
+            </a:endParaRPr>
+          </a:p>
+        </p:txBody>
+      </p:sp>
+      <p:sp>
+        <p:nvSpPr>
+          <p:cNvPr id="133" name="Google Shape;133;p19"/>
+          <p:cNvSpPr/>
+          <p:nvPr/>
+        </p:nvSpPr>
+        <p:spPr>
+          <a:xfrm>
+            <a:off x="6944500" y="2583850"/>
+            <a:ext cx="1356900" cy="355500"/>
+          </a:xfrm>
+          <a:prstGeom prst="roundRect">
+            <a:avLst>
+              <a:gd fmla="val 16667" name="adj"/>
+            </a:avLst>
+          </a:prstGeom>
+          <a:solidFill>
+            <a:schemeClr val="lt2"/>
+          </a:solidFill>
+          <a:ln cap="flat" cmpd="sng" w="9525">
+            <a:solidFill>
+              <a:schemeClr val="dk2"/>
+            </a:solidFill>
+            <a:prstDash val="solid"/>
+            <a:round/>
+            <a:headEnd len="sm" w="sm" type="none"/>
+            <a:tailEnd len="sm" w="sm" type="none"/>
+          </a:ln>
+        </p:spPr>
+        <p:txBody>
+          <a:bodyPr anchorCtr="0" anchor="ctr" bIns="91425" lIns="91425" spcFirstLastPara="1" rIns="91425" wrap="square" tIns="91425">
+            <a:noAutofit/>
+          </a:bodyPr>
+          <a:lstStyle/>
+          <a:p>
+            <a:pPr indent="0" lvl="0" marL="0" rtl="0" algn="ctr">
+              <a:spcBef>
+                <a:spcPts val="0"/>
+              </a:spcBef>
+              <a:spcAft>
+                <a:spcPts val="0"/>
+              </a:spcAft>
+              <a:buNone/>
+            </a:pPr>
+            <a:r>
+              <a:rPr lang="es" sz="1000"/>
+              <a:t>¿Altos ingresos?</a:t>
+            </a:r>
+            <a:endParaRPr sz="1000"/>
+          </a:p>
+        </p:txBody>
+      </p:sp>
+      <p:cxnSp>
+        <p:nvCxnSpPr>
+          <p:cNvPr id="147" name="Google Shape;147;p19"/>
+          <p:cNvCxnSpPr>
+            <a:stCxn id="144" idx="2"/>
+            <a:endCxn id="146" idx="0"/>
+          </p:cNvCxnSpPr>
+          <p:nvPr/>
+        </p:nvCxnSpPr>
+        <p:spPr>
+          <a:xfrm>
+            <a:off x="4771750" y="2378225"/>
+            <a:ext cx="0" cy="205500"/>
+          </a:xfrm>
+          <a:prstGeom prst="straightConnector1">
+            <a:avLst/>
+          </a:prstGeom>
+          <a:noFill/>
+          <a:ln cap="flat" cmpd="sng" w="9525">
+            <a:solidFill>
+              <a:schemeClr val="dk2"/>
+            </a:solidFill>
+            <a:prstDash val="solid"/>
+            <a:round/>
+            <a:headEnd len="med" w="med" type="none"/>
+            <a:tailEnd len="med" w="med" type="none"/>
+          </a:ln>
+        </p:spPr>
+      </p:cxnSp>
+      <p:sp>
+        <p:nvSpPr>
+          <p:cNvPr id="148" name="Google Shape;148;p19"/>
+          <p:cNvSpPr/>
+          <p:nvPr/>
+        </p:nvSpPr>
+        <p:spPr>
+          <a:xfrm>
+            <a:off x="3660838" y="3302825"/>
+            <a:ext cx="1073700" cy="457200"/>
+          </a:xfrm>
+          <a:prstGeom prst="roundRect">
+            <a:avLst>
+              <a:gd fmla="val 16667" name="adj"/>
+            </a:avLst>
+          </a:prstGeom>
+          <a:solidFill>
+            <a:srgbClr val="FFD966"/>
+          </a:solidFill>
+          <a:ln cap="flat" cmpd="sng" w="9525">
+            <a:solidFill>
+              <a:schemeClr val="dk2"/>
+            </a:solidFill>
+            <a:prstDash val="solid"/>
+            <a:round/>
+            <a:headEnd len="sm" w="sm" type="none"/>
+            <a:tailEnd len="sm" w="sm" type="none"/>
+          </a:ln>
+        </p:spPr>
+        <p:txBody>
+          <a:bodyPr anchorCtr="0" anchor="ctr" bIns="91425" lIns="91425" spcFirstLastPara="1" rIns="91425" wrap="square" tIns="91425">
+            <a:noAutofit/>
+          </a:bodyPr>
+          <a:lstStyle/>
+          <a:p>
+            <a:pPr indent="0" lvl="0" marL="0" rtl="0" algn="l">
+              <a:spcBef>
+                <a:spcPts val="0"/>
+              </a:spcBef>
+              <a:spcAft>
+                <a:spcPts val="0"/>
+              </a:spcAft>
+              <a:buNone/>
+            </a:pPr>
+            <a:r>
+              <a:rPr lang="es" sz="800">
+                <a:latin typeface="Roboto"/>
+                <a:ea typeface="Roboto"/>
+                <a:cs typeface="Roboto"/>
+                <a:sym typeface="Roboto"/>
+              </a:rPr>
+              <a:t>CLIENTES: 63,2%</a:t>
+            </a:r>
+            <a:endParaRPr sz="800">
+              <a:latin typeface="Roboto"/>
+              <a:ea typeface="Roboto"/>
+              <a:cs typeface="Roboto"/>
+              <a:sym typeface="Roboto"/>
+            </a:endParaRPr>
+          </a:p>
+          <a:p>
+            <a:pPr indent="0" lvl="0" marL="0" rtl="0" algn="l">
+              <a:spcBef>
+                <a:spcPts val="0"/>
+              </a:spcBef>
+              <a:spcAft>
+                <a:spcPts val="0"/>
+              </a:spcAft>
+              <a:buNone/>
+            </a:pPr>
+            <a:r>
+              <a:rPr lang="es" sz="800">
+                <a:latin typeface="Roboto"/>
+                <a:ea typeface="Roboto"/>
+                <a:cs typeface="Roboto"/>
+                <a:sym typeface="Roboto"/>
+              </a:rPr>
+              <a:t>ASEGURADOS: 20,5%</a:t>
+            </a:r>
+            <a:endParaRPr sz="800">
+              <a:latin typeface="Roboto"/>
+              <a:ea typeface="Roboto"/>
+              <a:cs typeface="Roboto"/>
+              <a:sym typeface="Roboto"/>
+            </a:endParaRPr>
+          </a:p>
+        </p:txBody>
+      </p:sp>
+      <p:sp>
+        <p:nvSpPr>
+          <p:cNvPr id="149" name="Google Shape;149;p19"/>
+          <p:cNvSpPr/>
+          <p:nvPr/>
+        </p:nvSpPr>
+        <p:spPr>
+          <a:xfrm>
+            <a:off x="4808961" y="3302825"/>
+            <a:ext cx="1073700" cy="457200"/>
+          </a:xfrm>
+          <a:prstGeom prst="roundRect">
+            <a:avLst>
+              <a:gd fmla="val 16667" name="adj"/>
+            </a:avLst>
+          </a:prstGeom>
+          <a:solidFill>
+            <a:srgbClr val="FFD966"/>
+          </a:solidFill>
+          <a:ln cap="flat" cmpd="sng" w="9525">
+            <a:solidFill>
+              <a:schemeClr val="dk2"/>
+            </a:solidFill>
+            <a:prstDash val="solid"/>
+            <a:round/>
+            <a:headEnd len="sm" w="sm" type="none"/>
+            <a:tailEnd len="sm" w="sm" type="none"/>
+          </a:ln>
+        </p:spPr>
+        <p:txBody>
+          <a:bodyPr anchorCtr="0" anchor="ctr" bIns="91425" lIns="91425" spcFirstLastPara="1" rIns="91425" wrap="square" tIns="91425">
+            <a:noAutofit/>
+          </a:bodyPr>
+          <a:lstStyle/>
+          <a:p>
+            <a:pPr indent="0" lvl="0" marL="0" rtl="0" algn="l">
+              <a:spcBef>
+                <a:spcPts val="0"/>
+              </a:spcBef>
+              <a:spcAft>
+                <a:spcPts val="0"/>
+              </a:spcAft>
+              <a:buNone/>
+            </a:pPr>
+            <a:r>
+              <a:rPr lang="es" sz="800">
+                <a:latin typeface="Roboto"/>
+                <a:ea typeface="Roboto"/>
+                <a:cs typeface="Roboto"/>
+                <a:sym typeface="Roboto"/>
+              </a:rPr>
+              <a:t>CLIENTES: 18,3%</a:t>
+            </a:r>
+            <a:endParaRPr sz="800">
+              <a:latin typeface="Roboto"/>
+              <a:ea typeface="Roboto"/>
+              <a:cs typeface="Roboto"/>
+              <a:sym typeface="Roboto"/>
+            </a:endParaRPr>
+          </a:p>
+          <a:p>
+            <a:pPr indent="0" lvl="0" marL="0" rtl="0" algn="l">
+              <a:spcBef>
+                <a:spcPts val="0"/>
+              </a:spcBef>
+              <a:spcAft>
+                <a:spcPts val="0"/>
+              </a:spcAft>
+              <a:buNone/>
+            </a:pPr>
+            <a:r>
+              <a:rPr lang="es" sz="800">
+                <a:latin typeface="Roboto"/>
+                <a:ea typeface="Roboto"/>
+                <a:cs typeface="Roboto"/>
+                <a:sym typeface="Roboto"/>
+              </a:rPr>
+              <a:t>ASEGURADOS: 40,2%</a:t>
+            </a:r>
+            <a:endParaRPr sz="800">
+              <a:latin typeface="Roboto"/>
+              <a:ea typeface="Roboto"/>
+              <a:cs typeface="Roboto"/>
+              <a:sym typeface="Roboto"/>
+            </a:endParaRPr>
+          </a:p>
+        </p:txBody>
+      </p:sp>
+      <p:sp>
+        <p:nvSpPr>
+          <p:cNvPr id="150" name="Google Shape;150;p19"/>
+          <p:cNvSpPr/>
+          <p:nvPr/>
+        </p:nvSpPr>
+        <p:spPr>
+          <a:xfrm>
+            <a:off x="4834589" y="3863975"/>
+            <a:ext cx="1022400" cy="355500"/>
+          </a:xfrm>
+          <a:prstGeom prst="roundRect">
+            <a:avLst>
+              <a:gd fmla="val 16667" name="adj"/>
+            </a:avLst>
+          </a:prstGeom>
+          <a:solidFill>
+            <a:schemeClr val="lt2"/>
+          </a:solidFill>
+          <a:ln cap="flat" cmpd="sng" w="9525">
+            <a:solidFill>
+              <a:schemeClr val="dk2"/>
+            </a:solidFill>
+            <a:prstDash val="solid"/>
+            <a:round/>
+            <a:headEnd len="sm" w="sm" type="none"/>
+            <a:tailEnd len="sm" w="sm" type="none"/>
+          </a:ln>
+        </p:spPr>
+        <p:txBody>
+          <a:bodyPr anchorCtr="0" anchor="ctr" bIns="91425" lIns="91425" spcFirstLastPara="1" rIns="91425" wrap="square" tIns="91425">
+            <a:noAutofit/>
+          </a:bodyPr>
+          <a:lstStyle/>
+          <a:p>
+            <a:pPr indent="0" lvl="0" marL="0" rtl="0" algn="ctr">
+              <a:spcBef>
+                <a:spcPts val="0"/>
+              </a:spcBef>
+              <a:spcAft>
+                <a:spcPts val="0"/>
+              </a:spcAft>
+              <a:buNone/>
+            </a:pPr>
+            <a:r>
+              <a:rPr lang="es" sz="1000">
+                <a:latin typeface="Roboto"/>
+                <a:ea typeface="Roboto"/>
+                <a:cs typeface="Roboto"/>
+                <a:sym typeface="Roboto"/>
+              </a:rPr>
+              <a:t>¿Menos de 6 familiares?</a:t>
+            </a:r>
+            <a:endParaRPr sz="1000">
+              <a:latin typeface="Roboto"/>
+              <a:ea typeface="Roboto"/>
+              <a:cs typeface="Roboto"/>
+              <a:sym typeface="Roboto"/>
+            </a:endParaRPr>
+          </a:p>
+        </p:txBody>
+      </p:sp>
+      <p:sp>
+        <p:nvSpPr>
+          <p:cNvPr id="151" name="Google Shape;151;p19"/>
+          <p:cNvSpPr/>
+          <p:nvPr/>
+        </p:nvSpPr>
+        <p:spPr>
+          <a:xfrm>
+            <a:off x="6512038" y="3302825"/>
+            <a:ext cx="1073700" cy="457200"/>
+          </a:xfrm>
+          <a:prstGeom prst="roundRect">
+            <a:avLst>
+              <a:gd fmla="val 16667" name="adj"/>
+            </a:avLst>
+          </a:prstGeom>
+          <a:solidFill>
+            <a:srgbClr val="FFD966"/>
+          </a:solidFill>
+          <a:ln cap="flat" cmpd="sng" w="9525">
+            <a:solidFill>
+              <a:schemeClr val="dk2"/>
+            </a:solidFill>
+            <a:prstDash val="solid"/>
+            <a:round/>
+            <a:headEnd len="sm" w="sm" type="none"/>
+            <a:tailEnd len="sm" w="sm" type="none"/>
+          </a:ln>
+        </p:spPr>
+        <p:txBody>
+          <a:bodyPr anchorCtr="0" anchor="ctr" bIns="91425" lIns="91425" spcFirstLastPara="1" rIns="91425" wrap="square" tIns="91425">
+            <a:noAutofit/>
+          </a:bodyPr>
+          <a:lstStyle/>
+          <a:p>
+            <a:pPr indent="0" lvl="0" marL="0" rtl="0" algn="l">
+              <a:spcBef>
+                <a:spcPts val="0"/>
+              </a:spcBef>
+              <a:spcAft>
+                <a:spcPts val="0"/>
+              </a:spcAft>
+              <a:buNone/>
+            </a:pPr>
+            <a:r>
+              <a:rPr lang="es" sz="800"/>
+              <a:t>CLIENTES: 2,2%</a:t>
+            </a:r>
+            <a:endParaRPr sz="800"/>
+          </a:p>
+          <a:p>
+            <a:pPr indent="0" lvl="0" marL="0" rtl="0" algn="l">
+              <a:spcBef>
+                <a:spcPts val="0"/>
+              </a:spcBef>
+              <a:spcAft>
+                <a:spcPts val="0"/>
+              </a:spcAft>
+              <a:buNone/>
+            </a:pPr>
+            <a:r>
+              <a:rPr lang="es" sz="800"/>
+              <a:t>ASEGURADOS: 38,7%</a:t>
+            </a:r>
+            <a:endParaRPr sz="800"/>
+          </a:p>
+        </p:txBody>
+      </p:sp>
+      <p:sp>
+        <p:nvSpPr>
+          <p:cNvPr id="152" name="Google Shape;152;p19"/>
+          <p:cNvSpPr/>
+          <p:nvPr/>
+        </p:nvSpPr>
+        <p:spPr>
+          <a:xfrm>
+            <a:off x="7660161" y="3302825"/>
+            <a:ext cx="1073700" cy="457200"/>
+          </a:xfrm>
+          <a:prstGeom prst="roundRect">
+            <a:avLst>
+              <a:gd fmla="val 16667" name="adj"/>
+            </a:avLst>
+          </a:prstGeom>
+          <a:solidFill>
+            <a:srgbClr val="9FC5E8"/>
+          </a:solidFill>
+          <a:ln cap="flat" cmpd="sng" w="9525">
+            <a:solidFill>
+              <a:schemeClr val="dk2"/>
+            </a:solidFill>
+            <a:prstDash val="solid"/>
+            <a:round/>
+            <a:headEnd len="sm" w="sm" type="none"/>
+            <a:tailEnd len="sm" w="sm" type="none"/>
+          </a:ln>
+        </p:spPr>
+        <p:txBody>
+          <a:bodyPr anchorCtr="0" anchor="ctr" bIns="91425" lIns="91425" spcFirstLastPara="1" rIns="91425" wrap="square" tIns="91425">
+            <a:noAutofit/>
+          </a:bodyPr>
+          <a:lstStyle/>
+          <a:p>
+            <a:pPr indent="0" lvl="0" marL="0" rtl="0" algn="l">
+              <a:spcBef>
+                <a:spcPts val="0"/>
+              </a:spcBef>
+              <a:spcAft>
+                <a:spcPts val="0"/>
+              </a:spcAft>
+              <a:buNone/>
+            </a:pPr>
+            <a:r>
+              <a:rPr lang="es" sz="800">
+                <a:latin typeface="Roboto"/>
+                <a:ea typeface="Roboto"/>
+                <a:cs typeface="Roboto"/>
+                <a:sym typeface="Roboto"/>
+              </a:rPr>
+              <a:t>CLIENTES: 16,3%</a:t>
+            </a:r>
+            <a:endParaRPr sz="800">
+              <a:latin typeface="Roboto"/>
+              <a:ea typeface="Roboto"/>
+              <a:cs typeface="Roboto"/>
+              <a:sym typeface="Roboto"/>
+            </a:endParaRPr>
+          </a:p>
+          <a:p>
+            <a:pPr indent="0" lvl="0" marL="0" rtl="0" algn="l">
+              <a:spcBef>
+                <a:spcPts val="0"/>
+              </a:spcBef>
+              <a:spcAft>
+                <a:spcPts val="0"/>
+              </a:spcAft>
+              <a:buNone/>
+            </a:pPr>
+            <a:r>
+              <a:rPr lang="es" sz="800">
+                <a:latin typeface="Roboto"/>
+                <a:ea typeface="Roboto"/>
+                <a:cs typeface="Roboto"/>
+                <a:sym typeface="Roboto"/>
+              </a:rPr>
+              <a:t>ASEGURADOS: 85,5%</a:t>
+            </a:r>
+            <a:endParaRPr sz="800">
+              <a:latin typeface="Roboto"/>
+              <a:ea typeface="Roboto"/>
+              <a:cs typeface="Roboto"/>
+              <a:sym typeface="Roboto"/>
+            </a:endParaRPr>
+          </a:p>
+        </p:txBody>
+      </p:sp>
+      <p:sp>
+        <p:nvSpPr>
+          <p:cNvPr id="153" name="Google Shape;153;p19"/>
+          <p:cNvSpPr/>
+          <p:nvPr/>
+        </p:nvSpPr>
+        <p:spPr>
+          <a:xfrm>
+            <a:off x="4229188" y="4478275"/>
+            <a:ext cx="1073700" cy="457200"/>
+          </a:xfrm>
+          <a:prstGeom prst="roundRect">
+            <a:avLst>
+              <a:gd fmla="val 16667" name="adj"/>
+            </a:avLst>
+          </a:prstGeom>
+          <a:solidFill>
+            <a:srgbClr val="FFD966"/>
+          </a:solidFill>
+          <a:ln cap="flat" cmpd="sng" w="9525">
+            <a:solidFill>
+              <a:schemeClr val="dk2"/>
+            </a:solidFill>
+            <a:prstDash val="solid"/>
+            <a:round/>
+            <a:headEnd len="sm" w="sm" type="none"/>
+            <a:tailEnd len="sm" w="sm" type="none"/>
+          </a:ln>
+        </p:spPr>
+        <p:txBody>
+          <a:bodyPr anchorCtr="0" anchor="ctr" bIns="91425" lIns="91425" spcFirstLastPara="1" rIns="91425" wrap="square" tIns="91425">
+            <a:noAutofit/>
+          </a:bodyPr>
+          <a:lstStyle/>
+          <a:p>
+            <a:pPr indent="0" lvl="0" marL="0" rtl="0" algn="l">
+              <a:spcBef>
+                <a:spcPts val="0"/>
+              </a:spcBef>
+              <a:spcAft>
+                <a:spcPts val="0"/>
+              </a:spcAft>
+              <a:buNone/>
+            </a:pPr>
+            <a:r>
+              <a:rPr lang="es" sz="800">
+                <a:latin typeface="Roboto"/>
+                <a:ea typeface="Roboto"/>
+                <a:cs typeface="Roboto"/>
+                <a:sym typeface="Roboto"/>
+              </a:rPr>
+              <a:t>CLIENTES: 12,7%</a:t>
+            </a:r>
+            <a:endParaRPr sz="800">
+              <a:latin typeface="Roboto"/>
+              <a:ea typeface="Roboto"/>
+              <a:cs typeface="Roboto"/>
+              <a:sym typeface="Roboto"/>
+            </a:endParaRPr>
+          </a:p>
+          <a:p>
+            <a:pPr indent="0" lvl="0" marL="0" rtl="0" algn="l">
+              <a:spcBef>
+                <a:spcPts val="0"/>
+              </a:spcBef>
+              <a:spcAft>
+                <a:spcPts val="0"/>
+              </a:spcAft>
+              <a:buNone/>
+            </a:pPr>
+            <a:r>
+              <a:rPr lang="es" sz="800">
+                <a:latin typeface="Roboto"/>
+                <a:ea typeface="Roboto"/>
+                <a:cs typeface="Roboto"/>
+                <a:sym typeface="Roboto"/>
+              </a:rPr>
+              <a:t>ASEGURADOS: 19,9%</a:t>
+            </a:r>
+            <a:endParaRPr sz="800">
+              <a:latin typeface="Roboto"/>
+              <a:ea typeface="Roboto"/>
+              <a:cs typeface="Roboto"/>
+              <a:sym typeface="Roboto"/>
+            </a:endParaRPr>
+          </a:p>
+        </p:txBody>
+      </p:sp>
+      <p:sp>
+        <p:nvSpPr>
+          <p:cNvPr id="154" name="Google Shape;154;p19"/>
+          <p:cNvSpPr/>
+          <p:nvPr/>
+        </p:nvSpPr>
+        <p:spPr>
+          <a:xfrm>
+            <a:off x="5388711" y="4478275"/>
+            <a:ext cx="1073700" cy="457200"/>
+          </a:xfrm>
+          <a:prstGeom prst="roundRect">
+            <a:avLst>
+              <a:gd fmla="val 16667" name="adj"/>
+            </a:avLst>
+          </a:prstGeom>
+          <a:solidFill>
+            <a:srgbClr val="6FA8DC"/>
+          </a:solidFill>
+          <a:ln cap="flat" cmpd="sng" w="9525">
+            <a:solidFill>
+              <a:schemeClr val="dk2"/>
+            </a:solidFill>
+            <a:prstDash val="solid"/>
+            <a:round/>
+            <a:headEnd len="sm" w="sm" type="none"/>
+            <a:tailEnd len="sm" w="sm" type="none"/>
+          </a:ln>
+        </p:spPr>
+        <p:txBody>
+          <a:bodyPr anchorCtr="0" anchor="ctr" bIns="91425" lIns="91425" spcFirstLastPara="1" rIns="91425" wrap="square" tIns="91425">
+            <a:noAutofit/>
+          </a:bodyPr>
+          <a:lstStyle/>
+          <a:p>
+            <a:pPr indent="0" lvl="0" marL="0" rtl="0" algn="l">
+              <a:spcBef>
+                <a:spcPts val="0"/>
+              </a:spcBef>
+              <a:spcAft>
+                <a:spcPts val="0"/>
+              </a:spcAft>
+              <a:buNone/>
+            </a:pPr>
+            <a:r>
+              <a:rPr lang="es" sz="800">
+                <a:latin typeface="Roboto"/>
+                <a:ea typeface="Roboto"/>
+                <a:cs typeface="Roboto"/>
+                <a:sym typeface="Roboto"/>
+              </a:rPr>
+              <a:t>CLIENTES: 5,6%</a:t>
+            </a:r>
+            <a:endParaRPr sz="800">
+              <a:latin typeface="Roboto"/>
+              <a:ea typeface="Roboto"/>
+              <a:cs typeface="Roboto"/>
+              <a:sym typeface="Roboto"/>
+            </a:endParaRPr>
+          </a:p>
+          <a:p>
+            <a:pPr indent="0" lvl="0" marL="0" rtl="0" algn="l">
+              <a:spcBef>
+                <a:spcPts val="0"/>
+              </a:spcBef>
+              <a:spcAft>
+                <a:spcPts val="0"/>
+              </a:spcAft>
+              <a:buNone/>
+            </a:pPr>
+            <a:r>
+              <a:rPr lang="es" sz="800">
+                <a:latin typeface="Roboto"/>
+                <a:ea typeface="Roboto"/>
+                <a:cs typeface="Roboto"/>
+                <a:sym typeface="Roboto"/>
+              </a:rPr>
+              <a:t>ASEGURADOS: 85,9%</a:t>
+            </a:r>
+            <a:endParaRPr sz="800">
+              <a:latin typeface="Roboto"/>
+              <a:ea typeface="Roboto"/>
+              <a:cs typeface="Roboto"/>
+              <a:sym typeface="Roboto"/>
+            </a:endParaRPr>
+          </a:p>
+        </p:txBody>
+      </p:sp>
+      <p:cxnSp>
+        <p:nvCxnSpPr>
+          <p:cNvPr id="155" name="Google Shape;155;p19"/>
+          <p:cNvCxnSpPr/>
+          <p:nvPr/>
+        </p:nvCxnSpPr>
+        <p:spPr>
+          <a:xfrm flipH="1">
+            <a:off x="3839800" y="2714825"/>
+            <a:ext cx="253500" cy="588000"/>
+          </a:xfrm>
+          <a:prstGeom prst="bentConnector2">
+            <a:avLst/>
+          </a:prstGeom>
+          <a:noFill/>
+          <a:ln cap="flat" cmpd="sng" w="9525">
+            <a:solidFill>
+              <a:schemeClr val="dk2"/>
+            </a:solidFill>
+            <a:prstDash val="solid"/>
+            <a:round/>
+            <a:headEnd len="med" w="med" type="none"/>
+            <a:tailEnd len="med" w="med" type="none"/>
+          </a:ln>
+        </p:spPr>
+      </p:cxnSp>
+      <p:cxnSp>
+        <p:nvCxnSpPr>
+          <p:cNvPr id="156" name="Google Shape;156;p19"/>
+          <p:cNvCxnSpPr/>
+          <p:nvPr/>
+        </p:nvCxnSpPr>
+        <p:spPr>
+          <a:xfrm>
+            <a:off x="5450200" y="2711875"/>
+            <a:ext cx="253500" cy="588000"/>
+          </a:xfrm>
+          <a:prstGeom prst="bentConnector2">
+            <a:avLst/>
+          </a:prstGeom>
+          <a:noFill/>
+          <a:ln cap="flat" cmpd="sng" w="9525">
+            <a:solidFill>
+              <a:schemeClr val="dk2"/>
+            </a:solidFill>
+            <a:prstDash val="solid"/>
+            <a:round/>
+            <a:headEnd len="med" w="med" type="none"/>
+            <a:tailEnd len="med" w="med" type="none"/>
+          </a:ln>
+        </p:spPr>
+      </p:cxnSp>
+      <p:sp>
+        <p:nvSpPr>
+          <p:cNvPr id="157" name="Google Shape;157;p19"/>
+          <p:cNvSpPr txBox="1"/>
+          <p:nvPr/>
+        </p:nvSpPr>
+        <p:spPr>
+          <a:xfrm>
+            <a:off x="3790675" y="2939338"/>
+            <a:ext cx="538200" cy="338700"/>
+          </a:xfrm>
+          <a:prstGeom prst="rect">
+            <a:avLst/>
+          </a:prstGeom>
+          <a:noFill/>
+          <a:ln>
+            <a:noFill/>
+          </a:ln>
+        </p:spPr>
+        <p:txBody>
+          <a:bodyPr anchorCtr="0" anchor="t" bIns="91425" lIns="91425" spcFirstLastPara="1" rIns="91425" wrap="square" tIns="91425">
+            <a:spAutoFit/>
+          </a:bodyPr>
+          <a:lstStyle/>
+          <a:p>
+            <a:pPr indent="0" lvl="0" marL="0" rtl="0" algn="l">
+              <a:spcBef>
+                <a:spcPts val="0"/>
+              </a:spcBef>
+              <a:spcAft>
+                <a:spcPts val="0"/>
+              </a:spcAft>
+              <a:buNone/>
+            </a:pPr>
+            <a:r>
+              <a:rPr b="1" lang="es" sz="1000">
+                <a:solidFill>
+                  <a:schemeClr val="dk2"/>
+                </a:solidFill>
+                <a:latin typeface="Roboto"/>
+                <a:ea typeface="Roboto"/>
+                <a:cs typeface="Roboto"/>
+                <a:sym typeface="Roboto"/>
+              </a:rPr>
+              <a:t>NO</a:t>
+            </a:r>
+            <a:endParaRPr b="1" sz="1000">
+              <a:solidFill>
+                <a:schemeClr val="dk2"/>
+              </a:solidFill>
+              <a:latin typeface="Roboto"/>
+              <a:ea typeface="Roboto"/>
+              <a:cs typeface="Roboto"/>
+              <a:sym typeface="Roboto"/>
+            </a:endParaRPr>
+          </a:p>
+        </p:txBody>
+      </p:sp>
+      <p:sp>
+        <p:nvSpPr>
+          <p:cNvPr id="158" name="Google Shape;158;p19"/>
+          <p:cNvSpPr txBox="1"/>
+          <p:nvPr/>
+        </p:nvSpPr>
+        <p:spPr>
+          <a:xfrm>
+            <a:off x="5310588" y="2951738"/>
+            <a:ext cx="398700" cy="338700"/>
+          </a:xfrm>
+          <a:prstGeom prst="rect">
+            <a:avLst/>
+          </a:prstGeom>
+          <a:noFill/>
+          <a:ln>
+            <a:noFill/>
+          </a:ln>
+        </p:spPr>
+        <p:txBody>
+          <a:bodyPr anchorCtr="0" anchor="t" bIns="91425" lIns="91425" spcFirstLastPara="1" rIns="91425" wrap="square" tIns="91425">
+            <a:spAutoFit/>
+          </a:bodyPr>
+          <a:lstStyle/>
+          <a:p>
+            <a:pPr indent="0" lvl="0" marL="0" rtl="0" algn="r">
+              <a:spcBef>
+                <a:spcPts val="0"/>
+              </a:spcBef>
+              <a:spcAft>
+                <a:spcPts val="0"/>
+              </a:spcAft>
+              <a:buNone/>
+            </a:pPr>
+            <a:r>
+              <a:rPr b="1" lang="es" sz="1000">
+                <a:solidFill>
+                  <a:schemeClr val="dk2"/>
+                </a:solidFill>
+                <a:latin typeface="Roboto"/>
+                <a:ea typeface="Roboto"/>
+                <a:cs typeface="Roboto"/>
+                <a:sym typeface="Roboto"/>
+              </a:rPr>
+              <a:t>SI</a:t>
+            </a:r>
+            <a:endParaRPr b="1" sz="1000">
+              <a:solidFill>
+                <a:schemeClr val="dk2"/>
+              </a:solidFill>
+              <a:latin typeface="Roboto"/>
+              <a:ea typeface="Roboto"/>
+              <a:cs typeface="Roboto"/>
+              <a:sym typeface="Roboto"/>
+            </a:endParaRPr>
+          </a:p>
+        </p:txBody>
+      </p:sp>
+      <p:sp>
+        <p:nvSpPr>
+          <p:cNvPr id="159" name="Google Shape;159;p19"/>
+          <p:cNvSpPr txBox="1"/>
+          <p:nvPr/>
+        </p:nvSpPr>
+        <p:spPr>
+          <a:xfrm>
+            <a:off x="6663638" y="2939338"/>
+            <a:ext cx="538200" cy="338700"/>
+          </a:xfrm>
+          <a:prstGeom prst="rect">
+            <a:avLst/>
+          </a:prstGeom>
+          <a:noFill/>
+          <a:ln>
+            <a:noFill/>
+          </a:ln>
+        </p:spPr>
+        <p:txBody>
+          <a:bodyPr anchorCtr="0" anchor="t" bIns="91425" lIns="91425" spcFirstLastPara="1" rIns="91425" wrap="square" tIns="91425">
+            <a:spAutoFit/>
+          </a:bodyPr>
+          <a:lstStyle/>
+          <a:p>
+            <a:pPr indent="0" lvl="0" marL="0" rtl="0" algn="l">
+              <a:spcBef>
+                <a:spcPts val="0"/>
+              </a:spcBef>
+              <a:spcAft>
+                <a:spcPts val="0"/>
+              </a:spcAft>
+              <a:buNone/>
+            </a:pPr>
+            <a:r>
+              <a:rPr b="1" lang="es" sz="1000">
+                <a:solidFill>
+                  <a:schemeClr val="dk2"/>
+                </a:solidFill>
+                <a:latin typeface="Roboto"/>
+                <a:ea typeface="Roboto"/>
+                <a:cs typeface="Roboto"/>
+                <a:sym typeface="Roboto"/>
+              </a:rPr>
+              <a:t>NO</a:t>
+            </a:r>
+            <a:endParaRPr b="1" sz="1000">
+              <a:solidFill>
+                <a:schemeClr val="dk2"/>
+              </a:solidFill>
+              <a:latin typeface="Roboto"/>
+              <a:ea typeface="Roboto"/>
+              <a:cs typeface="Roboto"/>
+              <a:sym typeface="Roboto"/>
+            </a:endParaRPr>
+          </a:p>
+        </p:txBody>
+      </p:sp>
+      <p:sp>
+        <p:nvSpPr>
+          <p:cNvPr id="160" name="Google Shape;160;p19"/>
+          <p:cNvSpPr txBox="1"/>
+          <p:nvPr/>
+        </p:nvSpPr>
+        <p:spPr>
+          <a:xfrm>
+            <a:off x="8183550" y="2951738"/>
+            <a:ext cx="398700" cy="338700"/>
+          </a:xfrm>
+          <a:prstGeom prst="rect">
+            <a:avLst/>
+          </a:prstGeom>
+          <a:noFill/>
+          <a:ln>
+            <a:noFill/>
+          </a:ln>
+        </p:spPr>
+        <p:txBody>
+          <a:bodyPr anchorCtr="0" anchor="t" bIns="91425" lIns="91425" spcFirstLastPara="1" rIns="91425" wrap="square" tIns="91425">
+            <a:spAutoFit/>
+          </a:bodyPr>
+          <a:lstStyle/>
+          <a:p>
+            <a:pPr indent="0" lvl="0" marL="0" rtl="0" algn="r">
+              <a:spcBef>
+                <a:spcPts val="0"/>
+              </a:spcBef>
+              <a:spcAft>
+                <a:spcPts val="0"/>
+              </a:spcAft>
+              <a:buNone/>
+            </a:pPr>
+            <a:r>
+              <a:rPr b="1" lang="es" sz="1000">
+                <a:solidFill>
+                  <a:schemeClr val="dk2"/>
+                </a:solidFill>
+                <a:latin typeface="Roboto"/>
+                <a:ea typeface="Roboto"/>
+                <a:cs typeface="Roboto"/>
+                <a:sym typeface="Roboto"/>
+              </a:rPr>
+              <a:t>SI</a:t>
+            </a:r>
+            <a:endParaRPr b="1" sz="1000">
+              <a:solidFill>
+                <a:schemeClr val="dk2"/>
+              </a:solidFill>
+              <a:latin typeface="Roboto"/>
+              <a:ea typeface="Roboto"/>
+              <a:cs typeface="Roboto"/>
+              <a:sym typeface="Roboto"/>
+            </a:endParaRPr>
+          </a:p>
+        </p:txBody>
+      </p:sp>
+      <p:sp>
+        <p:nvSpPr>
+          <p:cNvPr id="161" name="Google Shape;161;p19"/>
+          <p:cNvSpPr txBox="1"/>
+          <p:nvPr/>
+        </p:nvSpPr>
+        <p:spPr>
+          <a:xfrm>
+            <a:off x="5726188" y="4139563"/>
+            <a:ext cx="398700" cy="338700"/>
+          </a:xfrm>
+          <a:prstGeom prst="rect">
+            <a:avLst/>
+          </a:prstGeom>
+          <a:noFill/>
+          <a:ln>
+            <a:noFill/>
+          </a:ln>
+        </p:spPr>
+        <p:txBody>
+          <a:bodyPr anchorCtr="0" anchor="t" bIns="91425" lIns="91425" spcFirstLastPara="1" rIns="91425" wrap="square" tIns="91425">
+            <a:spAutoFit/>
+          </a:bodyPr>
+          <a:lstStyle/>
+          <a:p>
+            <a:pPr indent="0" lvl="0" marL="0" rtl="0" algn="r">
+              <a:spcBef>
+                <a:spcPts val="0"/>
+              </a:spcBef>
+              <a:spcAft>
+                <a:spcPts val="0"/>
+              </a:spcAft>
+              <a:buNone/>
+            </a:pPr>
+            <a:r>
+              <a:rPr b="1" lang="es" sz="1000">
+                <a:solidFill>
+                  <a:schemeClr val="dk2"/>
+                </a:solidFill>
+                <a:latin typeface="Roboto"/>
+                <a:ea typeface="Roboto"/>
+                <a:cs typeface="Roboto"/>
+                <a:sym typeface="Roboto"/>
+              </a:rPr>
+              <a:t>SI</a:t>
+            </a:r>
+            <a:endParaRPr b="1" sz="1000">
+              <a:solidFill>
+                <a:schemeClr val="dk2"/>
+              </a:solidFill>
+              <a:latin typeface="Roboto"/>
+              <a:ea typeface="Roboto"/>
+              <a:cs typeface="Roboto"/>
+              <a:sym typeface="Roboto"/>
+            </a:endParaRPr>
+          </a:p>
+        </p:txBody>
+      </p:sp>
+      <p:sp>
+        <p:nvSpPr>
+          <p:cNvPr id="162" name="Google Shape;162;p19"/>
+          <p:cNvSpPr txBox="1"/>
+          <p:nvPr/>
+        </p:nvSpPr>
+        <p:spPr>
+          <a:xfrm>
+            <a:off x="4581100" y="4123488"/>
+            <a:ext cx="538200" cy="338700"/>
+          </a:xfrm>
+          <a:prstGeom prst="rect">
+            <a:avLst/>
+          </a:prstGeom>
+          <a:noFill/>
+          <a:ln>
+            <a:noFill/>
+          </a:ln>
+        </p:spPr>
+        <p:txBody>
+          <a:bodyPr anchorCtr="0" anchor="t" bIns="91425" lIns="91425" spcFirstLastPara="1" rIns="91425" wrap="square" tIns="91425">
+            <a:spAutoFit/>
+          </a:bodyPr>
+          <a:lstStyle/>
+          <a:p>
+            <a:pPr indent="0" lvl="0" marL="0" rtl="0" algn="l">
+              <a:spcBef>
+                <a:spcPts val="0"/>
+              </a:spcBef>
+              <a:spcAft>
+                <a:spcPts val="0"/>
+              </a:spcAft>
+              <a:buNone/>
+            </a:pPr>
+            <a:r>
+              <a:rPr b="1" lang="es" sz="1000">
+                <a:solidFill>
+                  <a:schemeClr val="dk2"/>
+                </a:solidFill>
+                <a:latin typeface="Roboto"/>
+                <a:ea typeface="Roboto"/>
+                <a:cs typeface="Roboto"/>
+                <a:sym typeface="Roboto"/>
+              </a:rPr>
+              <a:t>NO</a:t>
+            </a:r>
+            <a:endParaRPr b="1" sz="1000">
+              <a:solidFill>
+                <a:schemeClr val="dk2"/>
+              </a:solidFill>
+              <a:latin typeface="Roboto"/>
+              <a:ea typeface="Roboto"/>
+              <a:cs typeface="Roboto"/>
+              <a:sym typeface="Roboto"/>
+            </a:endParaRPr>
+          </a:p>
+        </p:txBody>
+      </p:sp>
+      <p:cxnSp>
+        <p:nvCxnSpPr>
+          <p:cNvPr id="163" name="Google Shape;163;p19"/>
+          <p:cNvCxnSpPr>
+            <a:stCxn id="150" idx="0"/>
+            <a:endCxn id="150" idx="0"/>
+          </p:cNvCxnSpPr>
+          <p:nvPr/>
+        </p:nvCxnSpPr>
+        <p:spPr>
+          <a:xfrm>
+            <a:off x="5345789" y="3863975"/>
+            <a:ext cx="0" cy="0"/>
+          </a:xfrm>
+          <a:prstGeom prst="straightConnector1">
+            <a:avLst/>
+          </a:prstGeom>
+          <a:noFill/>
+          <a:ln cap="flat" cmpd="sng" w="9525">
+            <a:solidFill>
+              <a:schemeClr val="dk2"/>
+            </a:solidFill>
+            <a:prstDash val="solid"/>
+            <a:round/>
+            <a:headEnd len="med" w="med" type="none"/>
+            <a:tailEnd len="med" w="med" type="none"/>
+          </a:ln>
+        </p:spPr>
+      </p:cxnSp>
+      <p:cxnSp>
+        <p:nvCxnSpPr>
+          <p:cNvPr id="164" name="Google Shape;164;p19"/>
+          <p:cNvCxnSpPr>
+            <a:stCxn id="150" idx="0"/>
+            <a:endCxn id="149" idx="2"/>
+          </p:cNvCxnSpPr>
+          <p:nvPr/>
+        </p:nvCxnSpPr>
+        <p:spPr>
+          <a:xfrm rot="10800000">
+            <a:off x="5345789" y="3760175"/>
+            <a:ext cx="0" cy="103800"/>
+          </a:xfrm>
+          <a:prstGeom prst="straightConnector1">
+            <a:avLst/>
+          </a:prstGeom>
+          <a:noFill/>
+          <a:ln cap="flat" cmpd="sng" w="9525">
+            <a:solidFill>
+              <a:schemeClr val="dk2"/>
+            </a:solidFill>
+            <a:prstDash val="solid"/>
+            <a:round/>
+            <a:headEnd len="med" w="med" type="none"/>
+            <a:tailEnd len="med" w="med" type="none"/>
+          </a:ln>
+        </p:spPr>
+      </p:cxnSp>
+      <p:cxnSp>
+        <p:nvCxnSpPr>
+          <p:cNvPr id="165" name="Google Shape;165;p19"/>
+          <p:cNvCxnSpPr/>
+          <p:nvPr/>
+        </p:nvCxnSpPr>
+        <p:spPr>
+          <a:xfrm>
+            <a:off x="7622950" y="2378225"/>
+            <a:ext cx="0" cy="205500"/>
+          </a:xfrm>
+          <a:prstGeom prst="straightConnector1">
+            <a:avLst/>
+          </a:prstGeom>
+          <a:noFill/>
+          <a:ln cap="flat" cmpd="sng" w="9525">
+            <a:solidFill>
+              <a:schemeClr val="dk2"/>
+            </a:solidFill>
+            <a:prstDash val="solid"/>
+            <a:round/>
+            <a:headEnd len="med" w="med" type="none"/>
+            <a:tailEnd len="med" w="med" type="none"/>
+          </a:ln>
+        </p:spPr>
+      </p:cxnSp>
+      <p:sp>
+        <p:nvSpPr>
+          <p:cNvPr id="166" name="Google Shape;166;p19"/>
+          <p:cNvSpPr/>
+          <p:nvPr/>
+        </p:nvSpPr>
+        <p:spPr>
+          <a:xfrm>
+            <a:off x="7313339" y="3863975"/>
+            <a:ext cx="1022400" cy="355500"/>
+          </a:xfrm>
+          <a:prstGeom prst="roundRect">
+            <a:avLst>
+              <a:gd fmla="val 16667" name="adj"/>
+            </a:avLst>
+          </a:prstGeom>
+          <a:solidFill>
+            <a:schemeClr val="lt2"/>
+          </a:solidFill>
+          <a:ln cap="flat" cmpd="sng" w="9525">
+            <a:solidFill>
+              <a:schemeClr val="dk2"/>
+            </a:solidFill>
+            <a:prstDash val="solid"/>
+            <a:round/>
+            <a:headEnd len="sm" w="sm" type="none"/>
+            <a:tailEnd len="sm" w="sm" type="none"/>
+          </a:ln>
+        </p:spPr>
+        <p:txBody>
+          <a:bodyPr anchorCtr="0" anchor="ctr" bIns="91425" lIns="91425" spcFirstLastPara="1" rIns="91425" wrap="square" tIns="91425">
+            <a:noAutofit/>
+          </a:bodyPr>
+          <a:lstStyle/>
+          <a:p>
+            <a:pPr indent="0" lvl="0" marL="0" rtl="0" algn="ctr">
+              <a:spcBef>
+                <a:spcPts val="0"/>
+              </a:spcBef>
+              <a:spcAft>
+                <a:spcPts val="0"/>
+              </a:spcAft>
+              <a:buNone/>
+            </a:pPr>
+            <a:r>
+              <a:rPr lang="es" sz="1000">
+                <a:latin typeface="Roboto"/>
+                <a:ea typeface="Roboto"/>
+                <a:cs typeface="Roboto"/>
+                <a:sym typeface="Roboto"/>
+              </a:rPr>
+              <a:t>¿Sector Público?</a:t>
+            </a:r>
+            <a:endParaRPr sz="1000">
+              <a:latin typeface="Roboto"/>
+              <a:ea typeface="Roboto"/>
+              <a:cs typeface="Roboto"/>
+              <a:sym typeface="Roboto"/>
+            </a:endParaRPr>
+          </a:p>
+        </p:txBody>
+      </p:sp>
+      <p:sp>
+        <p:nvSpPr>
+          <p:cNvPr id="167" name="Google Shape;167;p19"/>
+          <p:cNvSpPr/>
+          <p:nvPr/>
+        </p:nvSpPr>
+        <p:spPr>
+          <a:xfrm>
+            <a:off x="6548188" y="4478275"/>
+            <a:ext cx="1073700" cy="457200"/>
+          </a:xfrm>
+          <a:prstGeom prst="roundRect">
+            <a:avLst>
+              <a:gd fmla="val 16667" name="adj"/>
+            </a:avLst>
+          </a:prstGeom>
+          <a:solidFill>
+            <a:srgbClr val="6FA8DC"/>
+          </a:solidFill>
+          <a:ln cap="flat" cmpd="sng" w="9525">
+            <a:solidFill>
+              <a:schemeClr val="dk2"/>
+            </a:solidFill>
+            <a:prstDash val="solid"/>
+            <a:round/>
+            <a:headEnd len="sm" w="sm" type="none"/>
+            <a:tailEnd len="sm" w="sm" type="none"/>
+          </a:ln>
+        </p:spPr>
+        <p:txBody>
+          <a:bodyPr anchorCtr="0" anchor="ctr" bIns="91425" lIns="91425" spcFirstLastPara="1" rIns="91425" wrap="square" tIns="91425">
+            <a:noAutofit/>
+          </a:bodyPr>
+          <a:lstStyle/>
+          <a:p>
+            <a:pPr indent="0" lvl="0" marL="0" rtl="0" algn="l">
+              <a:spcBef>
+                <a:spcPts val="0"/>
+              </a:spcBef>
+              <a:spcAft>
+                <a:spcPts val="0"/>
+              </a:spcAft>
+              <a:buNone/>
+            </a:pPr>
+            <a:r>
+              <a:rPr lang="es" sz="800">
+                <a:latin typeface="Roboto"/>
+                <a:ea typeface="Roboto"/>
+                <a:cs typeface="Roboto"/>
+                <a:sym typeface="Roboto"/>
+              </a:rPr>
+              <a:t>CLIENTES: 1,1%</a:t>
+            </a:r>
+            <a:endParaRPr sz="800">
+              <a:latin typeface="Roboto"/>
+              <a:ea typeface="Roboto"/>
+              <a:cs typeface="Roboto"/>
+              <a:sym typeface="Roboto"/>
+            </a:endParaRPr>
+          </a:p>
+          <a:p>
+            <a:pPr indent="0" lvl="0" marL="0" rtl="0" algn="l">
+              <a:spcBef>
+                <a:spcPts val="0"/>
+              </a:spcBef>
+              <a:spcAft>
+                <a:spcPts val="0"/>
+              </a:spcAft>
+              <a:buNone/>
+            </a:pPr>
+            <a:r>
+              <a:rPr lang="es" sz="800">
+                <a:latin typeface="Roboto"/>
+                <a:ea typeface="Roboto"/>
+                <a:cs typeface="Roboto"/>
+                <a:sym typeface="Roboto"/>
+              </a:rPr>
+              <a:t>ASEGURADOS: 66,7%</a:t>
+            </a:r>
+            <a:endParaRPr sz="800">
+              <a:latin typeface="Roboto"/>
+              <a:ea typeface="Roboto"/>
+              <a:cs typeface="Roboto"/>
+              <a:sym typeface="Roboto"/>
+            </a:endParaRPr>
+          </a:p>
+        </p:txBody>
+      </p:sp>
+      <p:sp>
+        <p:nvSpPr>
+          <p:cNvPr id="168" name="Google Shape;168;p19"/>
+          <p:cNvSpPr/>
+          <p:nvPr/>
+        </p:nvSpPr>
+        <p:spPr>
+          <a:xfrm>
+            <a:off x="7707711" y="4478275"/>
+            <a:ext cx="1073700" cy="457200"/>
+          </a:xfrm>
+          <a:prstGeom prst="roundRect">
+            <a:avLst>
+              <a:gd fmla="val 16667" name="adj"/>
+            </a:avLst>
+          </a:prstGeom>
+          <a:solidFill>
+            <a:srgbClr val="6FA8DC"/>
+          </a:solidFill>
+          <a:ln cap="flat" cmpd="sng" w="9525">
+            <a:solidFill>
+              <a:schemeClr val="dk2"/>
+            </a:solidFill>
+            <a:prstDash val="solid"/>
+            <a:round/>
+            <a:headEnd len="sm" w="sm" type="none"/>
+            <a:tailEnd len="sm" w="sm" type="none"/>
+          </a:ln>
+        </p:spPr>
+        <p:txBody>
+          <a:bodyPr anchorCtr="0" anchor="ctr" bIns="91425" lIns="91425" spcFirstLastPara="1" rIns="91425" wrap="square" tIns="91425">
+            <a:noAutofit/>
+          </a:bodyPr>
+          <a:lstStyle/>
+          <a:p>
+            <a:pPr indent="0" lvl="0" marL="0" rtl="0" algn="l">
+              <a:spcBef>
+                <a:spcPts val="0"/>
+              </a:spcBef>
+              <a:spcAft>
+                <a:spcPts val="0"/>
+              </a:spcAft>
+              <a:buNone/>
+            </a:pPr>
+            <a:r>
+              <a:rPr lang="es" sz="800">
+                <a:latin typeface="Roboto"/>
+                <a:ea typeface="Roboto"/>
+                <a:cs typeface="Roboto"/>
+                <a:sym typeface="Roboto"/>
+              </a:rPr>
+              <a:t>CLIENTES: 15,3%</a:t>
+            </a:r>
+            <a:endParaRPr sz="800">
+              <a:latin typeface="Roboto"/>
+              <a:ea typeface="Roboto"/>
+              <a:cs typeface="Roboto"/>
+              <a:sym typeface="Roboto"/>
+            </a:endParaRPr>
+          </a:p>
+          <a:p>
+            <a:pPr indent="0" lvl="0" marL="0" rtl="0" algn="l">
+              <a:spcBef>
+                <a:spcPts val="0"/>
+              </a:spcBef>
+              <a:spcAft>
+                <a:spcPts val="0"/>
+              </a:spcAft>
+              <a:buNone/>
+            </a:pPr>
+            <a:r>
+              <a:rPr lang="es" sz="800">
+                <a:latin typeface="Roboto"/>
+                <a:ea typeface="Roboto"/>
+                <a:cs typeface="Roboto"/>
+                <a:sym typeface="Roboto"/>
+              </a:rPr>
+              <a:t>ASEGURADOS: 86,8%</a:t>
+            </a:r>
+            <a:endParaRPr sz="800">
+              <a:latin typeface="Roboto"/>
+              <a:ea typeface="Roboto"/>
+              <a:cs typeface="Roboto"/>
+              <a:sym typeface="Roboto"/>
+            </a:endParaRPr>
+          </a:p>
+        </p:txBody>
+      </p:sp>
+      <p:sp>
+        <p:nvSpPr>
+          <p:cNvPr id="169" name="Google Shape;169;p19"/>
+          <p:cNvSpPr txBox="1"/>
+          <p:nvPr/>
+        </p:nvSpPr>
+        <p:spPr>
+          <a:xfrm>
+            <a:off x="8156188" y="4139563"/>
+            <a:ext cx="398700" cy="338700"/>
+          </a:xfrm>
+          <a:prstGeom prst="rect">
+            <a:avLst/>
+          </a:prstGeom>
+          <a:noFill/>
+          <a:ln>
+            <a:noFill/>
+          </a:ln>
+        </p:spPr>
+        <p:txBody>
+          <a:bodyPr anchorCtr="0" anchor="t" bIns="91425" lIns="91425" spcFirstLastPara="1" rIns="91425" wrap="square" tIns="91425">
+            <a:spAutoFit/>
+          </a:bodyPr>
+          <a:lstStyle/>
+          <a:p>
+            <a:pPr indent="0" lvl="0" marL="0" rtl="0" algn="r">
+              <a:spcBef>
+                <a:spcPts val="0"/>
+              </a:spcBef>
+              <a:spcAft>
+                <a:spcPts val="0"/>
+              </a:spcAft>
+              <a:buNone/>
+            </a:pPr>
+            <a:r>
+              <a:rPr b="1" lang="es" sz="1000">
+                <a:solidFill>
+                  <a:schemeClr val="dk2"/>
+                </a:solidFill>
+                <a:latin typeface="Roboto"/>
+                <a:ea typeface="Roboto"/>
+                <a:cs typeface="Roboto"/>
+                <a:sym typeface="Roboto"/>
+              </a:rPr>
+              <a:t>SI</a:t>
+            </a:r>
+            <a:endParaRPr b="1" sz="1000">
+              <a:solidFill>
+                <a:schemeClr val="dk2"/>
+              </a:solidFill>
+              <a:latin typeface="Roboto"/>
+              <a:ea typeface="Roboto"/>
+              <a:cs typeface="Roboto"/>
+              <a:sym typeface="Roboto"/>
+            </a:endParaRPr>
+          </a:p>
+        </p:txBody>
+      </p:sp>
+      <p:sp>
+        <p:nvSpPr>
+          <p:cNvPr id="170" name="Google Shape;170;p19"/>
+          <p:cNvSpPr txBox="1"/>
+          <p:nvPr/>
+        </p:nvSpPr>
+        <p:spPr>
+          <a:xfrm>
+            <a:off x="7016500" y="4139563"/>
+            <a:ext cx="538200" cy="338700"/>
+          </a:xfrm>
+          <a:prstGeom prst="rect">
+            <a:avLst/>
+          </a:prstGeom>
+          <a:noFill/>
+          <a:ln>
+            <a:noFill/>
+          </a:ln>
+        </p:spPr>
+        <p:txBody>
+          <a:bodyPr anchorCtr="0" anchor="t" bIns="91425" lIns="91425" spcFirstLastPara="1" rIns="91425" wrap="square" tIns="91425">
+            <a:spAutoFit/>
+          </a:bodyPr>
+          <a:lstStyle/>
+          <a:p>
+            <a:pPr indent="0" lvl="0" marL="0" rtl="0" algn="l">
+              <a:spcBef>
+                <a:spcPts val="0"/>
+              </a:spcBef>
+              <a:spcAft>
+                <a:spcPts val="0"/>
+              </a:spcAft>
+              <a:buNone/>
+            </a:pPr>
+            <a:r>
+              <a:rPr b="1" lang="es" sz="1000">
+                <a:solidFill>
+                  <a:schemeClr val="dk2"/>
+                </a:solidFill>
+                <a:latin typeface="Roboto"/>
+                <a:ea typeface="Roboto"/>
+                <a:cs typeface="Roboto"/>
+                <a:sym typeface="Roboto"/>
+              </a:rPr>
+              <a:t>NO</a:t>
+            </a:r>
+            <a:endParaRPr b="1" sz="1000">
+              <a:solidFill>
+                <a:schemeClr val="dk2"/>
+              </a:solidFill>
+              <a:latin typeface="Roboto"/>
+              <a:ea typeface="Roboto"/>
+              <a:cs typeface="Roboto"/>
+              <a:sym typeface="Roboto"/>
+            </a:endParaRPr>
+          </a:p>
+        </p:txBody>
+      </p:sp>
+      <p:cxnSp>
+        <p:nvCxnSpPr>
+          <p:cNvPr id="171" name="Google Shape;171;p19"/>
+          <p:cNvCxnSpPr>
+            <a:stCxn id="166" idx="0"/>
+            <a:endCxn id="166" idx="0"/>
+          </p:cNvCxnSpPr>
+          <p:nvPr/>
+        </p:nvCxnSpPr>
+        <p:spPr>
+          <a:xfrm>
+            <a:off x="7824539" y="3863975"/>
+            <a:ext cx="0" cy="0"/>
+          </a:xfrm>
+          <a:prstGeom prst="straightConnector1">
+            <a:avLst/>
+          </a:prstGeom>
+          <a:noFill/>
+          <a:ln cap="flat" cmpd="sng" w="9525">
+            <a:solidFill>
+              <a:schemeClr val="dk2"/>
+            </a:solidFill>
+            <a:prstDash val="solid"/>
+            <a:round/>
+            <a:headEnd len="med" w="med" type="none"/>
+            <a:tailEnd len="med" w="med" type="none"/>
+          </a:ln>
+        </p:spPr>
+      </p:cxnSp>
+      <p:cxnSp>
+        <p:nvCxnSpPr>
+          <p:cNvPr id="172" name="Google Shape;172;p19"/>
+          <p:cNvCxnSpPr/>
+          <p:nvPr/>
+        </p:nvCxnSpPr>
+        <p:spPr>
+          <a:xfrm rot="10800000">
+            <a:off x="8196989" y="3760175"/>
+            <a:ext cx="0" cy="103800"/>
+          </a:xfrm>
+          <a:prstGeom prst="straightConnector1">
+            <a:avLst/>
+          </a:prstGeom>
+          <a:noFill/>
+          <a:ln cap="flat" cmpd="sng" w="9525">
+            <a:solidFill>
+              <a:schemeClr val="dk2"/>
+            </a:solidFill>
+            <a:prstDash val="solid"/>
+            <a:round/>
+            <a:headEnd len="med" w="med" type="none"/>
+            <a:tailEnd len="med" w="med" type="none"/>
+          </a:ln>
+        </p:spPr>
+      </p:cxnSp>
+      <p:sp>
+        <p:nvSpPr>
+          <p:cNvPr id="173" name="Google Shape;173;p19"/>
+          <p:cNvSpPr/>
+          <p:nvPr/>
+        </p:nvSpPr>
+        <p:spPr>
+          <a:xfrm>
+            <a:off x="694800" y="3605313"/>
+            <a:ext cx="2454000" cy="753600"/>
+          </a:xfrm>
+          <a:prstGeom prst="roundRect">
+            <a:avLst>
+              <a:gd fmla="val 16667" name="adj"/>
+            </a:avLst>
+          </a:prstGeom>
+          <a:solidFill>
+            <a:schemeClr val="lt2"/>
+          </a:solidFill>
+          <a:ln cap="flat" cmpd="sng" w="9525">
+            <a:solidFill>
+              <a:schemeClr val="dk2"/>
+            </a:solidFill>
+            <a:prstDash val="solid"/>
+            <a:round/>
+            <a:headEnd len="sm" w="sm" type="none"/>
+            <a:tailEnd len="sm" w="sm" type="none"/>
+          </a:ln>
+        </p:spPr>
+        <p:txBody>
+          <a:bodyPr anchorCtr="0" anchor="ctr" bIns="91425" lIns="91425" spcFirstLastPara="1" rIns="91425" wrap="square" tIns="91425">
+            <a:noAutofit/>
+          </a:bodyPr>
+          <a:lstStyle/>
+          <a:p>
+            <a:pPr indent="0" lvl="0" marL="0" rtl="0" algn="l">
+              <a:spcBef>
+                <a:spcPts val="0"/>
+              </a:spcBef>
+              <a:spcAft>
+                <a:spcPts val="0"/>
+              </a:spcAft>
+              <a:buNone/>
+            </a:pPr>
+            <a:r>
+              <a:rPr b="1" lang="es" sz="1000">
+                <a:latin typeface="Roboto"/>
+                <a:ea typeface="Roboto"/>
+                <a:cs typeface="Roboto"/>
+                <a:sym typeface="Roboto"/>
+              </a:rPr>
+              <a:t>CLIENTES: </a:t>
+            </a:r>
+            <a:r>
+              <a:rPr lang="es" sz="1000">
+                <a:latin typeface="Roboto"/>
+                <a:ea typeface="Roboto"/>
+                <a:cs typeface="Roboto"/>
+                <a:sym typeface="Roboto"/>
+              </a:rPr>
+              <a:t>% del total de clientes</a:t>
+            </a:r>
+            <a:endParaRPr sz="1000">
+              <a:latin typeface="Roboto"/>
+              <a:ea typeface="Roboto"/>
+              <a:cs typeface="Roboto"/>
+              <a:sym typeface="Roboto"/>
+            </a:endParaRPr>
+          </a:p>
+          <a:p>
+            <a:pPr indent="0" lvl="0" marL="0" rtl="0" algn="l">
+              <a:spcBef>
+                <a:spcPts val="0"/>
+              </a:spcBef>
+              <a:spcAft>
+                <a:spcPts val="0"/>
+              </a:spcAft>
+              <a:buNone/>
+            </a:pPr>
+            <a:r>
+              <a:rPr b="1" lang="es" sz="1000">
+                <a:latin typeface="Roboto"/>
+                <a:ea typeface="Roboto"/>
+                <a:cs typeface="Roboto"/>
+                <a:sym typeface="Roboto"/>
+              </a:rPr>
+              <a:t>ASEGURADOS: </a:t>
+            </a:r>
+            <a:r>
+              <a:rPr lang="es" sz="1000">
+                <a:latin typeface="Roboto"/>
+                <a:ea typeface="Roboto"/>
+                <a:cs typeface="Roboto"/>
+                <a:sym typeface="Roboto"/>
+              </a:rPr>
+              <a:t>% asegurado dentro del subgrupo</a:t>
+            </a:r>
+            <a:endParaRPr sz="1000">
+              <a:latin typeface="Roboto"/>
+              <a:ea typeface="Roboto"/>
+              <a:cs typeface="Roboto"/>
+              <a:sym typeface="Roboto"/>
+            </a:endParaRPr>
+          </a:p>
+        </p:txBody>
+      </p:sp>
+      <p:sp>
+        <p:nvSpPr>
+          <p:cNvPr id="174" name="Google Shape;174;p19"/>
+          <p:cNvSpPr/>
+          <p:nvPr/>
+        </p:nvSpPr>
+        <p:spPr>
+          <a:xfrm>
+            <a:off x="694800" y="4424938"/>
+            <a:ext cx="2454000" cy="205500"/>
+          </a:xfrm>
+          <a:prstGeom prst="roundRect">
+            <a:avLst>
+              <a:gd fmla="val 16667" name="adj"/>
+            </a:avLst>
+          </a:prstGeom>
+          <a:solidFill>
+            <a:srgbClr val="6FA8DC"/>
+          </a:solidFill>
+          <a:ln cap="flat" cmpd="sng" w="9525">
+            <a:solidFill>
+              <a:schemeClr val="dk2"/>
+            </a:solidFill>
+            <a:prstDash val="solid"/>
+            <a:round/>
+            <a:headEnd len="sm" w="sm" type="none"/>
+            <a:tailEnd len="sm" w="sm" type="none"/>
+          </a:ln>
+        </p:spPr>
+        <p:txBody>
+          <a:bodyPr anchorCtr="0" anchor="ctr" bIns="91425" lIns="91425" spcFirstLastPara="1" rIns="91425" wrap="square" tIns="91425">
+            <a:noAutofit/>
+          </a:bodyPr>
+          <a:lstStyle/>
+          <a:p>
+            <a:pPr indent="0" lvl="0" marL="0" rtl="0" algn="l">
+              <a:spcBef>
+                <a:spcPts val="0"/>
+              </a:spcBef>
+              <a:spcAft>
+                <a:spcPts val="0"/>
+              </a:spcAft>
+              <a:buNone/>
+            </a:pPr>
+            <a:r>
+              <a:rPr b="1" lang="es" sz="800">
+                <a:latin typeface="Roboto"/>
+                <a:ea typeface="Roboto"/>
+                <a:cs typeface="Roboto"/>
+                <a:sym typeface="Roboto"/>
+              </a:rPr>
+              <a:t>AZUL: MAYORÍA DE ASEGURADOS</a:t>
+            </a:r>
+            <a:endParaRPr sz="800">
+              <a:latin typeface="Roboto"/>
+              <a:ea typeface="Roboto"/>
+              <a:cs typeface="Roboto"/>
+              <a:sym typeface="Roboto"/>
+            </a:endParaRPr>
+          </a:p>
+        </p:txBody>
+      </p:sp>
+      <p:sp>
+        <p:nvSpPr>
+          <p:cNvPr id="175" name="Google Shape;175;p19"/>
+          <p:cNvSpPr/>
+          <p:nvPr/>
+        </p:nvSpPr>
+        <p:spPr>
+          <a:xfrm>
+            <a:off x="694800" y="4696488"/>
+            <a:ext cx="2454000" cy="205500"/>
+          </a:xfrm>
+          <a:prstGeom prst="roundRect">
+            <a:avLst>
+              <a:gd fmla="val 16667" name="adj"/>
+            </a:avLst>
+          </a:prstGeom>
+          <a:solidFill>
+            <a:srgbClr val="FFD966"/>
+          </a:solidFill>
+          <a:ln cap="flat" cmpd="sng" w="9525">
+            <a:solidFill>
+              <a:schemeClr val="dk2"/>
+            </a:solidFill>
+            <a:prstDash val="solid"/>
+            <a:round/>
+            <a:headEnd len="sm" w="sm" type="none"/>
+            <a:tailEnd len="sm" w="sm" type="none"/>
+          </a:ln>
+        </p:spPr>
+        <p:txBody>
+          <a:bodyPr anchorCtr="0" anchor="ctr" bIns="91425" lIns="91425" spcFirstLastPara="1" rIns="91425" wrap="square" tIns="91425">
+            <a:noAutofit/>
+          </a:bodyPr>
+          <a:lstStyle/>
+          <a:p>
+            <a:pPr indent="0" lvl="0" marL="0" rtl="0" algn="l">
+              <a:spcBef>
+                <a:spcPts val="0"/>
+              </a:spcBef>
+              <a:spcAft>
+                <a:spcPts val="0"/>
+              </a:spcAft>
+              <a:buNone/>
+            </a:pPr>
+            <a:r>
+              <a:rPr b="1" lang="es" sz="800">
+                <a:latin typeface="Roboto"/>
+                <a:ea typeface="Roboto"/>
+                <a:cs typeface="Roboto"/>
+                <a:sym typeface="Roboto"/>
+              </a:rPr>
+              <a:t>NARANJA</a:t>
+            </a:r>
+            <a:r>
+              <a:rPr b="1" lang="es" sz="800">
+                <a:latin typeface="Roboto"/>
+                <a:ea typeface="Roboto"/>
+                <a:cs typeface="Roboto"/>
+                <a:sym typeface="Roboto"/>
+              </a:rPr>
+              <a:t>: MAYORÍA DE NO ASEGURADOS</a:t>
+            </a:r>
+            <a:endParaRPr sz="800">
+              <a:latin typeface="Roboto"/>
+              <a:ea typeface="Roboto"/>
+              <a:cs typeface="Roboto"/>
+              <a:sym typeface="Roboto"/>
+            </a:endParaRPr>
+          </a:p>
+        </p:txBody>
+      </p:sp>
+    </p:spTree>
+  </p:cSld>
+  <p:clrMapOvr>
+    <a:masterClrMapping/>
+  </p:clrMapOvr>
+</p:sld>
+</file>
+
+<file path=ppt/slides/slide8.xml><?xml version="1.0" encoding="utf-8"?>
+<p:sld xmlns:a="http://schemas.openxmlformats.org/drawingml/2006/main" xmlns:r="http://schemas.openxmlformats.org/officeDocument/2006/relationships" xmlns:mc="http://schemas.openxmlformats.org/markup-compatibility/2006" xmlns:mv="urn:schemas-microsoft-com:mac:vml" xmlns:p="http://schemas.openxmlformats.org/presentationml/2006/main" xmlns:c="http://schemas.openxmlformats.org/drawingml/2006/chart" xmlns:dgm="http://schemas.openxmlformats.org/drawingml/2006/diagram" xmlns:o="urn:schemas-microsoft-com:office:office" xmlns:v="urn:schemas-microsoft-com:vml" xmlns:pvml="urn:schemas-microsoft-com:office:powerpoint" xmlns:com="http://schemas.openxmlformats.org/drawingml/2006/compatibility" xmlns:p14="http://schemas.microsoft.com/office/powerpoint/2010/main" xmlns:p15="http://schemas.microsoft.com/office/powerpoint/2012/main" xmlns:ahyp="http://schemas.microsoft.com/office/drawing/2018/hyperlinkcolor">
+  <p:cSld>
+    <p:spTree>
+      <p:nvGrpSpPr>
+        <p:cNvPr id="179" name="Shape 179"/>
         <p:cNvGrpSpPr/>
         <p:nvPr/>
       </p:nvGrpSpPr>
@@ -9570,7 +14367,7 @@
       </p:grpSpPr>
       <p:sp>
         <p:nvSpPr>
-          <p:cNvPr id="127" name="Google Shape;127;p19"/>
+          <p:cNvPr id="180" name="Google Shape;180;p20"/>
           <p:cNvSpPr txBox="1"/>
           <p:nvPr>
             <p:ph type="title"/>
@@ -9616,7 +14413,7 @@
                 <a:cs typeface="Roboto Light"/>
                 <a:sym typeface="Roboto Light"/>
               </a:rPr>
-              <a:t>Modelo: Árbol de decisiones</a:t>
+              <a:t>Modelo 1: Árbol de decisiones</a:t>
             </a:r>
             <a:endParaRPr>
               <a:solidFill>
@@ -9632,14 +14429,14 @@
       </p:sp>
       <p:sp>
         <p:nvSpPr>
-          <p:cNvPr id="128" name="Google Shape;128;p19"/>
+          <p:cNvPr id="181" name="Google Shape;181;p20"/>
           <p:cNvSpPr txBox="1"/>
           <p:nvPr/>
         </p:nvSpPr>
         <p:spPr>
           <a:xfrm>
-            <a:off x="309800" y="1385425"/>
-            <a:ext cx="3045000" cy="3417000"/>
+            <a:off x="5264050" y="1215800"/>
+            <a:ext cx="3696000" cy="1339200"/>
           </a:xfrm>
           <a:prstGeom prst="rect">
             <a:avLst/>
@@ -9674,7 +14471,7 @@
                 <a:cs typeface="Roboto"/>
                 <a:sym typeface="Roboto"/>
               </a:rPr>
-              <a:t>Dividimos a los clientes entre aquellos que cuentan o no cuentan con determinada característica y analizamos el porcentaje de asegurados en cada categoría</a:t>
+              <a:t>De acuerdo con lo visto en el análisis exploratorio el modelo le da principal importancia a que el cliente haya viajado al exterior alguna vez, así como a la edad y la composición familiar</a:t>
             </a:r>
             <a:endParaRPr sz="1500">
               <a:solidFill>
@@ -9686,6 +14483,182 @@
               <a:sym typeface="Roboto"/>
             </a:endParaRPr>
           </a:p>
+        </p:txBody>
+      </p:sp>
+      <p:pic>
+        <p:nvPicPr>
+          <p:cNvPr id="182" name="Google Shape;182;p20"/>
+          <p:cNvPicPr preferRelativeResize="0"/>
+          <p:nvPr/>
+        </p:nvPicPr>
+        <p:blipFill>
+          <a:blip r:embed="rId3">
+            <a:alphaModFix/>
+          </a:blip>
+          <a:stretch>
+            <a:fillRect/>
+          </a:stretch>
+        </p:blipFill>
+        <p:spPr>
+          <a:xfrm>
+            <a:off x="152400" y="1170300"/>
+            <a:ext cx="5017900" cy="3551450"/>
+          </a:xfrm>
+          <a:prstGeom prst="rect">
+            <a:avLst/>
+          </a:prstGeom>
+          <a:noFill/>
+          <a:ln>
+            <a:noFill/>
+          </a:ln>
+        </p:spPr>
+      </p:pic>
+      <p:sp>
+        <p:nvSpPr>
+          <p:cNvPr id="183" name="Google Shape;183;p20"/>
+          <p:cNvSpPr txBox="1"/>
+          <p:nvPr/>
+        </p:nvSpPr>
+        <p:spPr>
+          <a:xfrm>
+            <a:off x="5789775" y="2571750"/>
+            <a:ext cx="2799300" cy="1062000"/>
+          </a:xfrm>
+          <a:prstGeom prst="rect">
+            <a:avLst/>
+          </a:prstGeom>
+          <a:noFill/>
+          <a:ln>
+            <a:noFill/>
+          </a:ln>
+        </p:spPr>
+        <p:txBody>
+          <a:bodyPr anchorCtr="0" anchor="t" bIns="91425" lIns="91425" spcFirstLastPara="1" rIns="91425" wrap="square" tIns="91425">
+            <a:spAutoFit/>
+          </a:bodyPr>
+          <a:lstStyle/>
+          <a:p>
+            <a:pPr indent="0" lvl="0" marL="0" rtl="0" algn="l">
+              <a:spcBef>
+                <a:spcPts val="0"/>
+              </a:spcBef>
+              <a:spcAft>
+                <a:spcPts val="0"/>
+              </a:spcAft>
+              <a:buNone/>
+            </a:pPr>
+            <a:r>
+              <a:rPr b="1" lang="es" sz="1900">
+                <a:solidFill>
+                  <a:srgbClr val="1155CC"/>
+                </a:solidFill>
+                <a:latin typeface="Roboto"/>
+                <a:ea typeface="Roboto"/>
+                <a:cs typeface="Roboto"/>
+                <a:sym typeface="Roboto"/>
+              </a:rPr>
+              <a:t>Métricas del modelo</a:t>
+            </a:r>
+            <a:endParaRPr b="1" sz="1900">
+              <a:solidFill>
+                <a:srgbClr val="1155CC"/>
+              </a:solidFill>
+              <a:latin typeface="Roboto"/>
+              <a:ea typeface="Roboto"/>
+              <a:cs typeface="Roboto"/>
+              <a:sym typeface="Roboto"/>
+            </a:endParaRPr>
+          </a:p>
+          <a:p>
+            <a:pPr indent="0" lvl="0" marL="0" rtl="0" algn="l">
+              <a:spcBef>
+                <a:spcPts val="0"/>
+              </a:spcBef>
+              <a:spcAft>
+                <a:spcPts val="0"/>
+              </a:spcAft>
+              <a:buNone/>
+            </a:pPr>
+            <a:r>
+              <a:rPr lang="es" sz="1900">
+                <a:solidFill>
+                  <a:srgbClr val="1155CC"/>
+                </a:solidFill>
+                <a:latin typeface="Roboto"/>
+                <a:ea typeface="Roboto"/>
+                <a:cs typeface="Roboto"/>
+                <a:sym typeface="Roboto"/>
+              </a:rPr>
+              <a:t>Precision: 88%</a:t>
+            </a:r>
+            <a:endParaRPr sz="1900">
+              <a:solidFill>
+                <a:srgbClr val="1155CC"/>
+              </a:solidFill>
+              <a:latin typeface="Roboto"/>
+              <a:ea typeface="Roboto"/>
+              <a:cs typeface="Roboto"/>
+              <a:sym typeface="Roboto"/>
+            </a:endParaRPr>
+          </a:p>
+          <a:p>
+            <a:pPr indent="0" lvl="0" marL="0" rtl="0" algn="l">
+              <a:spcBef>
+                <a:spcPts val="0"/>
+              </a:spcBef>
+              <a:spcAft>
+                <a:spcPts val="0"/>
+              </a:spcAft>
+              <a:buNone/>
+            </a:pPr>
+            <a:r>
+              <a:rPr lang="es" sz="1900">
+                <a:solidFill>
+                  <a:srgbClr val="1155CC"/>
+                </a:solidFill>
+                <a:latin typeface="Roboto"/>
+                <a:ea typeface="Roboto"/>
+                <a:cs typeface="Roboto"/>
+                <a:sym typeface="Roboto"/>
+              </a:rPr>
+              <a:t>Recall: 53%</a:t>
+            </a:r>
+            <a:endParaRPr sz="1900">
+              <a:solidFill>
+                <a:srgbClr val="1155CC"/>
+              </a:solidFill>
+              <a:latin typeface="Roboto"/>
+              <a:ea typeface="Roboto"/>
+              <a:cs typeface="Roboto"/>
+              <a:sym typeface="Roboto"/>
+            </a:endParaRPr>
+          </a:p>
+        </p:txBody>
+      </p:sp>
+      <p:sp>
+        <p:nvSpPr>
+          <p:cNvPr id="184" name="Google Shape;184;p20"/>
+          <p:cNvSpPr txBox="1"/>
+          <p:nvPr/>
+        </p:nvSpPr>
+        <p:spPr>
+          <a:xfrm>
+            <a:off x="5217100" y="3650500"/>
+            <a:ext cx="3789900" cy="1339200"/>
+          </a:xfrm>
+          <a:prstGeom prst="rect">
+            <a:avLst/>
+          </a:prstGeom>
+          <a:noFill/>
+          <a:ln>
+            <a:noFill/>
+          </a:ln>
+        </p:spPr>
+        <p:txBody>
+          <a:bodyPr anchorCtr="0" anchor="t" bIns="91425" lIns="91425" spcFirstLastPara="1" rIns="91425" wrap="square" tIns="91425">
+            <a:spAutoFit/>
+          </a:bodyPr>
+          <a:lstStyle/>
           <a:p>
             <a:pPr indent="0" lvl="0" marL="0" rtl="0" algn="r">
               <a:spcBef>
@@ -9697,7 +14670,16 @@
               <a:buNone/>
             </a:pPr>
             <a:r>
-              <a:t/>
+              <a:rPr lang="es" sz="1500">
+                <a:solidFill>
+                  <a:schemeClr val="dk2"/>
+                </a:solidFill>
+                <a:latin typeface="Roboto"/>
+                <a:ea typeface="Roboto"/>
+                <a:cs typeface="Roboto"/>
+                <a:sym typeface="Roboto"/>
+              </a:rPr>
+              <a:t>El modelo genera muy pocos falsos positivos, pero genera muchos falsos negativos. </a:t>
             </a:r>
             <a:endParaRPr sz="1500">
               <a:solidFill>
@@ -9729,7 +14711,7 @@
                 <a:cs typeface="Roboto"/>
                 <a:sym typeface="Roboto"/>
               </a:rPr>
-              <a:t>La mayor proporción de asegurados está entre quienes han viajado antes al exterior. </a:t>
+              <a:t>Es bueno para minimizar pérdidas pero no para maximizar ventas</a:t>
             </a:r>
             <a:endParaRPr b="1" sz="1500">
               <a:solidFill>
@@ -9741,18 +14723,167 @@
               <a:sym typeface="Roboto"/>
             </a:endParaRPr>
           </a:p>
-          <a:p>
-            <a:pPr indent="0" lvl="0" marL="0" rtl="0" algn="r">
-              <a:spcBef>
-                <a:spcPts val="0"/>
-              </a:spcBef>
-              <a:spcAft>
-                <a:spcPts val="0"/>
-              </a:spcAft>
-              <a:buNone/>
-            </a:pPr>
-            <a:r>
-              <a:t/>
+        </p:txBody>
+      </p:sp>
+    </p:spTree>
+  </p:cSld>
+  <p:clrMapOvr>
+    <a:masterClrMapping/>
+  </p:clrMapOvr>
+</p:sld>
+</file>
+
+<file path=ppt/slides/slide9.xml><?xml version="1.0" encoding="utf-8"?>
+<p:sld xmlns:a="http://schemas.openxmlformats.org/drawingml/2006/main" xmlns:r="http://schemas.openxmlformats.org/officeDocument/2006/relationships" xmlns:mc="http://schemas.openxmlformats.org/markup-compatibility/2006" xmlns:mv="urn:schemas-microsoft-com:mac:vml" xmlns:p="http://schemas.openxmlformats.org/presentationml/2006/main" xmlns:c="http://schemas.openxmlformats.org/drawingml/2006/chart" xmlns:dgm="http://schemas.openxmlformats.org/drawingml/2006/diagram" xmlns:o="urn:schemas-microsoft-com:office:office" xmlns:v="urn:schemas-microsoft-com:vml" xmlns:pvml="urn:schemas-microsoft-com:office:powerpoint" xmlns:com="http://schemas.openxmlformats.org/drawingml/2006/compatibility" xmlns:p14="http://schemas.microsoft.com/office/powerpoint/2010/main" xmlns:p15="http://schemas.microsoft.com/office/powerpoint/2012/main" xmlns:ahyp="http://schemas.microsoft.com/office/drawing/2018/hyperlinkcolor">
+  <p:cSld>
+    <p:spTree>
+      <p:nvGrpSpPr>
+        <p:cNvPr id="188" name="Shape 188"/>
+        <p:cNvGrpSpPr/>
+        <p:nvPr/>
+      </p:nvGrpSpPr>
+      <p:grpSpPr>
+        <a:xfrm>
+          <a:off x="0" y="0"/>
+          <a:ext cx="0" cy="0"/>
+          <a:chOff x="0" y="0"/>
+          <a:chExt cx="0" cy="0"/>
+        </a:xfrm>
+      </p:grpSpPr>
+      <p:pic>
+        <p:nvPicPr>
+          <p:cNvPr id="189" name="Google Shape;189;p21"/>
+          <p:cNvPicPr preferRelativeResize="0"/>
+          <p:nvPr/>
+        </p:nvPicPr>
+        <p:blipFill rotWithShape="1">
+          <a:blip r:embed="rId3">
+            <a:alphaModFix/>
+          </a:blip>
+          <a:srcRect b="39178" l="0" r="0" t="33603"/>
+          <a:stretch/>
+        </p:blipFill>
+        <p:spPr>
+          <a:xfrm>
+            <a:off x="5886850" y="4172367"/>
+            <a:ext cx="3044999" cy="640095"/>
+          </a:xfrm>
+          <a:prstGeom prst="rect">
+            <a:avLst/>
+          </a:prstGeom>
+          <a:noFill/>
+          <a:ln>
+            <a:noFill/>
+          </a:ln>
+        </p:spPr>
+      </p:pic>
+      <p:sp>
+        <p:nvSpPr>
+          <p:cNvPr id="190" name="Google Shape;190;p21"/>
+          <p:cNvSpPr txBox="1"/>
+          <p:nvPr>
+            <p:ph type="title"/>
+          </p:nvPr>
+        </p:nvSpPr>
+        <p:spPr>
+          <a:xfrm>
+            <a:off x="0" y="0"/>
+            <a:ext cx="9144000" cy="1017900"/>
+          </a:xfrm>
+          <a:prstGeom prst="rect">
+            <a:avLst/>
+          </a:prstGeom>
+          <a:solidFill>
+            <a:schemeClr val="dk2"/>
+          </a:solidFill>
+        </p:spPr>
+        <p:txBody>
+          <a:bodyPr anchorCtr="0" anchor="ctr" bIns="91425" lIns="91425" spcFirstLastPara="1" rIns="91425" wrap="square" tIns="91425">
+            <a:normAutofit/>
+          </a:bodyPr>
+          <a:lstStyle/>
+          <a:p>
+            <a:pPr indent="0" lvl="0" marL="0" marR="0" rtl="0" algn="ctr">
+              <a:lnSpc>
+                <a:spcPct val="100000"/>
+              </a:lnSpc>
+              <a:spcBef>
+                <a:spcPts val="0"/>
+              </a:spcBef>
+              <a:spcAft>
+                <a:spcPts val="0"/>
+              </a:spcAft>
+              <a:buNone/>
+            </a:pPr>
+            <a:r>
+              <a:rPr lang="es">
+                <a:solidFill>
+                  <a:schemeClr val="lt1"/>
+                </a:solidFill>
+                <a:latin typeface="Roboto Light"/>
+                <a:ea typeface="Roboto Light"/>
+                <a:cs typeface="Roboto Light"/>
+                <a:sym typeface="Roboto Light"/>
+              </a:rPr>
+              <a:t>Modelos alternativos</a:t>
+            </a:r>
+            <a:endParaRPr>
+              <a:solidFill>
+                <a:schemeClr val="lt1"/>
+              </a:solidFill>
+              <a:latin typeface="Roboto Light"/>
+              <a:ea typeface="Roboto Light"/>
+              <a:cs typeface="Roboto Light"/>
+              <a:sym typeface="Roboto Light"/>
+            </a:endParaRPr>
+          </a:p>
+        </p:txBody>
+      </p:sp>
+      <p:sp>
+        <p:nvSpPr>
+          <p:cNvPr id="191" name="Google Shape;191;p21"/>
+          <p:cNvSpPr txBox="1"/>
+          <p:nvPr/>
+        </p:nvSpPr>
+        <p:spPr>
+          <a:xfrm>
+            <a:off x="517625" y="1571550"/>
+            <a:ext cx="3045000" cy="2262600"/>
+          </a:xfrm>
+          <a:prstGeom prst="rect">
+            <a:avLst/>
+          </a:prstGeom>
+          <a:noFill/>
+          <a:ln>
+            <a:noFill/>
+          </a:ln>
+        </p:spPr>
+        <p:txBody>
+          <a:bodyPr anchorCtr="0" anchor="t" bIns="91425" lIns="91425" spcFirstLastPara="1" rIns="91425" wrap="square" tIns="91425">
+            <a:spAutoFit/>
+          </a:bodyPr>
+          <a:lstStyle/>
+          <a:p>
+            <a:pPr indent="0" lvl="0" marL="0" rtl="0" algn="l">
+              <a:spcBef>
+                <a:spcPts val="0"/>
+              </a:spcBef>
+              <a:spcAft>
+                <a:spcPts val="0"/>
+              </a:spcAft>
+              <a:buNone/>
+            </a:pPr>
+            <a:r>
+              <a:rPr lang="es" sz="1500">
+                <a:solidFill>
+                  <a:schemeClr val="dk2"/>
+                </a:solidFill>
+                <a:latin typeface="Roboto"/>
+                <a:ea typeface="Roboto"/>
+                <a:cs typeface="Roboto"/>
+                <a:sym typeface="Roboto"/>
+              </a:rPr>
+              <a:t>Con el objetivo de obtener un modelo que genere una menor tasa de falsos negativos, se prueban 3 modelos alternativos:</a:t>
             </a:r>
             <a:endParaRPr sz="1500">
               <a:solidFill>
@@ -9765,26 +14896,17 @@
             </a:endParaRPr>
           </a:p>
           <a:p>
-            <a:pPr indent="0" lvl="0" marL="0" rtl="0" algn="r">
-              <a:spcBef>
-                <a:spcPts val="0"/>
-              </a:spcBef>
-              <a:spcAft>
-                <a:spcPts val="0"/>
-              </a:spcAft>
-              <a:buNone/>
-            </a:pPr>
-            <a:r>
-              <a:rPr lang="es" sz="1500">
-                <a:solidFill>
-                  <a:schemeClr val="dk2"/>
-                </a:solidFill>
-                <a:latin typeface="Roboto"/>
-                <a:ea typeface="Roboto"/>
-                <a:cs typeface="Roboto"/>
-                <a:sym typeface="Roboto"/>
-              </a:rPr>
-              <a:t>Contrariamente, entre quienes no lo han hecho está la menor proporción de asegurados.</a:t>
+            <a:pPr indent="0" lvl="0" marL="457200" rtl="0" algn="l">
+              <a:spcBef>
+                <a:spcPts val="0"/>
+              </a:spcBef>
+              <a:spcAft>
+                <a:spcPts val="0"/>
+              </a:spcAft>
+              <a:buNone/>
+            </a:pPr>
+            <a:r>
+              <a:t/>
             </a:r>
             <a:endParaRPr sz="1500">
               <a:solidFill>
@@ -9796,8 +14918,196 @@
               <a:sym typeface="Roboto"/>
             </a:endParaRPr>
           </a:p>
+          <a:p>
+            <a:pPr indent="0" lvl="0" marL="457200" rtl="0" algn="l">
+              <a:spcBef>
+                <a:spcPts val="0"/>
+              </a:spcBef>
+              <a:spcAft>
+                <a:spcPts val="0"/>
+              </a:spcAft>
+              <a:buNone/>
+            </a:pPr>
+            <a:r>
+              <a:t/>
+            </a:r>
+            <a:endParaRPr sz="1500">
+              <a:solidFill>
+                <a:schemeClr val="dk2"/>
+              </a:solidFill>
+              <a:latin typeface="Roboto"/>
+              <a:ea typeface="Roboto"/>
+              <a:cs typeface="Roboto"/>
+              <a:sym typeface="Roboto"/>
+            </a:endParaRPr>
+          </a:p>
+          <a:p>
+            <a:pPr indent="-323850" lvl="0" marL="457200" rtl="0" algn="l">
+              <a:spcBef>
+                <a:spcPts val="0"/>
+              </a:spcBef>
+              <a:spcAft>
+                <a:spcPts val="0"/>
+              </a:spcAft>
+              <a:buClr>
+                <a:schemeClr val="dk2"/>
+              </a:buClr>
+              <a:buSzPts val="1500"/>
+              <a:buFont typeface="Roboto"/>
+              <a:buChar char="●"/>
+            </a:pPr>
+            <a:r>
+              <a:rPr b="1" lang="es" sz="1500">
+                <a:solidFill>
+                  <a:schemeClr val="dk2"/>
+                </a:solidFill>
+                <a:latin typeface="Roboto"/>
+                <a:ea typeface="Roboto"/>
+                <a:cs typeface="Roboto"/>
+                <a:sym typeface="Roboto"/>
+              </a:rPr>
+              <a:t>Random Forest</a:t>
+            </a:r>
+            <a:endParaRPr b="1" sz="1500">
+              <a:solidFill>
+                <a:schemeClr val="dk2"/>
+              </a:solidFill>
+              <a:latin typeface="Roboto"/>
+              <a:ea typeface="Roboto"/>
+              <a:cs typeface="Roboto"/>
+              <a:sym typeface="Roboto"/>
+            </a:endParaRPr>
+          </a:p>
+          <a:p>
+            <a:pPr indent="-323850" lvl="0" marL="457200" rtl="0" algn="l">
+              <a:spcBef>
+                <a:spcPts val="0"/>
+              </a:spcBef>
+              <a:spcAft>
+                <a:spcPts val="0"/>
+              </a:spcAft>
+              <a:buClr>
+                <a:schemeClr val="dk2"/>
+              </a:buClr>
+              <a:buSzPts val="1500"/>
+              <a:buFont typeface="Roboto"/>
+              <a:buChar char="●"/>
+            </a:pPr>
+            <a:r>
+              <a:rPr b="1" lang="es" sz="1500">
+                <a:solidFill>
+                  <a:schemeClr val="dk2"/>
+                </a:solidFill>
+                <a:latin typeface="Roboto"/>
+                <a:ea typeface="Roboto"/>
+                <a:cs typeface="Roboto"/>
+                <a:sym typeface="Roboto"/>
+              </a:rPr>
+              <a:t>Adaboost</a:t>
+            </a:r>
+            <a:endParaRPr b="1" sz="1500">
+              <a:solidFill>
+                <a:schemeClr val="dk2"/>
+              </a:solidFill>
+              <a:latin typeface="Roboto"/>
+              <a:ea typeface="Roboto"/>
+              <a:cs typeface="Roboto"/>
+              <a:sym typeface="Roboto"/>
+            </a:endParaRPr>
+          </a:p>
+          <a:p>
+            <a:pPr indent="-323850" lvl="0" marL="457200" rtl="0" algn="l">
+              <a:spcBef>
+                <a:spcPts val="0"/>
+              </a:spcBef>
+              <a:spcAft>
+                <a:spcPts val="0"/>
+              </a:spcAft>
+              <a:buClr>
+                <a:schemeClr val="dk2"/>
+              </a:buClr>
+              <a:buSzPts val="1500"/>
+              <a:buFont typeface="Roboto"/>
+              <a:buChar char="●"/>
+            </a:pPr>
+            <a:r>
+              <a:rPr b="1" lang="es" sz="1500">
+                <a:solidFill>
+                  <a:schemeClr val="dk2"/>
+                </a:solidFill>
+                <a:latin typeface="Roboto"/>
+                <a:ea typeface="Roboto"/>
+                <a:cs typeface="Roboto"/>
+                <a:sym typeface="Roboto"/>
+              </a:rPr>
+              <a:t>XGboot</a:t>
+            </a:r>
+            <a:endParaRPr b="1" sz="1500">
+              <a:solidFill>
+                <a:schemeClr val="dk2"/>
+              </a:solidFill>
+              <a:latin typeface="Roboto"/>
+              <a:ea typeface="Roboto"/>
+              <a:cs typeface="Roboto"/>
+              <a:sym typeface="Roboto"/>
+            </a:endParaRPr>
+          </a:p>
         </p:txBody>
       </p:sp>
+      <p:pic>
+        <p:nvPicPr>
+          <p:cNvPr id="192" name="Google Shape;192;p21"/>
+          <p:cNvPicPr preferRelativeResize="0"/>
+          <p:nvPr/>
+        </p:nvPicPr>
+        <p:blipFill rotWithShape="1">
+          <a:blip r:embed="rId4">
+            <a:alphaModFix/>
+          </a:blip>
+          <a:srcRect b="0" l="0" r="0" t="40599"/>
+          <a:stretch/>
+        </p:blipFill>
+        <p:spPr>
+          <a:xfrm>
+            <a:off x="3952033" y="4235337"/>
+            <a:ext cx="2249417" cy="514175"/>
+          </a:xfrm>
+          <a:prstGeom prst="rect">
+            <a:avLst/>
+          </a:prstGeom>
+          <a:noFill/>
+          <a:ln>
+            <a:noFill/>
+          </a:ln>
+        </p:spPr>
+      </p:pic>
+      <p:pic>
+        <p:nvPicPr>
+          <p:cNvPr id="193" name="Google Shape;193;p21"/>
+          <p:cNvPicPr preferRelativeResize="0"/>
+          <p:nvPr/>
+        </p:nvPicPr>
+        <p:blipFill rotWithShape="1">
+          <a:blip r:embed="rId5">
+            <a:alphaModFix/>
+          </a:blip>
+          <a:srcRect b="6059" l="0" r="0" t="0"/>
+          <a:stretch/>
+        </p:blipFill>
+        <p:spPr>
+          <a:xfrm>
+            <a:off x="4729300" y="1217413"/>
+            <a:ext cx="3533148" cy="2755450"/>
+          </a:xfrm>
+          <a:prstGeom prst="rect">
+            <a:avLst/>
+          </a:prstGeom>
+          <a:noFill/>
+          <a:ln>
+            <a:noFill/>
+          </a:ln>
+        </p:spPr>
+      </p:pic>
     </p:spTree>
   </p:cSld>
   <p:clrMapOvr>

--- a/Travel Insurance - Leandro Hornos.pptx
+++ b/Travel Insurance - Leandro Hornos.pptx
@@ -15117,6 +15117,285 @@
 </file>
 
 <file path=ppt/theme/theme1.xml><?xml version="1.0" encoding="utf-8"?>
+<a:theme xmlns:a="http://schemas.openxmlformats.org/drawingml/2006/main" xmlns:r="http://schemas.openxmlformats.org/officeDocument/2006/relationships" name="Simple Light">
+  <a:themeElements>
+    <a:clrScheme name="Simple Light">
+      <a:dk1>
+        <a:srgbClr val="000000"/>
+      </a:dk1>
+      <a:lt1>
+        <a:srgbClr val="FFFFFF"/>
+      </a:lt1>
+      <a:dk2>
+        <a:srgbClr val="595959"/>
+      </a:dk2>
+      <a:lt2>
+        <a:srgbClr val="EEEEEE"/>
+      </a:lt2>
+      <a:accent1>
+        <a:srgbClr val="4285F4"/>
+      </a:accent1>
+      <a:accent2>
+        <a:srgbClr val="212121"/>
+      </a:accent2>
+      <a:accent3>
+        <a:srgbClr val="78909C"/>
+      </a:accent3>
+      <a:accent4>
+        <a:srgbClr val="FFAB40"/>
+      </a:accent4>
+      <a:accent5>
+        <a:srgbClr val="0097A7"/>
+      </a:accent5>
+      <a:accent6>
+        <a:srgbClr val="EEFF41"/>
+      </a:accent6>
+      <a:hlink>
+        <a:srgbClr val="0097A7"/>
+      </a:hlink>
+      <a:folHlink>
+        <a:srgbClr val="0097A7"/>
+      </a:folHlink>
+    </a:clrScheme>
+    <a:fontScheme name="Office">
+      <a:majorFont>
+        <a:latin typeface="Arial"/>
+        <a:ea typeface=""/>
+        <a:cs typeface=""/>
+        <a:font script="Jpan" typeface="ＭＳ Ｐゴシック"/>
+        <a:font script="Hang" typeface="맑은 고딕"/>
+        <a:font script="Hans" typeface="宋体"/>
+        <a:font script="Hant" typeface="新細明體"/>
+        <a:font script="Arab" typeface="Times New Roman"/>
+        <a:font script="Hebr" typeface="Times New Roman"/>
+        <a:font script="Thai" typeface="Angsana New"/>
+        <a:font script="Ethi" typeface="Nyala"/>
+        <a:font script="Beng" typeface="Vrinda"/>
+        <a:font script="Gujr" typeface="Shruti"/>
+        <a:font script="Khmr" typeface="MoolBoran"/>
+        <a:font script="Knda" typeface="Tunga"/>
+        <a:font script="Guru" typeface="Raavi"/>
+        <a:font script="Cans" typeface="Euphemia"/>
+        <a:font script="Cher" typeface="Plantagenet Cherokee"/>
+        <a:font script="Yiii" typeface="Microsoft Yi Baiti"/>
+        <a:font script="Tibt" typeface="Microsoft Himalaya"/>
+        <a:font script="Thaa" typeface="MV Boli"/>
+        <a:font script="Deva" typeface="Mangal"/>
+        <a:font script="Telu" typeface="Gautami"/>
+        <a:font script="Taml" typeface="Latha"/>
+        <a:font script="Syrc" typeface="Estrangelo Edessa"/>
+        <a:font script="Orya" typeface="Kalinga"/>
+        <a:font script="Mlym" typeface="Kartika"/>
+        <a:font script="Laoo" typeface="DokChampa"/>
+        <a:font script="Sinh" typeface="Iskoola Pota"/>
+        <a:font script="Mong" typeface="Mongolian Baiti"/>
+        <a:font script="Viet" typeface="Times New Roman"/>
+        <a:font script="Uigh" typeface="Microsoft Uighur"/>
+        <a:font script="Geor" typeface="Sylfaen"/>
+      </a:majorFont>
+      <a:minorFont>
+        <a:latin typeface="Arial"/>
+        <a:ea typeface=""/>
+        <a:cs typeface=""/>
+        <a:font script="Jpan" typeface="ＭＳ Ｐゴシック"/>
+        <a:font script="Hang" typeface="맑은 고딕"/>
+        <a:font script="Hans" typeface="宋体"/>
+        <a:font script="Hant" typeface="新細明體"/>
+        <a:font script="Arab" typeface="Arial"/>
+        <a:font script="Hebr" typeface="Arial"/>
+        <a:font script="Thai" typeface="Cordia New"/>
+        <a:font script="Ethi" typeface="Nyala"/>
+        <a:font script="Beng" typeface="Vrinda"/>
+        <a:font script="Gujr" typeface="Shruti"/>
+        <a:font script="Khmr" typeface="DaunPenh"/>
+        <a:font script="Knda" typeface="Tunga"/>
+        <a:font script="Guru" typeface="Raavi"/>
+        <a:font script="Cans" typeface="Euphemia"/>
+        <a:font script="Cher" typeface="Plantagenet Cherokee"/>
+        <a:font script="Yiii" typeface="Microsoft Yi Baiti"/>
+        <a:font script="Tibt" typeface="Microsoft Himalaya"/>
+        <a:font script="Thaa" typeface="MV Boli"/>
+        <a:font script="Deva" typeface="Mangal"/>
+        <a:font script="Telu" typeface="Gautami"/>
+        <a:font script="Taml" typeface="Latha"/>
+        <a:font script="Syrc" typeface="Estrangelo Edessa"/>
+        <a:font script="Orya" typeface="Kalinga"/>
+        <a:font script="Mlym" typeface="Kartika"/>
+        <a:font script="Laoo" typeface="DokChampa"/>
+        <a:font script="Sinh" typeface="Iskoola Pota"/>
+        <a:font script="Mong" typeface="Mongolian Baiti"/>
+        <a:font script="Viet" typeface="Arial"/>
+        <a:font script="Uigh" typeface="Microsoft Uighur"/>
+        <a:font script="Geor" typeface="Sylfaen"/>
+      </a:minorFont>
+    </a:fontScheme>
+    <a:fmtScheme name="Office">
+      <a:fillStyleLst>
+        <a:solidFill>
+          <a:schemeClr val="phClr"/>
+        </a:solidFill>
+        <a:gradFill rotWithShape="1">
+          <a:gsLst>
+            <a:gs pos="0">
+              <a:schemeClr val="phClr">
+                <a:tint val="50000"/>
+                <a:satMod val="300000"/>
+              </a:schemeClr>
+            </a:gs>
+            <a:gs pos="35000">
+              <a:schemeClr val="phClr">
+                <a:tint val="37000"/>
+                <a:satMod val="300000"/>
+              </a:schemeClr>
+            </a:gs>
+            <a:gs pos="100000">
+              <a:schemeClr val="phClr">
+                <a:tint val="15000"/>
+                <a:satMod val="350000"/>
+              </a:schemeClr>
+            </a:gs>
+          </a:gsLst>
+          <a:lin ang="16200000" scaled="1"/>
+        </a:gradFill>
+        <a:gradFill rotWithShape="1">
+          <a:gsLst>
+            <a:gs pos="0">
+              <a:schemeClr val="phClr">
+                <a:tint val="100000"/>
+                <a:shade val="100000"/>
+                <a:satMod val="130000"/>
+              </a:schemeClr>
+            </a:gs>
+            <a:gs pos="100000">
+              <a:schemeClr val="phClr">
+                <a:tint val="50000"/>
+                <a:shade val="100000"/>
+                <a:satMod val="350000"/>
+              </a:schemeClr>
+            </a:gs>
+          </a:gsLst>
+          <a:lin ang="16200000" scaled="0"/>
+        </a:gradFill>
+      </a:fillStyleLst>
+      <a:lnStyleLst>
+        <a:ln w="9525" cap="flat" cmpd="sng" algn="ctr">
+          <a:solidFill>
+            <a:schemeClr val="phClr">
+              <a:shade val="95000"/>
+              <a:satMod val="105000"/>
+            </a:schemeClr>
+          </a:solidFill>
+          <a:prstDash val="solid"/>
+        </a:ln>
+        <a:ln w="25400" cap="flat" cmpd="sng" algn="ctr">
+          <a:solidFill>
+            <a:schemeClr val="phClr"/>
+          </a:solidFill>
+          <a:prstDash val="solid"/>
+        </a:ln>
+        <a:ln w="38100" cap="flat" cmpd="sng" algn="ctr">
+          <a:solidFill>
+            <a:schemeClr val="phClr"/>
+          </a:solidFill>
+          <a:prstDash val="solid"/>
+        </a:ln>
+      </a:lnStyleLst>
+      <a:effectStyleLst>
+        <a:effectStyle>
+          <a:effectLst>
+            <a:outerShdw blurRad="40000" dist="20000" dir="5400000" rotWithShape="0">
+              <a:srgbClr val="000000">
+                <a:alpha val="38000"/>
+              </a:srgbClr>
+            </a:outerShdw>
+          </a:effectLst>
+        </a:effectStyle>
+        <a:effectStyle>
+          <a:effectLst>
+            <a:outerShdw blurRad="40000" dist="23000" dir="5400000" rotWithShape="0">
+              <a:srgbClr val="000000">
+                <a:alpha val="35000"/>
+              </a:srgbClr>
+            </a:outerShdw>
+          </a:effectLst>
+        </a:effectStyle>
+        <a:effectStyle>
+          <a:effectLst>
+            <a:outerShdw blurRad="40000" dist="23000" dir="5400000" rotWithShape="0">
+              <a:srgbClr val="000000">
+                <a:alpha val="35000"/>
+              </a:srgbClr>
+            </a:outerShdw>
+          </a:effectLst>
+          <a:scene3d>
+            <a:camera prst="orthographicFront">
+              <a:rot lat="0" lon="0" rev="0"/>
+            </a:camera>
+            <a:lightRig rig="threePt" dir="t">
+              <a:rot lat="0" lon="0" rev="1200000"/>
+            </a:lightRig>
+          </a:scene3d>
+          <a:sp3d>
+            <a:bevelT w="63500" h="25400"/>
+          </a:sp3d>
+        </a:effectStyle>
+      </a:effectStyleLst>
+      <a:bgFillStyleLst>
+        <a:solidFill>
+          <a:schemeClr val="phClr"/>
+        </a:solidFill>
+        <a:gradFill rotWithShape="1">
+          <a:gsLst>
+            <a:gs pos="0">
+              <a:schemeClr val="phClr">
+                <a:tint val="40000"/>
+                <a:satMod val="350000"/>
+              </a:schemeClr>
+            </a:gs>
+            <a:gs pos="40000">
+              <a:schemeClr val="phClr">
+                <a:tint val="45000"/>
+                <a:shade val="99000"/>
+                <a:satMod val="350000"/>
+              </a:schemeClr>
+            </a:gs>
+            <a:gs pos="100000">
+              <a:schemeClr val="phClr">
+                <a:shade val="20000"/>
+                <a:satMod val="255000"/>
+              </a:schemeClr>
+            </a:gs>
+          </a:gsLst>
+          <a:path path="circle">
+            <a:fillToRect l="50000" t="-80000" r="50000" b="180000"/>
+          </a:path>
+        </a:gradFill>
+        <a:gradFill rotWithShape="1">
+          <a:gsLst>
+            <a:gs pos="0">
+              <a:schemeClr val="phClr">
+                <a:tint val="80000"/>
+                <a:satMod val="300000"/>
+              </a:schemeClr>
+            </a:gs>
+            <a:gs pos="100000">
+              <a:schemeClr val="phClr">
+                <a:shade val="30000"/>
+                <a:satMod val="200000"/>
+              </a:schemeClr>
+            </a:gs>
+          </a:gsLst>
+          <a:path path="circle">
+            <a:fillToRect l="50000" t="50000" r="50000" b="50000"/>
+          </a:path>
+        </a:gradFill>
+      </a:bgFillStyleLst>
+    </a:fmtScheme>
+  </a:themeElements>
+</a:theme>
+</file>
+
+<file path=ppt/theme/theme2.xml><?xml version="1.0" encoding="utf-8"?>
 <a:theme xmlns:a="http://schemas.openxmlformats.org/drawingml/2006/main" xmlns:r="http://schemas.openxmlformats.org/officeDocument/2006/relationships">
   <a:themeElements>
     <a:clrScheme name="Default">
@@ -15393,283 +15672,4 @@
     </a:fmtScheme>
   </a:themeElements>
 </a:theme>
-</file>
-
-<file path=ppt/theme/theme2.xml><?xml version="1.0" encoding="utf-8"?>
-<a:theme xmlns:a="http://schemas.openxmlformats.org/drawingml/2006/main" xmlns:r="http://schemas.openxmlformats.org/officeDocument/2006/relationships" name="Simple Light">
-  <a:themeElements>
-    <a:clrScheme name="Simple Light">
-      <a:dk1>
-        <a:srgbClr val="000000"/>
-      </a:dk1>
-      <a:lt1>
-        <a:srgbClr val="FFFFFF"/>
-      </a:lt1>
-      <a:dk2>
-        <a:srgbClr val="595959"/>
-      </a:dk2>
-      <a:lt2>
-        <a:srgbClr val="EEEEEE"/>
-      </a:lt2>
-      <a:accent1>
-        <a:srgbClr val="4285F4"/>
-      </a:accent1>
-      <a:accent2>
-        <a:srgbClr val="212121"/>
-      </a:accent2>
-      <a:accent3>
-        <a:srgbClr val="78909C"/>
-      </a:accent3>
-      <a:accent4>
-        <a:srgbClr val="FFAB40"/>
-      </a:accent4>
-      <a:accent5>
-        <a:srgbClr val="0097A7"/>
-      </a:accent5>
-      <a:accent6>
-        <a:srgbClr val="EEFF41"/>
-      </a:accent6>
-      <a:hlink>
-        <a:srgbClr val="0097A7"/>
-      </a:hlink>
-      <a:folHlink>
-        <a:srgbClr val="0097A7"/>
-      </a:folHlink>
-    </a:clrScheme>
-    <a:fontScheme name="Office">
-      <a:majorFont>
-        <a:latin typeface="Arial"/>
-        <a:ea typeface=""/>
-        <a:cs typeface=""/>
-        <a:font script="Jpan" typeface="ＭＳ Ｐゴシック"/>
-        <a:font script="Hang" typeface="맑은 고딕"/>
-        <a:font script="Hans" typeface="宋体"/>
-        <a:font script="Hant" typeface="新細明體"/>
-        <a:font script="Arab" typeface="Times New Roman"/>
-        <a:font script="Hebr" typeface="Times New Roman"/>
-        <a:font script="Thai" typeface="Angsana New"/>
-        <a:font script="Ethi" typeface="Nyala"/>
-        <a:font script="Beng" typeface="Vrinda"/>
-        <a:font script="Gujr" typeface="Shruti"/>
-        <a:font script="Khmr" typeface="MoolBoran"/>
-        <a:font script="Knda" typeface="Tunga"/>
-        <a:font script="Guru" typeface="Raavi"/>
-        <a:font script="Cans" typeface="Euphemia"/>
-        <a:font script="Cher" typeface="Plantagenet Cherokee"/>
-        <a:font script="Yiii" typeface="Microsoft Yi Baiti"/>
-        <a:font script="Tibt" typeface="Microsoft Himalaya"/>
-        <a:font script="Thaa" typeface="MV Boli"/>
-        <a:font script="Deva" typeface="Mangal"/>
-        <a:font script="Telu" typeface="Gautami"/>
-        <a:font script="Taml" typeface="Latha"/>
-        <a:font script="Syrc" typeface="Estrangelo Edessa"/>
-        <a:font script="Orya" typeface="Kalinga"/>
-        <a:font script="Mlym" typeface="Kartika"/>
-        <a:font script="Laoo" typeface="DokChampa"/>
-        <a:font script="Sinh" typeface="Iskoola Pota"/>
-        <a:font script="Mong" typeface="Mongolian Baiti"/>
-        <a:font script="Viet" typeface="Times New Roman"/>
-        <a:font script="Uigh" typeface="Microsoft Uighur"/>
-        <a:font script="Geor" typeface="Sylfaen"/>
-      </a:majorFont>
-      <a:minorFont>
-        <a:latin typeface="Arial"/>
-        <a:ea typeface=""/>
-        <a:cs typeface=""/>
-        <a:font script="Jpan" typeface="ＭＳ Ｐゴシック"/>
-        <a:font script="Hang" typeface="맑은 고딕"/>
-        <a:font script="Hans" typeface="宋体"/>
-        <a:font script="Hant" typeface="新細明體"/>
-        <a:font script="Arab" typeface="Arial"/>
-        <a:font script="Hebr" typeface="Arial"/>
-        <a:font script="Thai" typeface="Cordia New"/>
-        <a:font script="Ethi" typeface="Nyala"/>
-        <a:font script="Beng" typeface="Vrinda"/>
-        <a:font script="Gujr" typeface="Shruti"/>
-        <a:font script="Khmr" typeface="DaunPenh"/>
-        <a:font script="Knda" typeface="Tunga"/>
-        <a:font script="Guru" typeface="Raavi"/>
-        <a:font script="Cans" typeface="Euphemia"/>
-        <a:font script="Cher" typeface="Plantagenet Cherokee"/>
-        <a:font script="Yiii" typeface="Microsoft Yi Baiti"/>
-        <a:font script="Tibt" typeface="Microsoft Himalaya"/>
-        <a:font script="Thaa" typeface="MV Boli"/>
-        <a:font script="Deva" typeface="Mangal"/>
-        <a:font script="Telu" typeface="Gautami"/>
-        <a:font script="Taml" typeface="Latha"/>
-        <a:font script="Syrc" typeface="Estrangelo Edessa"/>
-        <a:font script="Orya" typeface="Kalinga"/>
-        <a:font script="Mlym" typeface="Kartika"/>
-        <a:font script="Laoo" typeface="DokChampa"/>
-        <a:font script="Sinh" typeface="Iskoola Pota"/>
-        <a:font script="Mong" typeface="Mongolian Baiti"/>
-        <a:font script="Viet" typeface="Arial"/>
-        <a:font script="Uigh" typeface="Microsoft Uighur"/>
-        <a:font script="Geor" typeface="Sylfaen"/>
-      </a:minorFont>
-    </a:fontScheme>
-    <a:fmtScheme name="Office">
-      <a:fillStyleLst>
-        <a:solidFill>
-          <a:schemeClr val="phClr"/>
-        </a:solidFill>
-        <a:gradFill rotWithShape="1">
-          <a:gsLst>
-            <a:gs pos="0">
-              <a:schemeClr val="phClr">
-                <a:tint val="50000"/>
-                <a:satMod val="300000"/>
-              </a:schemeClr>
-            </a:gs>
-            <a:gs pos="35000">
-              <a:schemeClr val="phClr">
-                <a:tint val="37000"/>
-                <a:satMod val="300000"/>
-              </a:schemeClr>
-            </a:gs>
-            <a:gs pos="100000">
-              <a:schemeClr val="phClr">
-                <a:tint val="15000"/>
-                <a:satMod val="350000"/>
-              </a:schemeClr>
-            </a:gs>
-          </a:gsLst>
-          <a:lin ang="16200000" scaled="1"/>
-        </a:gradFill>
-        <a:gradFill rotWithShape="1">
-          <a:gsLst>
-            <a:gs pos="0">
-              <a:schemeClr val="phClr">
-                <a:tint val="100000"/>
-                <a:shade val="100000"/>
-                <a:satMod val="130000"/>
-              </a:schemeClr>
-            </a:gs>
-            <a:gs pos="100000">
-              <a:schemeClr val="phClr">
-                <a:tint val="50000"/>
-                <a:shade val="100000"/>
-                <a:satMod val="350000"/>
-              </a:schemeClr>
-            </a:gs>
-          </a:gsLst>
-          <a:lin ang="16200000" scaled="0"/>
-        </a:gradFill>
-      </a:fillStyleLst>
-      <a:lnStyleLst>
-        <a:ln w="9525" cap="flat" cmpd="sng" algn="ctr">
-          <a:solidFill>
-            <a:schemeClr val="phClr">
-              <a:shade val="95000"/>
-              <a:satMod val="105000"/>
-            </a:schemeClr>
-          </a:solidFill>
-          <a:prstDash val="solid"/>
-        </a:ln>
-        <a:ln w="25400" cap="flat" cmpd="sng" algn="ctr">
-          <a:solidFill>
-            <a:schemeClr val="phClr"/>
-          </a:solidFill>
-          <a:prstDash val="solid"/>
-        </a:ln>
-        <a:ln w="38100" cap="flat" cmpd="sng" algn="ctr">
-          <a:solidFill>
-            <a:schemeClr val="phClr"/>
-          </a:solidFill>
-          <a:prstDash val="solid"/>
-        </a:ln>
-      </a:lnStyleLst>
-      <a:effectStyleLst>
-        <a:effectStyle>
-          <a:effectLst>
-            <a:outerShdw blurRad="40000" dist="20000" dir="5400000" rotWithShape="0">
-              <a:srgbClr val="000000">
-                <a:alpha val="38000"/>
-              </a:srgbClr>
-            </a:outerShdw>
-          </a:effectLst>
-        </a:effectStyle>
-        <a:effectStyle>
-          <a:effectLst>
-            <a:outerShdw blurRad="40000" dist="23000" dir="5400000" rotWithShape="0">
-              <a:srgbClr val="000000">
-                <a:alpha val="35000"/>
-              </a:srgbClr>
-            </a:outerShdw>
-          </a:effectLst>
-        </a:effectStyle>
-        <a:effectStyle>
-          <a:effectLst>
-            <a:outerShdw blurRad="40000" dist="23000" dir="5400000" rotWithShape="0">
-              <a:srgbClr val="000000">
-                <a:alpha val="35000"/>
-              </a:srgbClr>
-            </a:outerShdw>
-          </a:effectLst>
-          <a:scene3d>
-            <a:camera prst="orthographicFront">
-              <a:rot lat="0" lon="0" rev="0"/>
-            </a:camera>
-            <a:lightRig rig="threePt" dir="t">
-              <a:rot lat="0" lon="0" rev="1200000"/>
-            </a:lightRig>
-          </a:scene3d>
-          <a:sp3d>
-            <a:bevelT w="63500" h="25400"/>
-          </a:sp3d>
-        </a:effectStyle>
-      </a:effectStyleLst>
-      <a:bgFillStyleLst>
-        <a:solidFill>
-          <a:schemeClr val="phClr"/>
-        </a:solidFill>
-        <a:gradFill rotWithShape="1">
-          <a:gsLst>
-            <a:gs pos="0">
-              <a:schemeClr val="phClr">
-                <a:tint val="40000"/>
-                <a:satMod val="350000"/>
-              </a:schemeClr>
-            </a:gs>
-            <a:gs pos="40000">
-              <a:schemeClr val="phClr">
-                <a:tint val="45000"/>
-                <a:shade val="99000"/>
-                <a:satMod val="350000"/>
-              </a:schemeClr>
-            </a:gs>
-            <a:gs pos="100000">
-              <a:schemeClr val="phClr">
-                <a:shade val="20000"/>
-                <a:satMod val="255000"/>
-              </a:schemeClr>
-            </a:gs>
-          </a:gsLst>
-          <a:path path="circle">
-            <a:fillToRect l="50000" t="-80000" r="50000" b="180000"/>
-          </a:path>
-        </a:gradFill>
-        <a:gradFill rotWithShape="1">
-          <a:gsLst>
-            <a:gs pos="0">
-              <a:schemeClr val="phClr">
-                <a:tint val="80000"/>
-                <a:satMod val="300000"/>
-              </a:schemeClr>
-            </a:gs>
-            <a:gs pos="100000">
-              <a:schemeClr val="phClr">
-                <a:shade val="30000"/>
-                <a:satMod val="200000"/>
-              </a:schemeClr>
-            </a:gs>
-          </a:gsLst>
-          <a:path path="circle">
-            <a:fillToRect l="50000" t="50000" r="50000" b="50000"/>
-          </a:path>
-        </a:gradFill>
-      </a:bgFillStyleLst>
-    </a:fmtScheme>
-  </a:themeElements>
-</a:theme>
 </file>